--- a/Presentation/Präsentation.pptx
+++ b/Presentation/Präsentation.pptx
@@ -237,7 +237,7 @@
 <file path=ppt/revisionInfo.xml><?xml version="1.0" encoding="utf-8"?>
 <p1510:revInfo xmlns:a="http://schemas.openxmlformats.org/drawingml/2006/main" xmlns:r="http://schemas.openxmlformats.org/officeDocument/2006/relationships" xmlns:p1510="http://schemas.microsoft.com/office/powerpoint/2015/10/main">
   <p1510:revLst>
-    <p1510:client id="{7EE33C7E-281C-4DCE-A251-5D3CBB8E23C5}" v="73" dt="2019-03-04T12:58:08.542"/>
+    <p1510:client id="{7EE33C7E-281C-4DCE-A251-5D3CBB8E23C5}" v="78" dt="2019-03-04T19:50:22.798"/>
   </p1510:revLst>
 </p1510:revInfo>
 </file>
@@ -247,7 +247,7 @@
   <pc:docChgLst>
     <pc:chgData name="Michael Karl Hinterdorfer" userId="c276cb87-832b-4bf2-ac0b-472e4dcf06a7" providerId="ADAL" clId="{7EE33C7E-281C-4DCE-A251-5D3CBB8E23C5}"/>
     <pc:docChg chg="undo custSel addSld delSld modSld sldOrd delSection modSection">
-      <pc:chgData name="Michael Karl Hinterdorfer" userId="c276cb87-832b-4bf2-ac0b-472e4dcf06a7" providerId="ADAL" clId="{7EE33C7E-281C-4DCE-A251-5D3CBB8E23C5}" dt="2019-03-04T12:58:20.014" v="2658" actId="2696"/>
+      <pc:chgData name="Michael Karl Hinterdorfer" userId="c276cb87-832b-4bf2-ac0b-472e4dcf06a7" providerId="ADAL" clId="{7EE33C7E-281C-4DCE-A251-5D3CBB8E23C5}" dt="2019-03-04T19:50:35.068" v="3615" actId="1076"/>
       <pc:docMkLst>
         <pc:docMk/>
       </pc:docMkLst>
@@ -5898,8 +5898,8 @@
           </ac:picMkLst>
         </pc:picChg>
       </pc:sldChg>
-      <pc:sldChg chg="modSp add ord">
-        <pc:chgData name="Michael Karl Hinterdorfer" userId="c276cb87-832b-4bf2-ac0b-472e4dcf06a7" providerId="ADAL" clId="{7EE33C7E-281C-4DCE-A251-5D3CBB8E23C5}" dt="2019-03-04T11:06:26.288" v="205" actId="5793"/>
+      <pc:sldChg chg="modSp add ord modNotesTx">
+        <pc:chgData name="Michael Karl Hinterdorfer" userId="c276cb87-832b-4bf2-ac0b-472e4dcf06a7" providerId="ADAL" clId="{7EE33C7E-281C-4DCE-A251-5D3CBB8E23C5}" dt="2019-03-04T19:46:05.334" v="2668" actId="20577"/>
         <pc:sldMkLst>
           <pc:docMk/>
           <pc:sldMk cId="1862104189" sldId="257"/>
@@ -5984,21 +5984,6 @@
         </pc:spChg>
       </pc:sldChg>
       <pc:sldChg chg="modSp add ord">
-        <pc:chgData name="Michael Karl Hinterdorfer" userId="c276cb87-832b-4bf2-ac0b-472e4dcf06a7" providerId="ADAL" clId="{7EE33C7E-281C-4DCE-A251-5D3CBB8E23C5}" dt="2019-02-25T19:21:05.370" v="115"/>
-        <pc:sldMkLst>
-          <pc:docMk/>
-          <pc:sldMk cId="4198132419" sldId="260"/>
-        </pc:sldMkLst>
-        <pc:spChg chg="mod">
-          <ac:chgData name="Michael Karl Hinterdorfer" userId="c276cb87-832b-4bf2-ac0b-472e4dcf06a7" providerId="ADAL" clId="{7EE33C7E-281C-4DCE-A251-5D3CBB8E23C5}" dt="2019-02-25T19:19:44.520" v="91" actId="20577"/>
-          <ac:spMkLst>
-            <pc:docMk/>
-            <pc:sldMk cId="4198132419" sldId="260"/>
-            <ac:spMk id="2" creationId="{B40A1AA7-B6B7-42C1-AED7-66A9FA901DD1}"/>
-          </ac:spMkLst>
-        </pc:spChg>
-      </pc:sldChg>
-      <pc:sldChg chg="modSp add ord">
         <pc:chgData name="Michael Karl Hinterdorfer" userId="c276cb87-832b-4bf2-ac0b-472e4dcf06a7" providerId="ADAL" clId="{7EE33C7E-281C-4DCE-A251-5D3CBB8E23C5}" dt="2019-02-25T19:21:08.471" v="116"/>
         <pc:sldMkLst>
           <pc:docMk/>
@@ -6028,8 +6013,8 @@
           </ac:spMkLst>
         </pc:spChg>
       </pc:sldChg>
-      <pc:sldChg chg="modSp add ord">
-        <pc:chgData name="Michael Karl Hinterdorfer" userId="c276cb87-832b-4bf2-ac0b-472e4dcf06a7" providerId="ADAL" clId="{7EE33C7E-281C-4DCE-A251-5D3CBB8E23C5}" dt="2019-03-04T11:06:08.388" v="204"/>
+      <pc:sldChg chg="addSp modSp add ord modNotesTx">
+        <pc:chgData name="Michael Karl Hinterdorfer" userId="c276cb87-832b-4bf2-ac0b-472e4dcf06a7" providerId="ADAL" clId="{7EE33C7E-281C-4DCE-A251-5D3CBB8E23C5}" dt="2019-03-04T19:50:35.068" v="3615" actId="1076"/>
         <pc:sldMkLst>
           <pc:docMk/>
           <pc:sldMk cId="2169290282" sldId="263"/>
@@ -6040,6 +6025,14 @@
             <pc:docMk/>
             <pc:sldMk cId="2169290282" sldId="263"/>
             <ac:spMk id="2" creationId="{2F589DC5-96A0-4097-828A-1F369ABF8BE1}"/>
+          </ac:spMkLst>
+        </pc:spChg>
+        <pc:spChg chg="add mod">
+          <ac:chgData name="Michael Karl Hinterdorfer" userId="c276cb87-832b-4bf2-ac0b-472e4dcf06a7" providerId="ADAL" clId="{7EE33C7E-281C-4DCE-A251-5D3CBB8E23C5}" dt="2019-03-04T19:50:35.068" v="3615" actId="1076"/>
+          <ac:spMkLst>
+            <pc:docMk/>
+            <pc:sldMk cId="2169290282" sldId="263"/>
+            <ac:spMk id="3" creationId="{B69E428D-4C73-429D-8E1D-071DDA5EEF83}"/>
           </ac:spMkLst>
         </pc:spChg>
       </pc:sldChg>
@@ -6310,7 +6303,7 @@
         </pc:picChg>
       </pc:sldChg>
       <pc:sldChg chg="modSp add">
-        <pc:chgData name="Michael Karl Hinterdorfer" userId="c276cb87-832b-4bf2-ac0b-472e4dcf06a7" providerId="ADAL" clId="{7EE33C7E-281C-4DCE-A251-5D3CBB8E23C5}" dt="2019-03-04T11:27:52.649" v="1634" actId="20577"/>
+        <pc:chgData name="Michael Karl Hinterdorfer" userId="c276cb87-832b-4bf2-ac0b-472e4dcf06a7" providerId="ADAL" clId="{7EE33C7E-281C-4DCE-A251-5D3CBB8E23C5}" dt="2019-03-04T19:32:22.154" v="2659" actId="20577"/>
         <pc:sldMkLst>
           <pc:docMk/>
           <pc:sldMk cId="2529328840" sldId="270"/>
@@ -6324,7 +6317,7 @@
           </ac:spMkLst>
         </pc:spChg>
         <pc:spChg chg="mod">
-          <ac:chgData name="Michael Karl Hinterdorfer" userId="c276cb87-832b-4bf2-ac0b-472e4dcf06a7" providerId="ADAL" clId="{7EE33C7E-281C-4DCE-A251-5D3CBB8E23C5}" dt="2019-03-04T11:27:52.649" v="1634" actId="20577"/>
+          <ac:chgData name="Michael Karl Hinterdorfer" userId="c276cb87-832b-4bf2-ac0b-472e4dcf06a7" providerId="ADAL" clId="{7EE33C7E-281C-4DCE-A251-5D3CBB8E23C5}" dt="2019-03-04T19:32:22.154" v="2659" actId="20577"/>
           <ac:spMkLst>
             <pc:docMk/>
             <pc:sldMk cId="2529328840" sldId="270"/>
@@ -6379,7 +6372,7 @@
         </pc:picChg>
       </pc:sldChg>
       <pc:sldChg chg="modSp add">
-        <pc:chgData name="Michael Karl Hinterdorfer" userId="c276cb87-832b-4bf2-ac0b-472e4dcf06a7" providerId="ADAL" clId="{7EE33C7E-281C-4DCE-A251-5D3CBB8E23C5}" dt="2019-03-04T11:32:28.495" v="1976" actId="20577"/>
+        <pc:chgData name="Michael Karl Hinterdorfer" userId="c276cb87-832b-4bf2-ac0b-472e4dcf06a7" providerId="ADAL" clId="{7EE33C7E-281C-4DCE-A251-5D3CBB8E23C5}" dt="2019-03-04T19:34:45.604" v="2667" actId="20577"/>
         <pc:sldMkLst>
           <pc:docMk/>
           <pc:sldMk cId="1431690073" sldId="273"/>
@@ -6393,7 +6386,7 @@
           </ac:spMkLst>
         </pc:spChg>
         <pc:spChg chg="mod">
-          <ac:chgData name="Michael Karl Hinterdorfer" userId="c276cb87-832b-4bf2-ac0b-472e4dcf06a7" providerId="ADAL" clId="{7EE33C7E-281C-4DCE-A251-5D3CBB8E23C5}" dt="2019-03-04T11:32:28.495" v="1976" actId="20577"/>
+          <ac:chgData name="Michael Karl Hinterdorfer" userId="c276cb87-832b-4bf2-ac0b-472e4dcf06a7" providerId="ADAL" clId="{7EE33C7E-281C-4DCE-A251-5D3CBB8E23C5}" dt="2019-03-04T19:34:45.604" v="2667" actId="20577"/>
           <ac:spMkLst>
             <pc:docMk/>
             <pc:sldMk cId="1431690073" sldId="273"/>
@@ -6571,6 +6564,27 @@
             <ac:spMk id="2" creationId="{172CA69F-6F9D-4D94-88C9-CE3512827A27}"/>
           </ac:spMkLst>
         </pc:spChg>
+      </pc:sldChg>
+      <pc:sldChg chg="modNotesTx">
+        <pc:chgData name="Michael Karl Hinterdorfer" userId="c276cb87-832b-4bf2-ac0b-472e4dcf06a7" providerId="ADAL" clId="{7EE33C7E-281C-4DCE-A251-5D3CBB8E23C5}" dt="2019-03-04T19:47:18.990" v="3028" actId="20577"/>
+        <pc:sldMkLst>
+          <pc:docMk/>
+          <pc:sldMk cId="4001873998" sldId="278"/>
+        </pc:sldMkLst>
+      </pc:sldChg>
+      <pc:sldChg chg="modNotesTx">
+        <pc:chgData name="Michael Karl Hinterdorfer" userId="c276cb87-832b-4bf2-ac0b-472e4dcf06a7" providerId="ADAL" clId="{7EE33C7E-281C-4DCE-A251-5D3CBB8E23C5}" dt="2019-03-04T19:47:29.509" v="3067" actId="20577"/>
+        <pc:sldMkLst>
+          <pc:docMk/>
+          <pc:sldMk cId="888768810" sldId="281"/>
+        </pc:sldMkLst>
+      </pc:sldChg>
+      <pc:sldChg chg="modNotesTx">
+        <pc:chgData name="Michael Karl Hinterdorfer" userId="c276cb87-832b-4bf2-ac0b-472e4dcf06a7" providerId="ADAL" clId="{7EE33C7E-281C-4DCE-A251-5D3CBB8E23C5}" dt="2019-03-04T19:48:55.014" v="3507" actId="20577"/>
+        <pc:sldMkLst>
+          <pc:docMk/>
+          <pc:sldMk cId="1317130372" sldId="284"/>
+        </pc:sldMkLst>
       </pc:sldChg>
     </pc:docChg>
   </pc:docChgLst>
@@ -6971,6 +6985,37 @@
           <a:bodyPr/>
           <a:lstStyle/>
           <a:p>
+            <a:pPr marL="0" marR="0" lvl="0" indent="0" algn="l" defTabSz="914400" rtl="0" eaLnBrk="1" fontAlgn="auto" latinLnBrk="0" hangingPunct="1">
+              <a:lnSpc>
+                <a:spcPct val="100000"/>
+              </a:lnSpc>
+              <a:spcBef>
+                <a:spcPts val="0"/>
+              </a:spcBef>
+              <a:spcAft>
+                <a:spcPts val="0"/>
+              </a:spcAft>
+              <a:buClrTx/>
+              <a:buSzTx/>
+              <a:buFontTx/>
+              <a:buNone/>
+              <a:tabLst/>
+              <a:defRPr/>
+            </a:pPr>
+            <a:r>
+              <a:rPr lang="de-AT" sz="1200" kern="1200" dirty="0">
+                <a:solidFill>
+                  <a:schemeClr val="tx1"/>
+                </a:solidFill>
+                <a:latin typeface="+mn-lt"/>
+                <a:ea typeface="+mn-ea"/>
+                <a:cs typeface="+mn-cs"/>
+              </a:rPr>
+              <a:t>Wie man den Herstellungsprozess von der konkreten Implementierung trennt und wie man die Erweiterbarkeit, Austauschbarkeit und Flexibilität seiner Software massiv erhöht möchte ich euch heute anhand des Factory Method Design Patterns erklären.</a:t>
+            </a:r>
+            <a:endParaRPr lang="de-AT" dirty="0"/>
+          </a:p>
+          <a:p>
             <a:endParaRPr lang="de-AT" dirty="0"/>
           </a:p>
         </p:txBody>
@@ -7055,6 +7100,612 @@
           <a:bodyPr/>
           <a:lstStyle/>
           <a:p>
+            <a:pPr marL="0" marR="0" lvl="0" indent="0" algn="l" defTabSz="914400" rtl="0" eaLnBrk="1" fontAlgn="auto" latinLnBrk="0" hangingPunct="1">
+              <a:lnSpc>
+                <a:spcPct val="100000"/>
+              </a:lnSpc>
+              <a:spcBef>
+                <a:spcPts val="0"/>
+              </a:spcBef>
+              <a:spcAft>
+                <a:spcPts val="0"/>
+              </a:spcAft>
+              <a:buClrTx/>
+              <a:buSzTx/>
+              <a:buFontTx/>
+              <a:buNone/>
+              <a:tabLst/>
+              <a:defRPr/>
+            </a:pPr>
+            <a:r>
+              <a:rPr lang="de-AT" dirty="0"/>
+              <a:t>Lösung: Vererbung und Verwendung einer abstrakten Methode, die eine Subklasse implementieren </a:t>
+            </a:r>
+            <a:r>
+              <a:rPr lang="de-AT" b="1" dirty="0"/>
+              <a:t>muss</a:t>
+            </a:r>
+            <a:r>
+              <a:rPr lang="de-AT" dirty="0"/>
+              <a:t>. Die abstrakte Methode ist die </a:t>
+            </a:r>
+            <a:r>
+              <a:rPr lang="de-AT" dirty="0" err="1"/>
+              <a:t>namensgebenede</a:t>
+            </a:r>
+            <a:r>
+              <a:rPr lang="de-AT" dirty="0"/>
+              <a:t> </a:t>
+            </a:r>
+            <a:r>
+              <a:rPr lang="de-AT" b="1" dirty="0"/>
+              <a:t>Factory Method</a:t>
+            </a:r>
+            <a:r>
+              <a:rPr lang="de-AT" dirty="0"/>
+              <a:t>.</a:t>
+            </a:r>
+          </a:p>
+          <a:p>
+            <a:endParaRPr lang="de-AT" dirty="0"/>
+          </a:p>
+        </p:txBody>
+      </p:sp>
+      <p:sp>
+        <p:nvSpPr>
+          <p:cNvPr id="4" name="Slide Number Placeholder 3"/>
+          <p:cNvSpPr>
+            <a:spLocks noGrp="1"/>
+          </p:cNvSpPr>
+          <p:nvPr>
+            <p:ph type="sldNum" sz="quarter" idx="5"/>
+          </p:nvPr>
+        </p:nvSpPr>
+        <p:spPr/>
+        <p:txBody>
+          <a:bodyPr/>
+          <a:lstStyle/>
+          <a:p>
+            <a:fld id="{2F0A8713-93F5-4EC8-AF83-4543E9DCF05D}" type="slidenum">
+              <a:rPr lang="de-AT" smtClean="0"/>
+              <a:t>21</a:t>
+            </a:fld>
+            <a:endParaRPr lang="de-AT"/>
+          </a:p>
+        </p:txBody>
+      </p:sp>
+    </p:spTree>
+    <p:extLst>
+      <p:ext uri="{BB962C8B-B14F-4D97-AF65-F5344CB8AC3E}">
+        <p14:creationId xmlns:p14="http://schemas.microsoft.com/office/powerpoint/2010/main" val="3477795421"/>
+      </p:ext>
+    </p:extLst>
+  </p:cSld>
+  <p:clrMapOvr>
+    <a:masterClrMapping/>
+  </p:clrMapOvr>
+</p:notes>
+</file>
+
+<file path=ppt/notesSlides/notesSlide11.xml><?xml version="1.0" encoding="utf-8"?>
+<p:notes xmlns:a="http://schemas.openxmlformats.org/drawingml/2006/main" xmlns:r="http://schemas.openxmlformats.org/officeDocument/2006/relationships" xmlns:p="http://schemas.openxmlformats.org/presentationml/2006/main">
+  <p:cSld>
+    <p:spTree>
+      <p:nvGrpSpPr>
+        <p:cNvPr id="1" name=""/>
+        <p:cNvGrpSpPr/>
+        <p:nvPr/>
+      </p:nvGrpSpPr>
+      <p:grpSpPr>
+        <a:xfrm>
+          <a:off x="0" y="0"/>
+          <a:ext cx="0" cy="0"/>
+          <a:chOff x="0" y="0"/>
+          <a:chExt cx="0" cy="0"/>
+        </a:xfrm>
+      </p:grpSpPr>
+      <p:sp>
+        <p:nvSpPr>
+          <p:cNvPr id="2" name="Slide Image Placeholder 1"/>
+          <p:cNvSpPr>
+            <a:spLocks noGrp="1" noRot="1" noChangeAspect="1"/>
+          </p:cNvSpPr>
+          <p:nvPr>
+            <p:ph type="sldImg"/>
+          </p:nvPr>
+        </p:nvSpPr>
+        <p:spPr/>
+      </p:sp>
+      <p:sp>
+        <p:nvSpPr>
+          <p:cNvPr id="3" name="Notes Placeholder 2"/>
+          <p:cNvSpPr>
+            <a:spLocks noGrp="1"/>
+          </p:cNvSpPr>
+          <p:nvPr>
+            <p:ph type="body" idx="1"/>
+          </p:nvPr>
+        </p:nvSpPr>
+        <p:spPr/>
+        <p:txBody>
+          <a:bodyPr/>
+          <a:lstStyle/>
+          <a:p>
+            <a:pPr marL="0" marR="0" lvl="0" indent="0" algn="l" defTabSz="914400" rtl="0" eaLnBrk="1" fontAlgn="auto" latinLnBrk="0" hangingPunct="1">
+              <a:lnSpc>
+                <a:spcPct val="100000"/>
+              </a:lnSpc>
+              <a:spcBef>
+                <a:spcPts val="0"/>
+              </a:spcBef>
+              <a:spcAft>
+                <a:spcPts val="0"/>
+              </a:spcAft>
+              <a:buClrTx/>
+              <a:buSzTx/>
+              <a:buFontTx/>
+              <a:buNone/>
+              <a:tabLst/>
+              <a:defRPr/>
+            </a:pPr>
+            <a:r>
+              <a:rPr lang="de-AT" dirty="0"/>
+              <a:t>Hier zeigt sich die Entsprechung der beiden </a:t>
+            </a:r>
+            <a:r>
+              <a:rPr lang="de-AT" dirty="0" err="1"/>
+              <a:t>Vererbungshierachien</a:t>
+            </a:r>
+            <a:r>
+              <a:rPr lang="de-AT" dirty="0"/>
+              <a:t> von </a:t>
+            </a:r>
+            <a:r>
+              <a:rPr lang="de-AT" dirty="0" err="1"/>
+              <a:t>Program</a:t>
+            </a:r>
+            <a:r>
+              <a:rPr lang="de-AT" dirty="0"/>
+              <a:t> und Softwareshop: Der abstrakte Softwareshop kennt nur das ebenso abstrakte </a:t>
+            </a:r>
+            <a:r>
+              <a:rPr lang="de-AT" dirty="0" err="1"/>
+              <a:t>Officeprogram</a:t>
+            </a:r>
+            <a:r>
+              <a:rPr lang="de-AT" dirty="0"/>
+              <a:t>. Die konkreten Subklassen kennen hingegen die konkreten Programme.</a:t>
+            </a:r>
+          </a:p>
+          <a:p>
+            <a:endParaRPr lang="de-AT" dirty="0"/>
+          </a:p>
+        </p:txBody>
+      </p:sp>
+      <p:sp>
+        <p:nvSpPr>
+          <p:cNvPr id="4" name="Slide Number Placeholder 3"/>
+          <p:cNvSpPr>
+            <a:spLocks noGrp="1"/>
+          </p:cNvSpPr>
+          <p:nvPr>
+            <p:ph type="sldNum" sz="quarter" idx="5"/>
+          </p:nvPr>
+        </p:nvSpPr>
+        <p:spPr/>
+        <p:txBody>
+          <a:bodyPr/>
+          <a:lstStyle/>
+          <a:p>
+            <a:fld id="{2F0A8713-93F5-4EC8-AF83-4543E9DCF05D}" type="slidenum">
+              <a:rPr lang="de-AT" smtClean="0"/>
+              <a:t>34</a:t>
+            </a:fld>
+            <a:endParaRPr lang="de-AT"/>
+          </a:p>
+        </p:txBody>
+      </p:sp>
+    </p:spTree>
+    <p:extLst>
+      <p:ext uri="{BB962C8B-B14F-4D97-AF65-F5344CB8AC3E}">
+        <p14:creationId xmlns:p14="http://schemas.microsoft.com/office/powerpoint/2010/main" val="1730717115"/>
+      </p:ext>
+    </p:extLst>
+  </p:cSld>
+  <p:clrMapOvr>
+    <a:masterClrMapping/>
+  </p:clrMapOvr>
+</p:notes>
+</file>
+
+<file path=ppt/notesSlides/notesSlide12.xml><?xml version="1.0" encoding="utf-8"?>
+<p:notes xmlns:a="http://schemas.openxmlformats.org/drawingml/2006/main" xmlns:r="http://schemas.openxmlformats.org/officeDocument/2006/relationships" xmlns:p="http://schemas.openxmlformats.org/presentationml/2006/main">
+  <p:cSld>
+    <p:spTree>
+      <p:nvGrpSpPr>
+        <p:cNvPr id="1" name=""/>
+        <p:cNvGrpSpPr/>
+        <p:nvPr/>
+      </p:nvGrpSpPr>
+      <p:grpSpPr>
+        <a:xfrm>
+          <a:off x="0" y="0"/>
+          <a:ext cx="0" cy="0"/>
+          <a:chOff x="0" y="0"/>
+          <a:chExt cx="0" cy="0"/>
+        </a:xfrm>
+      </p:grpSpPr>
+      <p:sp>
+        <p:nvSpPr>
+          <p:cNvPr id="2" name="Slide Image Placeholder 1"/>
+          <p:cNvSpPr>
+            <a:spLocks noGrp="1" noRot="1" noChangeAspect="1"/>
+          </p:cNvSpPr>
+          <p:nvPr>
+            <p:ph type="sldImg"/>
+          </p:nvPr>
+        </p:nvSpPr>
+        <p:spPr/>
+      </p:sp>
+      <p:sp>
+        <p:nvSpPr>
+          <p:cNvPr id="3" name="Notes Placeholder 2"/>
+          <p:cNvSpPr>
+            <a:spLocks noGrp="1"/>
+          </p:cNvSpPr>
+          <p:nvPr>
+            <p:ph type="body" idx="1"/>
+          </p:nvPr>
+        </p:nvSpPr>
+        <p:spPr/>
+        <p:txBody>
+          <a:bodyPr/>
+          <a:lstStyle/>
+          <a:p>
+            <a:r>
+              <a:rPr lang="de-AT" dirty="0"/>
+              <a:t>Abstrakter Softwareshop – Creator: deklariert die Factory-Method, die ein Objekt vom Typ </a:t>
+            </a:r>
+            <a:r>
+              <a:rPr lang="de-AT" dirty="0" err="1"/>
+              <a:t>Product</a:t>
+            </a:r>
+            <a:r>
+              <a:rPr lang="de-AT" dirty="0"/>
+              <a:t> zurückgibt.</a:t>
+            </a:r>
+          </a:p>
+          <a:p>
+            <a:r>
+              <a:rPr lang="de-AT" dirty="0"/>
+              <a:t>Konkrete </a:t>
+            </a:r>
+            <a:r>
+              <a:rPr lang="de-AT" dirty="0" err="1"/>
+              <a:t>OfficeSuiteFactorys</a:t>
+            </a:r>
+            <a:r>
+              <a:rPr lang="de-AT" dirty="0"/>
+              <a:t> – </a:t>
+            </a:r>
+            <a:r>
+              <a:rPr lang="de-AT" dirty="0" err="1"/>
+              <a:t>ConcreteCreator</a:t>
+            </a:r>
+            <a:r>
+              <a:rPr lang="de-AT" dirty="0"/>
+              <a:t>: überschreibt die Factory-Methode, um eine Instanz eines </a:t>
+            </a:r>
+            <a:r>
+              <a:rPr lang="de-AT" dirty="0" err="1"/>
+              <a:t>ConcreteProduct</a:t>
+            </a:r>
+            <a:r>
+              <a:rPr lang="de-AT" dirty="0"/>
+              <a:t> zurückzugeben</a:t>
+            </a:r>
+          </a:p>
+          <a:p>
+            <a:r>
+              <a:rPr lang="de-AT" dirty="0"/>
+              <a:t>Abstrakte </a:t>
+            </a:r>
+            <a:r>
+              <a:rPr lang="de-AT" dirty="0" err="1"/>
+              <a:t>OfficeProgramm</a:t>
+            </a:r>
+            <a:r>
+              <a:rPr lang="de-AT" dirty="0"/>
+              <a:t>-Schnittstelle – </a:t>
+            </a:r>
+            <a:r>
+              <a:rPr lang="de-AT" dirty="0" err="1"/>
+              <a:t>Product</a:t>
+            </a:r>
+            <a:r>
+              <a:rPr lang="de-AT" dirty="0"/>
+              <a:t>: Definiert die Schnittstelle der Objekte, die die Factory-Method erstellt.</a:t>
+            </a:r>
+          </a:p>
+          <a:p>
+            <a:r>
+              <a:rPr lang="de-AT" dirty="0"/>
+              <a:t>Konkrete Programme – </a:t>
+            </a:r>
+            <a:r>
+              <a:rPr lang="de-AT" dirty="0" err="1"/>
+              <a:t>ConcreteProduct</a:t>
+            </a:r>
+            <a:r>
+              <a:rPr lang="de-AT" dirty="0"/>
+              <a:t>: implementiert die </a:t>
+            </a:r>
+            <a:r>
+              <a:rPr lang="de-AT" dirty="0" err="1"/>
+              <a:t>Product</a:t>
+            </a:r>
+            <a:r>
+              <a:rPr lang="de-AT" dirty="0"/>
+              <a:t> Schnittstelle</a:t>
+            </a:r>
+          </a:p>
+          <a:p>
+            <a:endParaRPr lang="de-AT" dirty="0"/>
+          </a:p>
+        </p:txBody>
+      </p:sp>
+      <p:sp>
+        <p:nvSpPr>
+          <p:cNvPr id="4" name="Slide Number Placeholder 3"/>
+          <p:cNvSpPr>
+            <a:spLocks noGrp="1"/>
+          </p:cNvSpPr>
+          <p:nvPr>
+            <p:ph type="sldNum" sz="quarter" idx="5"/>
+          </p:nvPr>
+        </p:nvSpPr>
+        <p:spPr/>
+        <p:txBody>
+          <a:bodyPr/>
+          <a:lstStyle/>
+          <a:p>
+            <a:fld id="{2F0A8713-93F5-4EC8-AF83-4543E9DCF05D}" type="slidenum">
+              <a:rPr lang="de-AT" smtClean="0"/>
+              <a:t>35</a:t>
+            </a:fld>
+            <a:endParaRPr lang="de-AT"/>
+          </a:p>
+        </p:txBody>
+      </p:sp>
+    </p:spTree>
+    <p:extLst>
+      <p:ext uri="{BB962C8B-B14F-4D97-AF65-F5344CB8AC3E}">
+        <p14:creationId xmlns:p14="http://schemas.microsoft.com/office/powerpoint/2010/main" val="1515952419"/>
+      </p:ext>
+    </p:extLst>
+  </p:cSld>
+  <p:clrMapOvr>
+    <a:masterClrMapping/>
+  </p:clrMapOvr>
+</p:notes>
+</file>
+
+<file path=ppt/notesSlides/notesSlide13.xml><?xml version="1.0" encoding="utf-8"?>
+<p:notes xmlns:a="http://schemas.openxmlformats.org/drawingml/2006/main" xmlns:r="http://schemas.openxmlformats.org/officeDocument/2006/relationships" xmlns:p="http://schemas.openxmlformats.org/presentationml/2006/main">
+  <p:cSld>
+    <p:spTree>
+      <p:nvGrpSpPr>
+        <p:cNvPr id="1" name=""/>
+        <p:cNvGrpSpPr/>
+        <p:nvPr/>
+      </p:nvGrpSpPr>
+      <p:grpSpPr>
+        <a:xfrm>
+          <a:off x="0" y="0"/>
+          <a:ext cx="0" cy="0"/>
+          <a:chOff x="0" y="0"/>
+          <a:chExt cx="0" cy="0"/>
+        </a:xfrm>
+      </p:grpSpPr>
+      <p:sp>
+        <p:nvSpPr>
+          <p:cNvPr id="2" name="Slide Image Placeholder 1"/>
+          <p:cNvSpPr>
+            <a:spLocks noGrp="1" noRot="1" noChangeAspect="1"/>
+          </p:cNvSpPr>
+          <p:nvPr>
+            <p:ph type="sldImg"/>
+          </p:nvPr>
+        </p:nvSpPr>
+        <p:spPr/>
+      </p:sp>
+      <p:sp>
+        <p:nvSpPr>
+          <p:cNvPr id="3" name="Notes Placeholder 2"/>
+          <p:cNvSpPr>
+            <a:spLocks noGrp="1"/>
+          </p:cNvSpPr>
+          <p:nvPr>
+            <p:ph type="body" idx="1"/>
+          </p:nvPr>
+        </p:nvSpPr>
+        <p:spPr/>
+        <p:txBody>
+          <a:bodyPr/>
+          <a:lstStyle/>
+          <a:p>
+            <a:r>
+              <a:rPr lang="de-AT" dirty="0"/>
+              <a:t>Abstrakter Softwareshop – Creator: deklariert die Factory-Method, die ein Objekt vom Typ </a:t>
+            </a:r>
+            <a:r>
+              <a:rPr lang="de-AT" dirty="0" err="1"/>
+              <a:t>Product</a:t>
+            </a:r>
+            <a:r>
+              <a:rPr lang="de-AT" dirty="0"/>
+              <a:t> zurückgibt.</a:t>
+            </a:r>
+          </a:p>
+          <a:p>
+            <a:r>
+              <a:rPr lang="de-AT" dirty="0"/>
+              <a:t>Konkrete </a:t>
+            </a:r>
+            <a:r>
+              <a:rPr lang="de-AT" dirty="0" err="1"/>
+              <a:t>OfficeSuiteFactorys</a:t>
+            </a:r>
+            <a:r>
+              <a:rPr lang="de-AT" dirty="0"/>
+              <a:t> – </a:t>
+            </a:r>
+            <a:r>
+              <a:rPr lang="de-AT" dirty="0" err="1"/>
+              <a:t>ConcreteCreator</a:t>
+            </a:r>
+            <a:r>
+              <a:rPr lang="de-AT" dirty="0"/>
+              <a:t>: überschreibt die Factory-Methode, um eine Instanz eines </a:t>
+            </a:r>
+            <a:r>
+              <a:rPr lang="de-AT" dirty="0" err="1"/>
+              <a:t>ConcreteProduct</a:t>
+            </a:r>
+            <a:r>
+              <a:rPr lang="de-AT" dirty="0"/>
+              <a:t> zurückzugeben</a:t>
+            </a:r>
+          </a:p>
+          <a:p>
+            <a:r>
+              <a:rPr lang="de-AT" dirty="0"/>
+              <a:t>Abstrakte </a:t>
+            </a:r>
+            <a:r>
+              <a:rPr lang="de-AT" dirty="0" err="1"/>
+              <a:t>OfficeProgramm</a:t>
+            </a:r>
+            <a:r>
+              <a:rPr lang="de-AT" dirty="0"/>
+              <a:t>-Schnittstelle – </a:t>
+            </a:r>
+            <a:r>
+              <a:rPr lang="de-AT" dirty="0" err="1"/>
+              <a:t>Product</a:t>
+            </a:r>
+            <a:r>
+              <a:rPr lang="de-AT" dirty="0"/>
+              <a:t>: Definiert die Schnittstelle der Objekte, die die Factory-Method erstellt.</a:t>
+            </a:r>
+          </a:p>
+          <a:p>
+            <a:r>
+              <a:rPr lang="de-AT" dirty="0"/>
+              <a:t>Konkrete Programme – </a:t>
+            </a:r>
+            <a:r>
+              <a:rPr lang="de-AT" dirty="0" err="1"/>
+              <a:t>ConcreteProduct</a:t>
+            </a:r>
+            <a:r>
+              <a:rPr lang="de-AT" dirty="0"/>
+              <a:t>: implementiert die </a:t>
+            </a:r>
+            <a:r>
+              <a:rPr lang="de-AT" dirty="0" err="1"/>
+              <a:t>Product</a:t>
+            </a:r>
+            <a:r>
+              <a:rPr lang="de-AT" dirty="0"/>
+              <a:t> Schnittstelle</a:t>
+            </a:r>
+          </a:p>
+          <a:p>
+            <a:endParaRPr lang="de-AT" dirty="0"/>
+          </a:p>
+        </p:txBody>
+      </p:sp>
+      <p:sp>
+        <p:nvSpPr>
+          <p:cNvPr id="4" name="Slide Number Placeholder 3"/>
+          <p:cNvSpPr>
+            <a:spLocks noGrp="1"/>
+          </p:cNvSpPr>
+          <p:nvPr>
+            <p:ph type="sldNum" sz="quarter" idx="5"/>
+          </p:nvPr>
+        </p:nvSpPr>
+        <p:spPr/>
+        <p:txBody>
+          <a:bodyPr/>
+          <a:lstStyle/>
+          <a:p>
+            <a:fld id="{2F0A8713-93F5-4EC8-AF83-4543E9DCF05D}" type="slidenum">
+              <a:rPr lang="de-AT" smtClean="0"/>
+              <a:t>36</a:t>
+            </a:fld>
+            <a:endParaRPr lang="de-AT"/>
+          </a:p>
+        </p:txBody>
+      </p:sp>
+    </p:spTree>
+    <p:extLst>
+      <p:ext uri="{BB962C8B-B14F-4D97-AF65-F5344CB8AC3E}">
+        <p14:creationId xmlns:p14="http://schemas.microsoft.com/office/powerpoint/2010/main" val="3834334620"/>
+      </p:ext>
+    </p:extLst>
+  </p:cSld>
+  <p:clrMapOvr>
+    <a:masterClrMapping/>
+  </p:clrMapOvr>
+</p:notes>
+</file>
+
+<file path=ppt/notesSlides/notesSlide14.xml><?xml version="1.0" encoding="utf-8"?>
+<p:notes xmlns:a="http://schemas.openxmlformats.org/drawingml/2006/main" xmlns:r="http://schemas.openxmlformats.org/officeDocument/2006/relationships" xmlns:p="http://schemas.openxmlformats.org/presentationml/2006/main">
+  <p:cSld>
+    <p:spTree>
+      <p:nvGrpSpPr>
+        <p:cNvPr id="1" name=""/>
+        <p:cNvGrpSpPr/>
+        <p:nvPr/>
+      </p:nvGrpSpPr>
+      <p:grpSpPr>
+        <a:xfrm>
+          <a:off x="0" y="0"/>
+          <a:ext cx="0" cy="0"/>
+          <a:chOff x="0" y="0"/>
+          <a:chExt cx="0" cy="0"/>
+        </a:xfrm>
+      </p:grpSpPr>
+      <p:sp>
+        <p:nvSpPr>
+          <p:cNvPr id="2" name="Slide Image Placeholder 1"/>
+          <p:cNvSpPr>
+            <a:spLocks noGrp="1" noRot="1" noChangeAspect="1"/>
+          </p:cNvSpPr>
+          <p:nvPr>
+            <p:ph type="sldImg"/>
+          </p:nvPr>
+        </p:nvSpPr>
+        <p:spPr/>
+      </p:sp>
+      <p:sp>
+        <p:nvSpPr>
+          <p:cNvPr id="3" name="Notes Placeholder 2"/>
+          <p:cNvSpPr>
+            <a:spLocks noGrp="1"/>
+          </p:cNvSpPr>
+          <p:nvPr>
+            <p:ph type="body" idx="1"/>
+          </p:nvPr>
+        </p:nvSpPr>
+        <p:spPr/>
+        <p:txBody>
+          <a:bodyPr/>
+          <a:lstStyle/>
+          <a:p>
             <a:endParaRPr lang="de-AT" dirty="0"/>
           </a:p>
         </p:txBody>
@@ -7251,6 +7902,23 @@
           <a:bodyPr/>
           <a:lstStyle/>
           <a:p>
+            <a:pPr marL="0" marR="0" lvl="0" indent="0" algn="l" defTabSz="914400" rtl="0" eaLnBrk="1" fontAlgn="auto" latinLnBrk="0" hangingPunct="1">
+              <a:lnSpc>
+                <a:spcPct val="100000"/>
+              </a:lnSpc>
+              <a:spcBef>
+                <a:spcPts val="0"/>
+              </a:spcBef>
+              <a:spcAft>
+                <a:spcPts val="0"/>
+              </a:spcAft>
+              <a:buClrTx/>
+              <a:buSzTx/>
+              <a:buFontTx/>
+              <a:buNone/>
+              <a:tabLst/>
+              <a:defRPr/>
+            </a:pPr>
             <a:r>
               <a:rPr lang="de-AT" dirty="0"/>
               <a:t>Die Definition aus dem Buch „</a:t>
@@ -7281,8 +7949,29 @@
             </a:r>
             <a:r>
               <a:rPr lang="en-GB" dirty="0"/>
-              <a:t>:</a:t>
-            </a:r>
+              <a:t>: </a:t>
+            </a:r>
+            <a:r>
+              <a:rPr lang="de-AT" sz="1200" kern="1200" dirty="0">
+                <a:solidFill>
+                  <a:schemeClr val="bg1"/>
+                </a:solidFill>
+                <a:latin typeface="+mn-lt"/>
+                <a:ea typeface="+mn-ea"/>
+                <a:cs typeface="Circular Std Book" panose="020B0604020101020102" pitchFamily="34" charset="0"/>
+              </a:rPr>
+              <a:t>„Definiere eine Klassenschnittstelle zum Erzeugen eines Objekts, aber lasse Unterklassen entscheiden, welche Klasse instanziiert werden soll. Factory-Methods ermöglichen es einer Klasse, die Erzeugung von Objekten an Unterklassen zu delegieren.“</a:t>
+            </a:r>
+            <a:endParaRPr lang="en-GB" sz="1200" kern="1200" dirty="0">
+              <a:solidFill>
+                <a:schemeClr val="bg1"/>
+              </a:solidFill>
+              <a:latin typeface="+mn-lt"/>
+              <a:ea typeface="+mn-ea"/>
+              <a:cs typeface="Circular Std Book" panose="020B0604020101020102" pitchFamily="34" charset="0"/>
+            </a:endParaRPr>
+          </a:p>
+          <a:p>
             <a:endParaRPr lang="de-AT" dirty="0"/>
           </a:p>
         </p:txBody>
@@ -7367,102 +8056,9 @@
           <a:bodyPr/>
           <a:lstStyle/>
           <a:p>
-            <a:pPr marL="0" marR="0" lvl="0" indent="0" algn="l" defTabSz="914400" rtl="0" eaLnBrk="1" fontAlgn="auto" latinLnBrk="0" hangingPunct="1">
-              <a:lnSpc>
-                <a:spcPct val="100000"/>
-              </a:lnSpc>
-              <a:spcBef>
-                <a:spcPts val="0"/>
-              </a:spcBef>
-              <a:spcAft>
-                <a:spcPts val="0"/>
-              </a:spcAft>
-              <a:buClrTx/>
-              <a:buSzTx/>
-              <a:buFontTx/>
-              <a:buNone/>
-              <a:tabLst/>
-              <a:defRPr/>
-            </a:pPr>
             <a:r>
               <a:rPr lang="de-AT" dirty="0"/>
-              <a:t>Kohäsion: </a:t>
-            </a:r>
-            <a:r>
-              <a:rPr lang="de-AT" sz="1200" b="0" i="0" kern="1200" dirty="0">
-                <a:solidFill>
-                  <a:schemeClr val="tx1"/>
-                </a:solidFill>
-                <a:effectLst/>
-                <a:latin typeface="+mn-lt"/>
-                <a:ea typeface="+mn-ea"/>
-                <a:cs typeface="+mn-cs"/>
-              </a:rPr>
-              <a:t>beschreibt wie gut eine Programmeinheit eine logische Aufgabe - In einem System mit starker Kohäsion ist jede Programmeinheit verantwortlich für genau eine wohldefinierte Aufgabe.</a:t>
-            </a:r>
-            <a:endParaRPr lang="de-AT" dirty="0"/>
-          </a:p>
-          <a:p>
-            <a:pPr marL="0" marR="0" lvl="0" indent="0" algn="l" defTabSz="914400" rtl="0" eaLnBrk="1" fontAlgn="auto" latinLnBrk="0" hangingPunct="1">
-              <a:lnSpc>
-                <a:spcPct val="100000"/>
-              </a:lnSpc>
-              <a:spcBef>
-                <a:spcPts val="0"/>
-              </a:spcBef>
-              <a:spcAft>
-                <a:spcPts val="0"/>
-              </a:spcAft>
-              <a:buClrTx/>
-              <a:buSzTx/>
-              <a:buFontTx/>
-              <a:buNone/>
-              <a:tabLst/>
-              <a:defRPr/>
-            </a:pPr>
-            <a:r>
-              <a:rPr lang="de-AT" dirty="0"/>
-              <a:t>Geringe Kohäsion: Die Programminstanziierung und die weitere Verarbeitung werden zusammen durchgeführt.</a:t>
-            </a:r>
-          </a:p>
-          <a:p>
-            <a:pPr marL="0" marR="0" lvl="0" indent="0" algn="l" defTabSz="914400" rtl="0" eaLnBrk="1" fontAlgn="auto" latinLnBrk="0" hangingPunct="1">
-              <a:lnSpc>
-                <a:spcPct val="100000"/>
-              </a:lnSpc>
-              <a:spcBef>
-                <a:spcPts val="0"/>
-              </a:spcBef>
-              <a:spcAft>
-                <a:spcPts val="0"/>
-              </a:spcAft>
-              <a:buClrTx/>
-              <a:buSzTx/>
-              <a:buFontTx/>
-              <a:buNone/>
-              <a:tabLst/>
-              <a:defRPr/>
-            </a:pPr>
-            <a:r>
-              <a:rPr lang="de-AT" dirty="0"/>
-              <a:t>Wiederverwendbarkeit: Was ist, wenn neue Klassen andere </a:t>
-            </a:r>
-            <a:r>
-              <a:rPr lang="de-AT" dirty="0" err="1"/>
-              <a:t>OfficeProgramme</a:t>
-            </a:r>
-            <a:r>
-              <a:rPr lang="de-AT" dirty="0"/>
-              <a:t> instanziieren wollen, den Verarbeitungscode allerdings wiederverwenden möchten?</a:t>
-            </a:r>
-          </a:p>
-          <a:p>
-            <a:endParaRPr lang="de-AT" dirty="0"/>
-          </a:p>
-          <a:p>
-            <a:r>
-              <a:rPr lang="de-AT" dirty="0"/>
-              <a:t>Dazu das Offen/Geschlossen Prinzip:</a:t>
+              <a:t>Das Pattern hat folgende Eigenschaften: Es ermöglicht es den Client von der konkreten Instanziierung von Klassen zu entkoppeln. Außerdem trennt es die Objektverwaltung und die Objektherstellung. Dadurch ist es nicht mehr notwendig, anwendungsspezifische Klassen in den Code einzubinden. Der Code behandelt nur mehr die Schnittstellen.</a:t>
             </a:r>
           </a:p>
         </p:txBody>
@@ -7484,7 +8080,7 @@
           <a:p>
             <a:fld id="{2F0A8713-93F5-4EC8-AF83-4543E9DCF05D}" type="slidenum">
               <a:rPr lang="de-AT" smtClean="0"/>
-              <a:t>10</a:t>
+              <a:t>4</a:t>
             </a:fld>
             <a:endParaRPr lang="de-AT"/>
           </a:p>
@@ -7493,7 +8089,7 @@
     </p:spTree>
     <p:extLst>
       <p:ext uri="{BB962C8B-B14F-4D97-AF65-F5344CB8AC3E}">
-        <p14:creationId xmlns:p14="http://schemas.microsoft.com/office/powerpoint/2010/main" val="1278774113"/>
+        <p14:creationId xmlns:p14="http://schemas.microsoft.com/office/powerpoint/2010/main" val="4207723786"/>
       </p:ext>
     </p:extLst>
   </p:cSld>
@@ -7547,50 +8143,9 @@
           <a:bodyPr/>
           <a:lstStyle/>
           <a:p>
-            <a:pPr marL="0" marR="0" lvl="0" indent="0" algn="l" defTabSz="914400" rtl="0" eaLnBrk="1" fontAlgn="auto" latinLnBrk="0" hangingPunct="1">
-              <a:lnSpc>
-                <a:spcPct val="100000"/>
-              </a:lnSpc>
-              <a:spcBef>
-                <a:spcPts val="0"/>
-              </a:spcBef>
-              <a:spcAft>
-                <a:spcPts val="0"/>
-              </a:spcAft>
-              <a:buClrTx/>
-              <a:buSzTx/>
-              <a:buFontTx/>
-              <a:buNone/>
-              <a:tabLst/>
-              <a:defRPr/>
-            </a:pPr>
             <a:r>
               <a:rPr lang="de-AT" dirty="0"/>
-              <a:t>Lösung: Vererbung und Verwendung einer abstrakten Methode, die eine Subklasse implementieren </a:t>
-            </a:r>
-            <a:r>
-              <a:rPr lang="de-AT" b="1" dirty="0"/>
-              <a:t>muss</a:t>
-            </a:r>
-            <a:r>
-              <a:rPr lang="de-AT" dirty="0"/>
-              <a:t>. Die abstrakte Methode ist die </a:t>
-            </a:r>
-            <a:r>
-              <a:rPr lang="de-AT" dirty="0" err="1"/>
-              <a:t>namensgebenede</a:t>
-            </a:r>
-            <a:r>
-              <a:rPr lang="de-AT" dirty="0"/>
-              <a:t> </a:t>
-            </a:r>
-            <a:r>
-              <a:rPr lang="de-AT" b="1" dirty="0"/>
-              <a:t>Factory Method</a:t>
-            </a:r>
-            <a:r>
-              <a:rPr lang="de-AT" dirty="0"/>
-              <a:t>.</a:t>
+              <a:t>Aber wann wird das Pattern eingesetzt?</a:t>
             </a:r>
           </a:p>
           <a:p>
@@ -7615,7 +8170,7 @@
           <a:p>
             <a:fld id="{2F0A8713-93F5-4EC8-AF83-4543E9DCF05D}" type="slidenum">
               <a:rPr lang="de-AT" smtClean="0"/>
-              <a:t>20</a:t>
+              <a:t>5</a:t>
             </a:fld>
             <a:endParaRPr lang="de-AT"/>
           </a:p>
@@ -7624,7 +8179,7 @@
     </p:spTree>
     <p:extLst>
       <p:ext uri="{BB962C8B-B14F-4D97-AF65-F5344CB8AC3E}">
-        <p14:creationId xmlns:p14="http://schemas.microsoft.com/office/powerpoint/2010/main" val="1321742618"/>
+        <p14:creationId xmlns:p14="http://schemas.microsoft.com/office/powerpoint/2010/main" val="3538988822"/>
       </p:ext>
     </p:extLst>
   </p:cSld>
@@ -7678,54 +8233,22 @@
           <a:bodyPr/>
           <a:lstStyle/>
           <a:p>
-            <a:pPr marL="0" marR="0" lvl="0" indent="0" algn="l" defTabSz="914400" rtl="0" eaLnBrk="1" fontAlgn="auto" latinLnBrk="0" hangingPunct="1">
-              <a:lnSpc>
-                <a:spcPct val="100000"/>
-              </a:lnSpc>
-              <a:spcBef>
-                <a:spcPts val="0"/>
-              </a:spcBef>
-              <a:spcAft>
-                <a:spcPts val="0"/>
-              </a:spcAft>
-              <a:buClrTx/>
-              <a:buSzTx/>
-              <a:buFontTx/>
-              <a:buNone/>
-              <a:tabLst/>
-              <a:defRPr/>
-            </a:pPr>
             <a:r>
               <a:rPr lang="de-AT" dirty="0"/>
-              <a:t>Lösung: Vererbung und Verwendung einer abstrakten Methode, die eine Subklasse implementieren </a:t>
-            </a:r>
-            <a:r>
-              <a:rPr lang="de-AT" b="1" dirty="0"/>
-              <a:t>muss</a:t>
-            </a:r>
+              <a:t>Das Pattern findet Anwendung in folgenden Problemstellungen: Wenn eine Klasse die Klasse der Objekte, die sie erstellen muss, nicht vorhersehen kann.</a:t>
+            </a:r>
+          </a:p>
+          <a:p>
             <a:r>
               <a:rPr lang="de-AT" dirty="0"/>
-              <a:t>. Die abstrakte Methode ist die </a:t>
-            </a:r>
-            <a:r>
-              <a:rPr lang="de-AT" dirty="0" err="1"/>
-              <a:t>namensgebenede</a:t>
-            </a:r>
+              <a:t>Oder wenn eine Klasse möchte, dass ihre Unterklassen die zu erstellenden Objekte definiert.</a:t>
+            </a:r>
+          </a:p>
+          <a:p>
             <a:r>
               <a:rPr lang="de-AT" dirty="0"/>
-              <a:t> </a:t>
-            </a:r>
-            <a:r>
-              <a:rPr lang="de-AT" b="1" dirty="0"/>
-              <a:t>Factory Method</a:t>
-            </a:r>
-            <a:r>
-              <a:rPr lang="de-AT" dirty="0"/>
-              <a:t>.</a:t>
-            </a:r>
-          </a:p>
-          <a:p>
-            <a:endParaRPr lang="de-AT" dirty="0"/>
+              <a:t>Die letzte Problemstellung ist wenn Klassen die Verantwortung an eine  von mehreren Helfer-Unterklassen delegiert, und wissen möchte, welche Unterklasse der Delegierte ist.</a:t>
+            </a:r>
           </a:p>
         </p:txBody>
       </p:sp>
@@ -7746,7 +8269,7 @@
           <a:p>
             <a:fld id="{2F0A8713-93F5-4EC8-AF83-4543E9DCF05D}" type="slidenum">
               <a:rPr lang="de-AT" smtClean="0"/>
-              <a:t>21</a:t>
+              <a:t>6</a:t>
             </a:fld>
             <a:endParaRPr lang="de-AT"/>
           </a:p>
@@ -7755,7 +8278,7 @@
     </p:spTree>
     <p:extLst>
       <p:ext uri="{BB962C8B-B14F-4D97-AF65-F5344CB8AC3E}">
-        <p14:creationId xmlns:p14="http://schemas.microsoft.com/office/powerpoint/2010/main" val="3477795421"/>
+        <p14:creationId xmlns:p14="http://schemas.microsoft.com/office/powerpoint/2010/main" val="642804781"/>
       </p:ext>
     </p:extLst>
   </p:cSld>
@@ -7809,54 +8332,10 @@
           <a:bodyPr/>
           <a:lstStyle/>
           <a:p>
-            <a:pPr marL="0" marR="0" lvl="0" indent="0" algn="l" defTabSz="914400" rtl="0" eaLnBrk="1" fontAlgn="auto" latinLnBrk="0" hangingPunct="1">
-              <a:lnSpc>
-                <a:spcPct val="100000"/>
-              </a:lnSpc>
-              <a:spcBef>
-                <a:spcPts val="0"/>
-              </a:spcBef>
-              <a:spcAft>
-                <a:spcPts val="0"/>
-              </a:spcAft>
-              <a:buClrTx/>
-              <a:buSzTx/>
-              <a:buFontTx/>
-              <a:buNone/>
-              <a:tabLst/>
-              <a:defRPr/>
-            </a:pPr>
             <a:r>
               <a:rPr lang="de-AT" dirty="0"/>
-              <a:t>Hier zeigt sich die Entsprechung der beiden </a:t>
-            </a:r>
-            <a:r>
-              <a:rPr lang="de-AT" dirty="0" err="1"/>
-              <a:t>Vererbungshierachien</a:t>
-            </a:r>
-            <a:r>
-              <a:rPr lang="de-AT" dirty="0"/>
-              <a:t> von </a:t>
-            </a:r>
-            <a:r>
-              <a:rPr lang="de-AT" dirty="0" err="1"/>
-              <a:t>Program</a:t>
-            </a:r>
-            <a:r>
-              <a:rPr lang="de-AT" dirty="0"/>
-              <a:t> und Softwareshop: Der abstrakte Softwareshop kennt nur das ebenso abstrakte </a:t>
-            </a:r>
-            <a:r>
-              <a:rPr lang="de-AT" dirty="0" err="1"/>
-              <a:t>Officeprogram</a:t>
-            </a:r>
-            <a:r>
-              <a:rPr lang="de-AT" dirty="0"/>
-              <a:t>. Die konkreten Subklassen kennen hingegen die konkreten Programme.</a:t>
-            </a:r>
-          </a:p>
-          <a:p>
-            <a:endParaRPr lang="de-AT" dirty="0"/>
+              <a:t>Ich möchte die Problemstellung Schritt für Schritt anhand eines Beispiels erklären.</a:t>
+            </a:r>
           </a:p>
         </p:txBody>
       </p:sp>
@@ -7877,7 +8356,7 @@
           <a:p>
             <a:fld id="{2F0A8713-93F5-4EC8-AF83-4543E9DCF05D}" type="slidenum">
               <a:rPr lang="de-AT" smtClean="0"/>
-              <a:t>34</a:t>
+              <a:t>7</a:t>
             </a:fld>
             <a:endParaRPr lang="de-AT"/>
           </a:p>
@@ -7886,7 +8365,7 @@
     </p:spTree>
     <p:extLst>
       <p:ext uri="{BB962C8B-B14F-4D97-AF65-F5344CB8AC3E}">
-        <p14:creationId xmlns:p14="http://schemas.microsoft.com/office/powerpoint/2010/main" val="1730717115"/>
+        <p14:creationId xmlns:p14="http://schemas.microsoft.com/office/powerpoint/2010/main" val="11113837"/>
       </p:ext>
     </p:extLst>
   </p:cSld>
@@ -7940,95 +8419,103 @@
           <a:bodyPr/>
           <a:lstStyle/>
           <a:p>
+            <a:pPr marL="0" marR="0" lvl="0" indent="0" algn="l" defTabSz="914400" rtl="0" eaLnBrk="1" fontAlgn="auto" latinLnBrk="0" hangingPunct="1">
+              <a:lnSpc>
+                <a:spcPct val="100000"/>
+              </a:lnSpc>
+              <a:spcBef>
+                <a:spcPts val="0"/>
+              </a:spcBef>
+              <a:spcAft>
+                <a:spcPts val="0"/>
+              </a:spcAft>
+              <a:buClrTx/>
+              <a:buSzTx/>
+              <a:buFontTx/>
+              <a:buNone/>
+              <a:tabLst/>
+              <a:defRPr/>
+            </a:pPr>
             <a:r>
               <a:rPr lang="de-AT" dirty="0"/>
-              <a:t>Abstrakter Softwareshop – Creator: deklariert die Factory-Method, die ein Objekt vom Typ </a:t>
+              <a:t>Kohäsion: </a:t>
+            </a:r>
+            <a:r>
+              <a:rPr lang="de-AT" sz="1200" b="0" i="0" kern="1200" dirty="0">
+                <a:solidFill>
+                  <a:schemeClr val="tx1"/>
+                </a:solidFill>
+                <a:effectLst/>
+                <a:latin typeface="+mn-lt"/>
+                <a:ea typeface="+mn-ea"/>
+                <a:cs typeface="+mn-cs"/>
+              </a:rPr>
+              <a:t>beschreibt wie gut eine Programmeinheit eine logische Aufgabe - In einem System mit starker Kohäsion ist jede Programmeinheit verantwortlich für genau eine wohldefinierte Aufgabe.</a:t>
+            </a:r>
+            <a:endParaRPr lang="de-AT" dirty="0"/>
+          </a:p>
+          <a:p>
+            <a:pPr marL="0" marR="0" lvl="0" indent="0" algn="l" defTabSz="914400" rtl="0" eaLnBrk="1" fontAlgn="auto" latinLnBrk="0" hangingPunct="1">
+              <a:lnSpc>
+                <a:spcPct val="100000"/>
+              </a:lnSpc>
+              <a:spcBef>
+                <a:spcPts val="0"/>
+              </a:spcBef>
+              <a:spcAft>
+                <a:spcPts val="0"/>
+              </a:spcAft>
+              <a:buClrTx/>
+              <a:buSzTx/>
+              <a:buFontTx/>
+              <a:buNone/>
+              <a:tabLst/>
+              <a:defRPr/>
+            </a:pPr>
+            <a:r>
+              <a:rPr lang="de-AT" dirty="0"/>
+              <a:t>Geringe Kohäsion: Die Programminstanziierung und die weitere Verarbeitung werden zusammen durchgeführt.</a:t>
+            </a:r>
+          </a:p>
+          <a:p>
+            <a:pPr marL="0" marR="0" lvl="0" indent="0" algn="l" defTabSz="914400" rtl="0" eaLnBrk="1" fontAlgn="auto" latinLnBrk="0" hangingPunct="1">
+              <a:lnSpc>
+                <a:spcPct val="100000"/>
+              </a:lnSpc>
+              <a:spcBef>
+                <a:spcPts val="0"/>
+              </a:spcBef>
+              <a:spcAft>
+                <a:spcPts val="0"/>
+              </a:spcAft>
+              <a:buClrTx/>
+              <a:buSzTx/>
+              <a:buFontTx/>
+              <a:buNone/>
+              <a:tabLst/>
+              <a:defRPr/>
+            </a:pPr>
+            <a:r>
+              <a:rPr lang="de-AT" dirty="0"/>
+              <a:t>Wiederverwendbarkeit: Was ist, wenn neue Klassen andere </a:t>
             </a:r>
             <a:r>
               <a:rPr lang="de-AT" dirty="0" err="1"/>
-              <a:t>Product</a:t>
+              <a:t>OfficeProgramme</a:t>
             </a:r>
             <a:r>
               <a:rPr lang="de-AT" dirty="0"/>
-              <a:t> zurückgibt.</a:t>
-            </a:r>
+              <a:t> instanziieren wollen, den Verarbeitungscode allerdings wiederverwenden möchten?</a:t>
+            </a:r>
+          </a:p>
+          <a:p>
+            <a:endParaRPr lang="de-AT" dirty="0"/>
           </a:p>
           <a:p>
             <a:r>
               <a:rPr lang="de-AT" dirty="0"/>
-              <a:t>Konkrete </a:t>
-            </a:r>
-            <a:r>
-              <a:rPr lang="de-AT" dirty="0" err="1"/>
-              <a:t>OfficeSuiteFactorys</a:t>
-            </a:r>
-            <a:r>
-              <a:rPr lang="de-AT" dirty="0"/>
-              <a:t> – </a:t>
-            </a:r>
-            <a:r>
-              <a:rPr lang="de-AT" dirty="0" err="1"/>
-              <a:t>ConcreteCreator</a:t>
-            </a:r>
-            <a:r>
-              <a:rPr lang="de-AT" dirty="0"/>
-              <a:t>: überschreibt die Factory-Methode, um eine Instanz eines </a:t>
-            </a:r>
-            <a:r>
-              <a:rPr lang="de-AT" dirty="0" err="1"/>
-              <a:t>ConcreteProduct</a:t>
-            </a:r>
-            <a:r>
-              <a:rPr lang="de-AT" dirty="0"/>
-              <a:t> zurückzugeben</a:t>
-            </a:r>
-          </a:p>
-          <a:p>
-            <a:r>
-              <a:rPr lang="de-AT" dirty="0"/>
-              <a:t>Abstrakte </a:t>
-            </a:r>
-            <a:r>
-              <a:rPr lang="de-AT" dirty="0" err="1"/>
-              <a:t>OfficeProgramm</a:t>
-            </a:r>
-            <a:r>
-              <a:rPr lang="de-AT" dirty="0"/>
-              <a:t>-Schnittstelle – </a:t>
-            </a:r>
-            <a:r>
-              <a:rPr lang="de-AT" dirty="0" err="1"/>
-              <a:t>Product</a:t>
-            </a:r>
-            <a:r>
-              <a:rPr lang="de-AT" dirty="0"/>
-              <a:t>: Definiert die Schnittstelle der Objekte, die die Factory-Method erstellt.</a:t>
-            </a:r>
-          </a:p>
-          <a:p>
-            <a:r>
-              <a:rPr lang="de-AT" dirty="0"/>
-              <a:t>Konkrete Programme – </a:t>
-            </a:r>
-            <a:r>
-              <a:rPr lang="de-AT" dirty="0" err="1"/>
-              <a:t>ConcreteProduct</a:t>
-            </a:r>
-            <a:r>
-              <a:rPr lang="de-AT" dirty="0"/>
-              <a:t>: implementiert die </a:t>
-            </a:r>
-            <a:r>
-              <a:rPr lang="de-AT" dirty="0" err="1"/>
-              <a:t>Product</a:t>
-            </a:r>
-            <a:r>
-              <a:rPr lang="de-AT" dirty="0"/>
-              <a:t> Schnittstelle</a:t>
-            </a:r>
-          </a:p>
-          <a:p>
-            <a:endParaRPr lang="de-AT" dirty="0"/>
+              <a:t>Dazu das Offen/Geschlossen Prinzip:</a:t>
+            </a:r>
           </a:p>
         </p:txBody>
       </p:sp>
@@ -8049,7 +8536,7 @@
           <a:p>
             <a:fld id="{2F0A8713-93F5-4EC8-AF83-4543E9DCF05D}" type="slidenum">
               <a:rPr lang="de-AT" smtClean="0"/>
-              <a:t>35</a:t>
+              <a:t>10</a:t>
             </a:fld>
             <a:endParaRPr lang="de-AT"/>
           </a:p>
@@ -8058,7 +8545,7 @@
     </p:spTree>
     <p:extLst>
       <p:ext uri="{BB962C8B-B14F-4D97-AF65-F5344CB8AC3E}">
-        <p14:creationId xmlns:p14="http://schemas.microsoft.com/office/powerpoint/2010/main" val="1515952419"/>
+        <p14:creationId xmlns:p14="http://schemas.microsoft.com/office/powerpoint/2010/main" val="1278774113"/>
       </p:ext>
     </p:extLst>
   </p:cSld>
@@ -8112,91 +8599,50 @@
           <a:bodyPr/>
           <a:lstStyle/>
           <a:p>
+            <a:pPr marL="0" marR="0" lvl="0" indent="0" algn="l" defTabSz="914400" rtl="0" eaLnBrk="1" fontAlgn="auto" latinLnBrk="0" hangingPunct="1">
+              <a:lnSpc>
+                <a:spcPct val="100000"/>
+              </a:lnSpc>
+              <a:spcBef>
+                <a:spcPts val="0"/>
+              </a:spcBef>
+              <a:spcAft>
+                <a:spcPts val="0"/>
+              </a:spcAft>
+              <a:buClrTx/>
+              <a:buSzTx/>
+              <a:buFontTx/>
+              <a:buNone/>
+              <a:tabLst/>
+              <a:defRPr/>
+            </a:pPr>
             <a:r>
               <a:rPr lang="de-AT" dirty="0"/>
-              <a:t>Abstrakter Softwareshop – Creator: deklariert die Factory-Method, die ein Objekt vom Typ </a:t>
+              <a:t>Lösung: Vererbung und Verwendung einer abstrakten Methode, die eine Subklasse implementieren </a:t>
+            </a:r>
+            <a:r>
+              <a:rPr lang="de-AT" b="1" dirty="0"/>
+              <a:t>muss</a:t>
+            </a:r>
+            <a:r>
+              <a:rPr lang="de-AT" dirty="0"/>
+              <a:t>. Die abstrakte Methode ist die </a:t>
             </a:r>
             <a:r>
               <a:rPr lang="de-AT" dirty="0" err="1"/>
-              <a:t>Product</a:t>
+              <a:t>namensgebenede</a:t>
             </a:r>
             <a:r>
               <a:rPr lang="de-AT" dirty="0"/>
-              <a:t> zurückgibt.</a:t>
-            </a:r>
-          </a:p>
-          <a:p>
+              <a:t> </a:t>
+            </a:r>
+            <a:r>
+              <a:rPr lang="de-AT" b="1" dirty="0"/>
+              <a:t>Factory Method</a:t>
+            </a:r>
             <a:r>
               <a:rPr lang="de-AT" dirty="0"/>
-              <a:t>Konkrete </a:t>
-            </a:r>
-            <a:r>
-              <a:rPr lang="de-AT" dirty="0" err="1"/>
-              <a:t>OfficeSuiteFactorys</a:t>
-            </a:r>
-            <a:r>
-              <a:rPr lang="de-AT" dirty="0"/>
-              <a:t> – </a:t>
-            </a:r>
-            <a:r>
-              <a:rPr lang="de-AT" dirty="0" err="1"/>
-              <a:t>ConcreteCreator</a:t>
-            </a:r>
-            <a:r>
-              <a:rPr lang="de-AT" dirty="0"/>
-              <a:t>: überschreibt die Factory-Methode, um eine Instanz eines </a:t>
-            </a:r>
-            <a:r>
-              <a:rPr lang="de-AT" dirty="0" err="1"/>
-              <a:t>ConcreteProduct</a:t>
-            </a:r>
-            <a:r>
-              <a:rPr lang="de-AT" dirty="0"/>
-              <a:t> zurückzugeben</a:t>
-            </a:r>
-          </a:p>
-          <a:p>
-            <a:r>
-              <a:rPr lang="de-AT" dirty="0"/>
-              <a:t>Abstrakte </a:t>
-            </a:r>
-            <a:r>
-              <a:rPr lang="de-AT" dirty="0" err="1"/>
-              <a:t>OfficeProgramm</a:t>
-            </a:r>
-            <a:r>
-              <a:rPr lang="de-AT" dirty="0"/>
-              <a:t>-Schnittstelle – </a:t>
-            </a:r>
-            <a:r>
-              <a:rPr lang="de-AT" dirty="0" err="1"/>
-              <a:t>Product</a:t>
-            </a:r>
-            <a:r>
-              <a:rPr lang="de-AT" dirty="0"/>
-              <a:t>: Definiert die Schnittstelle der Objekte, die die Factory-Method erstellt.</a:t>
-            </a:r>
-          </a:p>
-          <a:p>
-            <a:r>
-              <a:rPr lang="de-AT" dirty="0"/>
-              <a:t>Konkrete Programme – </a:t>
-            </a:r>
-            <a:r>
-              <a:rPr lang="de-AT" dirty="0" err="1"/>
-              <a:t>ConcreteProduct</a:t>
-            </a:r>
-            <a:r>
-              <a:rPr lang="de-AT" dirty="0"/>
-              <a:t>: implementiert die </a:t>
-            </a:r>
-            <a:r>
-              <a:rPr lang="de-AT" dirty="0" err="1"/>
-              <a:t>Product</a:t>
-            </a:r>
-            <a:r>
-              <a:rPr lang="de-AT" dirty="0"/>
-              <a:t> Schnittstelle</a:t>
+              <a:t>.</a:t>
             </a:r>
           </a:p>
           <a:p>
@@ -8221,7 +8667,7 @@
           <a:p>
             <a:fld id="{2F0A8713-93F5-4EC8-AF83-4543E9DCF05D}" type="slidenum">
               <a:rPr lang="de-AT" smtClean="0"/>
-              <a:t>36</a:t>
+              <a:t>20</a:t>
             </a:fld>
             <a:endParaRPr lang="de-AT"/>
           </a:p>
@@ -8230,7 +8676,7 @@
     </p:spTree>
     <p:extLst>
       <p:ext uri="{BB962C8B-B14F-4D97-AF65-F5344CB8AC3E}">
-        <p14:creationId xmlns:p14="http://schemas.microsoft.com/office/powerpoint/2010/main" val="3834334620"/>
+        <p14:creationId xmlns:p14="http://schemas.microsoft.com/office/powerpoint/2010/main" val="1321742618"/>
       </p:ext>
     </p:extLst>
   </p:cSld>
@@ -8478,13 +8924,13 @@
   <p:clrMapOvr>
     <a:masterClrMapping/>
   </p:clrMapOvr>
-  <mc:AlternateContent xmlns:mc="http://schemas.openxmlformats.org/markup-compatibility/2006">
-    <mc:Choice xmlns:p159="http://schemas.microsoft.com/office/powerpoint/2015/09/main" Requires="p159">
+  <mc:AlternateContent xmlns:mc="http://schemas.openxmlformats.org/markup-compatibility/2006" xmlns:p159="http://schemas.microsoft.com/office/powerpoint/2015/09/main">
+    <mc:Choice Requires="p159">
       <p:transition spd="med">
         <p159:morph option="byObject"/>
       </p:transition>
     </mc:Choice>
-    <mc:Fallback>
+    <mc:Fallback xmlns="">
       <p:transition spd="med">
         <p:fade/>
       </p:transition>
@@ -8709,13 +9155,13 @@
   <p:clrMapOvr>
     <a:masterClrMapping/>
   </p:clrMapOvr>
-  <mc:AlternateContent xmlns:mc="http://schemas.openxmlformats.org/markup-compatibility/2006">
-    <mc:Choice xmlns:p159="http://schemas.microsoft.com/office/powerpoint/2015/09/main" Requires="p159">
+  <mc:AlternateContent xmlns:mc="http://schemas.openxmlformats.org/markup-compatibility/2006" xmlns:p159="http://schemas.microsoft.com/office/powerpoint/2015/09/main">
+    <mc:Choice Requires="p159">
       <p:transition spd="med">
         <p159:morph option="byObject"/>
       </p:transition>
     </mc:Choice>
-    <mc:Fallback>
+    <mc:Fallback xmlns="">
       <p:transition spd="med">
         <p:fade/>
       </p:transition>
@@ -8950,13 +9396,13 @@
   <p:clrMapOvr>
     <a:masterClrMapping/>
   </p:clrMapOvr>
-  <mc:AlternateContent xmlns:mc="http://schemas.openxmlformats.org/markup-compatibility/2006">
-    <mc:Choice xmlns:p159="http://schemas.microsoft.com/office/powerpoint/2015/09/main" Requires="p159">
+  <mc:AlternateContent xmlns:mc="http://schemas.openxmlformats.org/markup-compatibility/2006" xmlns:p159="http://schemas.microsoft.com/office/powerpoint/2015/09/main">
+    <mc:Choice Requires="p159">
       <p:transition spd="med">
         <p159:morph option="byObject"/>
       </p:transition>
     </mc:Choice>
-    <mc:Fallback>
+    <mc:Fallback xmlns="">
       <p:transition spd="med">
         <p:fade/>
       </p:transition>
@@ -9181,13 +9627,13 @@
   <p:clrMapOvr>
     <a:masterClrMapping/>
   </p:clrMapOvr>
-  <mc:AlternateContent xmlns:mc="http://schemas.openxmlformats.org/markup-compatibility/2006">
-    <mc:Choice xmlns:p159="http://schemas.microsoft.com/office/powerpoint/2015/09/main" Requires="p159">
+  <mc:AlternateContent xmlns:mc="http://schemas.openxmlformats.org/markup-compatibility/2006" xmlns:p159="http://schemas.microsoft.com/office/powerpoint/2015/09/main">
+    <mc:Choice Requires="p159">
       <p:transition spd="med">
         <p159:morph option="byObject"/>
       </p:transition>
     </mc:Choice>
-    <mc:Fallback>
+    <mc:Fallback xmlns="">
       <p:transition spd="med">
         <p:fade/>
       </p:transition>
@@ -9488,13 +9934,13 @@
   <p:clrMapOvr>
     <a:masterClrMapping/>
   </p:clrMapOvr>
-  <mc:AlternateContent xmlns:mc="http://schemas.openxmlformats.org/markup-compatibility/2006">
-    <mc:Choice xmlns:p159="http://schemas.microsoft.com/office/powerpoint/2015/09/main" Requires="p159">
+  <mc:AlternateContent xmlns:mc="http://schemas.openxmlformats.org/markup-compatibility/2006" xmlns:p159="http://schemas.microsoft.com/office/powerpoint/2015/09/main">
+    <mc:Choice Requires="p159">
       <p:transition spd="med">
         <p159:morph option="byObject"/>
       </p:transition>
     </mc:Choice>
-    <mc:Fallback>
+    <mc:Fallback xmlns="">
       <p:transition spd="med">
         <p:fade/>
       </p:transition>
@@ -9787,13 +10233,13 @@
   <p:clrMapOvr>
     <a:masterClrMapping/>
   </p:clrMapOvr>
-  <mc:AlternateContent xmlns:mc="http://schemas.openxmlformats.org/markup-compatibility/2006">
-    <mc:Choice xmlns:p159="http://schemas.microsoft.com/office/powerpoint/2015/09/main" Requires="p159">
+  <mc:AlternateContent xmlns:mc="http://schemas.openxmlformats.org/markup-compatibility/2006" xmlns:p159="http://schemas.microsoft.com/office/powerpoint/2015/09/main">
+    <mc:Choice Requires="p159">
       <p:transition spd="med">
         <p159:morph option="byObject"/>
       </p:transition>
     </mc:Choice>
-    <mc:Fallback>
+    <mc:Fallback xmlns="">
       <p:transition spd="med">
         <p:fade/>
       </p:transition>
@@ -10233,13 +10679,13 @@
   <p:clrMapOvr>
     <a:masterClrMapping/>
   </p:clrMapOvr>
-  <mc:AlternateContent xmlns:mc="http://schemas.openxmlformats.org/markup-compatibility/2006">
-    <mc:Choice xmlns:p159="http://schemas.microsoft.com/office/powerpoint/2015/09/main" Requires="p159">
+  <mc:AlternateContent xmlns:mc="http://schemas.openxmlformats.org/markup-compatibility/2006" xmlns:p159="http://schemas.microsoft.com/office/powerpoint/2015/09/main">
+    <mc:Choice Requires="p159">
       <p:transition spd="med">
         <p159:morph option="byObject"/>
       </p:transition>
     </mc:Choice>
-    <mc:Fallback>
+    <mc:Fallback xmlns="">
       <p:transition spd="med">
         <p:fade/>
       </p:transition>
@@ -10406,13 +10852,13 @@
   <p:clrMapOvr>
     <a:masterClrMapping/>
   </p:clrMapOvr>
-  <mc:AlternateContent xmlns:mc="http://schemas.openxmlformats.org/markup-compatibility/2006">
-    <mc:Choice xmlns:p159="http://schemas.microsoft.com/office/powerpoint/2015/09/main" Requires="p159">
+  <mc:AlternateContent xmlns:mc="http://schemas.openxmlformats.org/markup-compatibility/2006" xmlns:p159="http://schemas.microsoft.com/office/powerpoint/2015/09/main">
+    <mc:Choice Requires="p159">
       <p:transition spd="med">
         <p159:morph option="byObject"/>
       </p:transition>
     </mc:Choice>
-    <mc:Fallback>
+    <mc:Fallback xmlns="">
       <p:transition spd="med">
         <p:fade/>
       </p:transition>
@@ -10550,13 +10996,13 @@
   <p:clrMapOvr>
     <a:masterClrMapping/>
   </p:clrMapOvr>
-  <mc:AlternateContent xmlns:mc="http://schemas.openxmlformats.org/markup-compatibility/2006">
-    <mc:Choice xmlns:p159="http://schemas.microsoft.com/office/powerpoint/2015/09/main" Requires="p159">
+  <mc:AlternateContent xmlns:mc="http://schemas.openxmlformats.org/markup-compatibility/2006" xmlns:p159="http://schemas.microsoft.com/office/powerpoint/2015/09/main">
+    <mc:Choice Requires="p159">
       <p:transition spd="med">
         <p159:morph option="byObject"/>
       </p:transition>
     </mc:Choice>
-    <mc:Fallback>
+    <mc:Fallback xmlns="">
       <p:transition spd="med">
         <p:fade/>
       </p:transition>
@@ -10894,13 +11340,13 @@
   <p:clrMapOvr>
     <a:masterClrMapping/>
   </p:clrMapOvr>
-  <mc:AlternateContent xmlns:mc="http://schemas.openxmlformats.org/markup-compatibility/2006">
-    <mc:Choice xmlns:p159="http://schemas.microsoft.com/office/powerpoint/2015/09/main" Requires="p159">
+  <mc:AlternateContent xmlns:mc="http://schemas.openxmlformats.org/markup-compatibility/2006" xmlns:p159="http://schemas.microsoft.com/office/powerpoint/2015/09/main">
+    <mc:Choice Requires="p159">
       <p:transition spd="med">
         <p159:morph option="byObject"/>
       </p:transition>
     </mc:Choice>
-    <mc:Fallback>
+    <mc:Fallback xmlns="">
       <p:transition spd="med">
         <p:fade/>
       </p:transition>
@@ -11214,13 +11660,13 @@
   <p:clrMapOvr>
     <a:masterClrMapping/>
   </p:clrMapOvr>
-  <mc:AlternateContent xmlns:mc="http://schemas.openxmlformats.org/markup-compatibility/2006">
-    <mc:Choice xmlns:p159="http://schemas.microsoft.com/office/powerpoint/2015/09/main" Requires="p159">
+  <mc:AlternateContent xmlns:mc="http://schemas.openxmlformats.org/markup-compatibility/2006" xmlns:p159="http://schemas.microsoft.com/office/powerpoint/2015/09/main">
+    <mc:Choice Requires="p159">
       <p:transition spd="med">
         <p159:morph option="byObject"/>
       </p:transition>
     </mc:Choice>
-    <mc:Fallback>
+    <mc:Fallback xmlns="">
       <p:transition spd="med">
         <p:fade/>
       </p:transition>
@@ -11433,13 +11879,13 @@
     <p:sldLayoutId id="2147483658" r:id="rId10"/>
     <p:sldLayoutId id="2147483659" r:id="rId11"/>
   </p:sldLayoutIdLst>
-  <mc:AlternateContent xmlns:mc="http://schemas.openxmlformats.org/markup-compatibility/2006">
-    <mc:Choice xmlns:p159="http://schemas.microsoft.com/office/powerpoint/2015/09/main" Requires="p159">
+  <mc:AlternateContent xmlns:mc="http://schemas.openxmlformats.org/markup-compatibility/2006" xmlns:p159="http://schemas.microsoft.com/office/powerpoint/2015/09/main">
+    <mc:Choice Requires="p159">
       <p:transition spd="med">
         <p159:morph option="byObject"/>
       </p:transition>
     </mc:Choice>
-    <mc:Fallback>
+    <mc:Fallback xmlns="">
       <p:transition spd="med">
         <p:fade/>
       </p:transition>
@@ -11948,13 +12394,13 @@
   <p:clrMapOvr>
     <a:masterClrMapping/>
   </p:clrMapOvr>
-  <mc:AlternateContent xmlns:mc="http://schemas.openxmlformats.org/markup-compatibility/2006">
-    <mc:Choice xmlns:p159="http://schemas.microsoft.com/office/powerpoint/2015/09/main" Requires="p159">
+  <mc:AlternateContent xmlns:mc="http://schemas.openxmlformats.org/markup-compatibility/2006" xmlns:p159="http://schemas.microsoft.com/office/powerpoint/2015/09/main">
+    <mc:Choice Requires="p159">
       <p:transition spd="med">
         <p159:morph option="byObject"/>
       </p:transition>
     </mc:Choice>
-    <mc:Fallback>
+    <mc:Fallback xmlns="">
       <p:transition spd="med">
         <p:fade/>
       </p:transition>
@@ -12122,13 +12568,13 @@
   <p:clrMapOvr>
     <a:masterClrMapping/>
   </p:clrMapOvr>
-  <mc:AlternateContent xmlns:mc="http://schemas.openxmlformats.org/markup-compatibility/2006">
-    <mc:Choice xmlns:p159="http://schemas.microsoft.com/office/powerpoint/2015/09/main" Requires="p159">
+  <mc:AlternateContent xmlns:mc="http://schemas.openxmlformats.org/markup-compatibility/2006" xmlns:p159="http://schemas.microsoft.com/office/powerpoint/2015/09/main">
+    <mc:Choice Requires="p159">
       <p:transition spd="med">
         <p159:morph option="byObject"/>
       </p:transition>
     </mc:Choice>
-    <mc:Fallback>
+    <mc:Fallback xmlns="">
       <p:transition spd="med">
         <p:fade/>
       </p:transition>
@@ -12284,13 +12730,13 @@
   <p:clrMapOvr>
     <a:masterClrMapping/>
   </p:clrMapOvr>
-  <mc:AlternateContent xmlns:mc="http://schemas.openxmlformats.org/markup-compatibility/2006">
-    <mc:Choice xmlns:p159="http://schemas.microsoft.com/office/powerpoint/2015/09/main" Requires="p159">
+  <mc:AlternateContent xmlns:mc="http://schemas.openxmlformats.org/markup-compatibility/2006" xmlns:p159="http://schemas.microsoft.com/office/powerpoint/2015/09/main">
+    <mc:Choice Requires="p159">
       <p:transition spd="med">
         <p159:morph option="byObject"/>
       </p:transition>
     </mc:Choice>
-    <mc:Fallback>
+    <mc:Fallback xmlns="">
       <p:transition spd="med">
         <p:fade/>
       </p:transition>
@@ -12386,13 +12832,13 @@
   <p:clrMapOvr>
     <a:masterClrMapping/>
   </p:clrMapOvr>
-  <mc:AlternateContent xmlns:mc="http://schemas.openxmlformats.org/markup-compatibility/2006">
-    <mc:Choice xmlns:p159="http://schemas.microsoft.com/office/powerpoint/2015/09/main" Requires="p159">
+  <mc:AlternateContent xmlns:mc="http://schemas.openxmlformats.org/markup-compatibility/2006" xmlns:p159="http://schemas.microsoft.com/office/powerpoint/2015/09/main">
+    <mc:Choice Requires="p159">
       <p:transition spd="med">
         <p159:morph option="byObject"/>
       </p:transition>
     </mc:Choice>
-    <mc:Fallback>
+    <mc:Fallback xmlns="">
       <p:transition spd="med">
         <p:fade/>
       </p:transition>
@@ -12776,13 +13222,13 @@
   <p:clrMapOvr>
     <a:masterClrMapping/>
   </p:clrMapOvr>
-  <mc:AlternateContent xmlns:mc="http://schemas.openxmlformats.org/markup-compatibility/2006">
-    <mc:Choice xmlns:p159="http://schemas.microsoft.com/office/powerpoint/2015/09/main" Requires="p159">
+  <mc:AlternateContent xmlns:mc="http://schemas.openxmlformats.org/markup-compatibility/2006" xmlns:p159="http://schemas.microsoft.com/office/powerpoint/2015/09/main">
+    <mc:Choice Requires="p159">
       <p:transition spd="med">
         <p159:morph option="byObject"/>
       </p:transition>
     </mc:Choice>
-    <mc:Fallback>
+    <mc:Fallback xmlns="">
       <p:transition spd="med">
         <p:fade/>
       </p:transition>
@@ -13168,13 +13614,13 @@
   <p:clrMapOvr>
     <a:masterClrMapping/>
   </p:clrMapOvr>
-  <mc:AlternateContent xmlns:mc="http://schemas.openxmlformats.org/markup-compatibility/2006">
-    <mc:Choice xmlns:p159="http://schemas.microsoft.com/office/powerpoint/2015/09/main" Requires="p159">
+  <mc:AlternateContent xmlns:mc="http://schemas.openxmlformats.org/markup-compatibility/2006" xmlns:p159="http://schemas.microsoft.com/office/powerpoint/2015/09/main">
+    <mc:Choice Requires="p159">
       <p:transition spd="med">
         <p159:morph option="byObject"/>
       </p:transition>
     </mc:Choice>
-    <mc:Fallback>
+    <mc:Fallback xmlns="">
       <p:transition spd="med">
         <p:fade/>
       </p:transition>
@@ -13560,13 +14006,13 @@
   <p:clrMapOvr>
     <a:masterClrMapping/>
   </p:clrMapOvr>
-  <mc:AlternateContent xmlns:mc="http://schemas.openxmlformats.org/markup-compatibility/2006">
-    <mc:Choice xmlns:p159="http://schemas.microsoft.com/office/powerpoint/2015/09/main" Requires="p159">
+  <mc:AlternateContent xmlns:mc="http://schemas.openxmlformats.org/markup-compatibility/2006" xmlns:p159="http://schemas.microsoft.com/office/powerpoint/2015/09/main">
+    <mc:Choice Requires="p159">
       <p:transition spd="med">
         <p159:morph option="byObject"/>
       </p:transition>
     </mc:Choice>
-    <mc:Fallback>
+    <mc:Fallback xmlns="">
       <p:transition spd="med">
         <p:fade/>
       </p:transition>
@@ -13781,13 +14227,13 @@
   <p:clrMapOvr>
     <a:masterClrMapping/>
   </p:clrMapOvr>
-  <mc:AlternateContent xmlns:mc="http://schemas.openxmlformats.org/markup-compatibility/2006">
-    <mc:Choice xmlns:p159="http://schemas.microsoft.com/office/powerpoint/2015/09/main" Requires="p159">
+  <mc:AlternateContent xmlns:mc="http://schemas.openxmlformats.org/markup-compatibility/2006" xmlns:p159="http://schemas.microsoft.com/office/powerpoint/2015/09/main">
+    <mc:Choice Requires="p159">
       <p:transition spd="med">
         <p159:morph option="byObject"/>
       </p:transition>
     </mc:Choice>
-    <mc:Fallback>
+    <mc:Fallback xmlns="">
       <p:transition spd="med">
         <p:fade/>
       </p:transition>
@@ -13948,13 +14394,13 @@
   <p:clrMapOvr>
     <a:masterClrMapping/>
   </p:clrMapOvr>
-  <mc:AlternateContent xmlns:mc="http://schemas.openxmlformats.org/markup-compatibility/2006">
-    <mc:Choice xmlns:p159="http://schemas.microsoft.com/office/powerpoint/2015/09/main" Requires="p159">
+  <mc:AlternateContent xmlns:mc="http://schemas.openxmlformats.org/markup-compatibility/2006" xmlns:p159="http://schemas.microsoft.com/office/powerpoint/2015/09/main">
+    <mc:Choice Requires="p159">
       <p:transition spd="med">
         <p159:morph option="byObject"/>
       </p:transition>
     </mc:Choice>
-    <mc:Fallback>
+    <mc:Fallback xmlns="">
       <p:transition spd="med">
         <p:fade/>
       </p:transition>
@@ -14050,13 +14496,13 @@
   <p:clrMapOvr>
     <a:masterClrMapping/>
   </p:clrMapOvr>
-  <mc:AlternateContent xmlns:mc="http://schemas.openxmlformats.org/markup-compatibility/2006">
-    <mc:Choice xmlns:p159="http://schemas.microsoft.com/office/powerpoint/2015/09/main" Requires="p159">
+  <mc:AlternateContent xmlns:mc="http://schemas.openxmlformats.org/markup-compatibility/2006" xmlns:p159="http://schemas.microsoft.com/office/powerpoint/2015/09/main">
+    <mc:Choice Requires="p159">
       <p:transition spd="med">
         <p159:morph option="byObject"/>
       </p:transition>
     </mc:Choice>
-    <mc:Fallback>
+    <mc:Fallback xmlns="">
       <p:transition spd="med">
         <p:fade/>
       </p:transition>
@@ -14146,7 +14592,7 @@
               <a:rPr lang="de-AT" sz="3200" dirty="0">
                 <a:latin typeface="+mj-lt"/>
               </a:rPr>
-              <a:t>Die Objekterstellung kann (</a:t>
+              <a:t>Die Objekterstellung (</a:t>
             </a:r>
             <a:r>
               <a:rPr lang="de-AT" sz="3200" dirty="0" err="1">
@@ -14243,13 +14689,13 @@
   <p:clrMapOvr>
     <a:masterClrMapping/>
   </p:clrMapOvr>
-  <mc:AlternateContent xmlns:mc="http://schemas.openxmlformats.org/markup-compatibility/2006">
-    <mc:Choice xmlns:p159="http://schemas.microsoft.com/office/powerpoint/2015/09/main" Requires="p159">
+  <mc:AlternateContent xmlns:mc="http://schemas.openxmlformats.org/markup-compatibility/2006" xmlns:p159="http://schemas.microsoft.com/office/powerpoint/2015/09/main">
+    <mc:Choice Requires="p159">
       <p:transition spd="med">
         <p159:morph option="byObject"/>
       </p:transition>
     </mc:Choice>
-    <mc:Fallback>
+    <mc:Fallback xmlns="">
       <p:transition spd="med">
         <p:fade/>
       </p:transition>
@@ -14456,13 +14902,13 @@
   <p:clrMapOvr>
     <a:masterClrMapping/>
   </p:clrMapOvr>
-  <mc:AlternateContent xmlns:mc="http://schemas.openxmlformats.org/markup-compatibility/2006">
-    <mc:Choice xmlns:p159="http://schemas.microsoft.com/office/powerpoint/2015/09/main" Requires="p159">
+  <mc:AlternateContent xmlns:mc="http://schemas.openxmlformats.org/markup-compatibility/2006" xmlns:p159="http://schemas.microsoft.com/office/powerpoint/2015/09/main">
+    <mc:Choice Requires="p159">
       <p:transition spd="med">
         <p159:morph option="byObject"/>
       </p:transition>
     </mc:Choice>
-    <mc:Fallback>
+    <mc:Fallback xmlns="">
       <p:transition spd="med">
         <p:fade/>
       </p:transition>
@@ -14597,13 +15043,13 @@
   <p:clrMapOvr>
     <a:masterClrMapping/>
   </p:clrMapOvr>
-  <mc:AlternateContent xmlns:mc="http://schemas.openxmlformats.org/markup-compatibility/2006">
-    <mc:Choice xmlns:p159="http://schemas.microsoft.com/office/powerpoint/2015/09/main" Requires="p159">
+  <mc:AlternateContent xmlns:mc="http://schemas.openxmlformats.org/markup-compatibility/2006" xmlns:p159="http://schemas.microsoft.com/office/powerpoint/2015/09/main">
+    <mc:Choice Requires="p159">
       <p:transition spd="med">
         <p159:morph option="byObject"/>
       </p:transition>
     </mc:Choice>
-    <mc:Fallback>
+    <mc:Fallback xmlns="">
       <p:transition spd="med">
         <p:fade/>
       </p:transition>
@@ -14738,13 +15184,13 @@
   <p:clrMapOvr>
     <a:masterClrMapping/>
   </p:clrMapOvr>
-  <mc:AlternateContent xmlns:mc="http://schemas.openxmlformats.org/markup-compatibility/2006">
-    <mc:Choice xmlns:p159="http://schemas.microsoft.com/office/powerpoint/2015/09/main" Requires="p159">
+  <mc:AlternateContent xmlns:mc="http://schemas.openxmlformats.org/markup-compatibility/2006" xmlns:p159="http://schemas.microsoft.com/office/powerpoint/2015/09/main">
+    <mc:Choice Requires="p159">
       <p:transition spd="med">
         <p159:morph option="byObject"/>
       </p:transition>
     </mc:Choice>
-    <mc:Fallback>
+    <mc:Fallback xmlns="">
       <p:transition spd="med">
         <p:fade/>
       </p:transition>
@@ -14832,7 +15278,7 @@
           <a:p>
             <a:r>
               <a:rPr lang="de-AT" dirty="0"/>
-              <a:t>Die Subklasse entscheidet welche erstellt wird.</a:t>
+              <a:t>Die Subklasse entscheidet welches Objekt erstellt wird.</a:t>
             </a:r>
           </a:p>
           <a:p>
@@ -14889,13 +15335,13 @@
   <p:clrMapOvr>
     <a:masterClrMapping/>
   </p:clrMapOvr>
-  <mc:AlternateContent xmlns:mc="http://schemas.openxmlformats.org/markup-compatibility/2006">
-    <mc:Choice xmlns:p159="http://schemas.microsoft.com/office/powerpoint/2015/09/main" Requires="p159">
+  <mc:AlternateContent xmlns:mc="http://schemas.openxmlformats.org/markup-compatibility/2006" xmlns:p159="http://schemas.microsoft.com/office/powerpoint/2015/09/main">
+    <mc:Choice Requires="p159">
       <p:transition spd="med">
         <p159:morph option="byObject"/>
       </p:transition>
     </mc:Choice>
-    <mc:Fallback>
+    <mc:Fallback xmlns="">
       <p:transition spd="med">
         <p:fade/>
       </p:transition>
@@ -15101,13 +15547,13 @@
   <p:clrMapOvr>
     <a:masterClrMapping/>
   </p:clrMapOvr>
-  <mc:AlternateContent xmlns:mc="http://schemas.openxmlformats.org/markup-compatibility/2006">
-    <mc:Choice xmlns:p159="http://schemas.microsoft.com/office/powerpoint/2015/09/main" Requires="p159">
+  <mc:AlternateContent xmlns:mc="http://schemas.openxmlformats.org/markup-compatibility/2006" xmlns:p159="http://schemas.microsoft.com/office/powerpoint/2015/09/main">
+    <mc:Choice Requires="p159">
       <p:transition spd="med">
         <p159:morph option="byObject"/>
       </p:transition>
     </mc:Choice>
-    <mc:Fallback>
+    <mc:Fallback xmlns="">
       <p:transition spd="med">
         <p:fade/>
       </p:transition>
@@ -15317,13 +15763,13 @@
   <p:clrMapOvr>
     <a:masterClrMapping/>
   </p:clrMapOvr>
-  <mc:AlternateContent xmlns:mc="http://schemas.openxmlformats.org/markup-compatibility/2006">
-    <mc:Choice xmlns:p159="http://schemas.microsoft.com/office/powerpoint/2015/09/main" Requires="p159">
+  <mc:AlternateContent xmlns:mc="http://schemas.openxmlformats.org/markup-compatibility/2006" xmlns:p159="http://schemas.microsoft.com/office/powerpoint/2015/09/main">
+    <mc:Choice Requires="p159">
       <p:transition spd="med">
         <p159:morph option="byObject"/>
       </p:transition>
     </mc:Choice>
-    <mc:Fallback>
+    <mc:Fallback xmlns="">
       <p:transition spd="med">
         <p:fade/>
       </p:transition>
@@ -15533,13 +15979,13 @@
   <p:clrMapOvr>
     <a:masterClrMapping/>
   </p:clrMapOvr>
-  <mc:AlternateContent xmlns:mc="http://schemas.openxmlformats.org/markup-compatibility/2006">
-    <mc:Choice xmlns:p159="http://schemas.microsoft.com/office/powerpoint/2015/09/main" Requires="p159">
+  <mc:AlternateContent xmlns:mc="http://schemas.openxmlformats.org/markup-compatibility/2006" xmlns:p159="http://schemas.microsoft.com/office/powerpoint/2015/09/main">
+    <mc:Choice Requires="p159">
       <p:transition spd="med">
         <p159:morph option="byObject"/>
       </p:transition>
     </mc:Choice>
-    <mc:Fallback>
+    <mc:Fallback xmlns="">
       <p:transition spd="med">
         <p:fade/>
       </p:transition>
@@ -15749,13 +16195,13 @@
   <p:clrMapOvr>
     <a:masterClrMapping/>
   </p:clrMapOvr>
-  <mc:AlternateContent xmlns:mc="http://schemas.openxmlformats.org/markup-compatibility/2006">
-    <mc:Choice xmlns:p159="http://schemas.microsoft.com/office/powerpoint/2015/09/main" Requires="p159">
+  <mc:AlternateContent xmlns:mc="http://schemas.openxmlformats.org/markup-compatibility/2006" xmlns:p159="http://schemas.microsoft.com/office/powerpoint/2015/09/main">
+    <mc:Choice Requires="p159">
       <p:transition spd="med">
         <p159:morph option="byObject"/>
       </p:transition>
     </mc:Choice>
-    <mc:Fallback>
+    <mc:Fallback xmlns="">
       <p:transition spd="med">
         <p:fade/>
       </p:transition>
@@ -15961,13 +16407,13 @@
   <p:clrMapOvr>
     <a:masterClrMapping/>
   </p:clrMapOvr>
-  <mc:AlternateContent xmlns:mc="http://schemas.openxmlformats.org/markup-compatibility/2006">
-    <mc:Choice xmlns:p159="http://schemas.microsoft.com/office/powerpoint/2015/09/main" Requires="p159">
+  <mc:AlternateContent xmlns:mc="http://schemas.openxmlformats.org/markup-compatibility/2006" xmlns:p159="http://schemas.microsoft.com/office/powerpoint/2015/09/main">
+    <mc:Choice Requires="p159">
       <p:transition spd="med">
         <p159:morph option="byObject"/>
       </p:transition>
     </mc:Choice>
-    <mc:Fallback>
+    <mc:Fallback xmlns="">
       <p:transition spd="med">
         <p:fade/>
       </p:transition>
@@ -16196,13 +16642,13 @@
   <p:clrMapOvr>
     <a:masterClrMapping/>
   </p:clrMapOvr>
-  <mc:AlternateContent xmlns:mc="http://schemas.openxmlformats.org/markup-compatibility/2006">
-    <mc:Choice xmlns:p159="http://schemas.microsoft.com/office/powerpoint/2015/09/main" Requires="p159">
+  <mc:AlternateContent xmlns:mc="http://schemas.openxmlformats.org/markup-compatibility/2006" xmlns:p159="http://schemas.microsoft.com/office/powerpoint/2015/09/main">
+    <mc:Choice Requires="p159">
       <p:transition spd="med">
         <p159:morph option="byObject"/>
       </p:transition>
     </mc:Choice>
-    <mc:Fallback>
+    <mc:Fallback xmlns="">
       <p:transition spd="med">
         <p:fade/>
       </p:transition>
@@ -16435,13 +16881,13 @@
   <p:clrMapOvr>
     <a:masterClrMapping/>
   </p:clrMapOvr>
-  <mc:AlternateContent xmlns:mc="http://schemas.openxmlformats.org/markup-compatibility/2006">
-    <mc:Choice xmlns:p159="http://schemas.microsoft.com/office/powerpoint/2015/09/main" Requires="p159">
+  <mc:AlternateContent xmlns:mc="http://schemas.openxmlformats.org/markup-compatibility/2006" xmlns:p159="http://schemas.microsoft.com/office/powerpoint/2015/09/main">
+    <mc:Choice Requires="p159">
       <p:transition spd="med">
         <p159:morph option="byObject"/>
       </p:transition>
     </mc:Choice>
-    <mc:Fallback>
+    <mc:Fallback xmlns="">
       <p:transition spd="med">
         <p:fade/>
       </p:transition>
@@ -16617,13 +17063,13 @@
   <p:clrMapOvr>
     <a:masterClrMapping/>
   </p:clrMapOvr>
-  <mc:AlternateContent xmlns:mc="http://schemas.openxmlformats.org/markup-compatibility/2006">
-    <mc:Choice xmlns:p159="http://schemas.microsoft.com/office/powerpoint/2015/09/main" Requires="p159">
+  <mc:AlternateContent xmlns:mc="http://schemas.openxmlformats.org/markup-compatibility/2006" xmlns:p159="http://schemas.microsoft.com/office/powerpoint/2015/09/main">
+    <mc:Choice Requires="p159">
       <p:transition spd="med">
         <p159:morph option="byObject"/>
       </p:transition>
     </mc:Choice>
-    <mc:Fallback>
+    <mc:Fallback xmlns="">
       <p:transition spd="med">
         <p:fade/>
       </p:transition>
@@ -16856,13 +17302,13 @@
   <p:clrMapOvr>
     <a:masterClrMapping/>
   </p:clrMapOvr>
-  <mc:AlternateContent xmlns:mc="http://schemas.openxmlformats.org/markup-compatibility/2006">
-    <mc:Choice xmlns:p159="http://schemas.microsoft.com/office/powerpoint/2015/09/main" Requires="p159">
+  <mc:AlternateContent xmlns:mc="http://schemas.openxmlformats.org/markup-compatibility/2006" xmlns:p159="http://schemas.microsoft.com/office/powerpoint/2015/09/main">
+    <mc:Choice Requires="p159">
       <p:transition spd="med">
         <p159:morph option="byObject"/>
       </p:transition>
     </mc:Choice>
-    <mc:Fallback>
+    <mc:Fallback xmlns="">
       <p:transition spd="med">
         <p:fade/>
       </p:transition>
@@ -17095,13 +17541,13 @@
   <p:clrMapOvr>
     <a:masterClrMapping/>
   </p:clrMapOvr>
-  <mc:AlternateContent xmlns:mc="http://schemas.openxmlformats.org/markup-compatibility/2006">
-    <mc:Choice xmlns:p159="http://schemas.microsoft.com/office/powerpoint/2015/09/main" Requires="p159">
+  <mc:AlternateContent xmlns:mc="http://schemas.openxmlformats.org/markup-compatibility/2006" xmlns:p159="http://schemas.microsoft.com/office/powerpoint/2015/09/main">
+    <mc:Choice Requires="p159">
       <p:transition spd="med">
         <p159:morph option="byObject"/>
       </p:transition>
     </mc:Choice>
-    <mc:Fallback>
+    <mc:Fallback xmlns="">
       <p:transition spd="med">
         <p:fade/>
       </p:transition>
@@ -17330,13 +17776,13 @@
   <p:clrMapOvr>
     <a:masterClrMapping/>
   </p:clrMapOvr>
-  <mc:AlternateContent xmlns:mc="http://schemas.openxmlformats.org/markup-compatibility/2006">
-    <mc:Choice xmlns:p159="http://schemas.microsoft.com/office/powerpoint/2015/09/main" Requires="p159">
+  <mc:AlternateContent xmlns:mc="http://schemas.openxmlformats.org/markup-compatibility/2006" xmlns:p159="http://schemas.microsoft.com/office/powerpoint/2015/09/main">
+    <mc:Choice Requires="p159">
       <p:transition spd="med">
         <p159:morph option="byObject"/>
       </p:transition>
     </mc:Choice>
-    <mc:Fallback>
+    <mc:Fallback xmlns="">
       <p:transition spd="med">
         <p:fade/>
       </p:transition>
@@ -17466,13 +17912,13 @@
   <p:clrMapOvr>
     <a:masterClrMapping/>
   </p:clrMapOvr>
-  <mc:AlternateContent xmlns:mc="http://schemas.openxmlformats.org/markup-compatibility/2006">
-    <mc:Choice xmlns:p159="http://schemas.microsoft.com/office/powerpoint/2015/09/main" Requires="p159">
+  <mc:AlternateContent xmlns:mc="http://schemas.openxmlformats.org/markup-compatibility/2006" xmlns:p159="http://schemas.microsoft.com/office/powerpoint/2015/09/main">
+    <mc:Choice Requires="p159">
       <p:transition spd="med">
         <p159:morph option="byObject"/>
       </p:transition>
     </mc:Choice>
-    <mc:Fallback>
+    <mc:Fallback xmlns="">
       <p:transition spd="med">
         <p:fade/>
       </p:transition>
@@ -17566,13 +18012,13 @@
   <p:clrMapOvr>
     <a:masterClrMapping/>
   </p:clrMapOvr>
-  <mc:AlternateContent xmlns:mc="http://schemas.openxmlformats.org/markup-compatibility/2006">
-    <mc:Choice xmlns:p159="http://schemas.microsoft.com/office/powerpoint/2015/09/main" Requires="p159">
+  <mc:AlternateContent xmlns:mc="http://schemas.openxmlformats.org/markup-compatibility/2006" xmlns:p159="http://schemas.microsoft.com/office/powerpoint/2015/09/main">
+    <mc:Choice Requires="p159">
       <p:transition spd="med">
         <p159:morph option="byObject"/>
       </p:transition>
     </mc:Choice>
-    <mc:Fallback>
+    <mc:Fallback xmlns="">
       <p:transition spd="med">
         <p:fade/>
       </p:transition>
@@ -17725,13 +18171,13 @@
   <p:clrMapOvr>
     <a:masterClrMapping/>
   </p:clrMapOvr>
-  <mc:AlternateContent xmlns:mc="http://schemas.openxmlformats.org/markup-compatibility/2006">
-    <mc:Choice xmlns:p159="http://schemas.microsoft.com/office/powerpoint/2015/09/main" Requires="p159">
+  <mc:AlternateContent xmlns:mc="http://schemas.openxmlformats.org/markup-compatibility/2006" xmlns:p159="http://schemas.microsoft.com/office/powerpoint/2015/09/main">
+    <mc:Choice Requires="p159">
       <p:transition spd="med">
         <p159:morph option="byObject"/>
       </p:transition>
     </mc:Choice>
-    <mc:Fallback>
+    <mc:Fallback xmlns="">
       <p:transition spd="med">
         <p:fade/>
       </p:transition>
@@ -17989,13 +18435,13 @@
   <p:clrMapOvr>
     <a:masterClrMapping/>
   </p:clrMapOvr>
-  <mc:AlternateContent xmlns:mc="http://schemas.openxmlformats.org/markup-compatibility/2006">
-    <mc:Choice xmlns:p159="http://schemas.microsoft.com/office/powerpoint/2015/09/main" Requires="p159">
+  <mc:AlternateContent xmlns:mc="http://schemas.openxmlformats.org/markup-compatibility/2006" xmlns:p159="http://schemas.microsoft.com/office/powerpoint/2015/09/main">
+    <mc:Choice Requires="p159">
       <p:transition spd="med">
         <p159:morph option="byObject"/>
       </p:transition>
     </mc:Choice>
-    <mc:Fallback>
+    <mc:Fallback xmlns="">
       <p:transition spd="med">
         <p:fade/>
       </p:transition>
@@ -18173,13 +18619,13 @@
   <p:clrMapOvr>
     <a:masterClrMapping/>
   </p:clrMapOvr>
-  <mc:AlternateContent xmlns:mc="http://schemas.openxmlformats.org/markup-compatibility/2006">
-    <mc:Choice xmlns:p159="http://schemas.microsoft.com/office/powerpoint/2015/09/main" Requires="p159">
+  <mc:AlternateContent xmlns:mc="http://schemas.openxmlformats.org/markup-compatibility/2006" xmlns:p159="http://schemas.microsoft.com/office/powerpoint/2015/09/main">
+    <mc:Choice Requires="p159">
       <p:transition spd="med">
         <p159:morph option="byObject"/>
       </p:transition>
     </mc:Choice>
-    <mc:Fallback>
+    <mc:Fallback xmlns="">
       <p:transition spd="med">
         <p:fade/>
       </p:transition>
@@ -18335,13 +18781,13 @@
   <p:clrMapOvr>
     <a:masterClrMapping/>
   </p:clrMapOvr>
-  <mc:AlternateContent xmlns:mc="http://schemas.openxmlformats.org/markup-compatibility/2006">
-    <mc:Choice xmlns:p159="http://schemas.microsoft.com/office/powerpoint/2015/09/main" Requires="p159">
+  <mc:AlternateContent xmlns:mc="http://schemas.openxmlformats.org/markup-compatibility/2006" xmlns:p159="http://schemas.microsoft.com/office/powerpoint/2015/09/main">
+    <mc:Choice Requires="p159">
       <p:transition spd="med">
         <p159:morph option="byObject"/>
       </p:transition>
     </mc:Choice>
-    <mc:Fallback>
+    <mc:Fallback xmlns="">
       <p:transition spd="med">
         <p:fade/>
       </p:transition>
@@ -18584,13 +19030,13 @@
   <p:clrMapOvr>
     <a:masterClrMapping/>
   </p:clrMapOvr>
-  <mc:AlternateContent xmlns:mc="http://schemas.openxmlformats.org/markup-compatibility/2006">
-    <mc:Choice xmlns:p159="http://schemas.microsoft.com/office/powerpoint/2015/09/main" Requires="p159">
+  <mc:AlternateContent xmlns:mc="http://schemas.openxmlformats.org/markup-compatibility/2006" xmlns:p159="http://schemas.microsoft.com/office/powerpoint/2015/09/main">
+    <mc:Choice Requires="p159">
       <p:transition spd="med">
         <p159:morph option="byObject"/>
       </p:transition>
     </mc:Choice>
-    <mc:Fallback>
+    <mc:Fallback xmlns="">
       <p:transition spd="med">
         <p:fade/>
       </p:transition>
@@ -18747,13 +19193,13 @@
   <p:clrMapOvr>
     <a:masterClrMapping/>
   </p:clrMapOvr>
-  <mc:AlternateContent xmlns:mc="http://schemas.openxmlformats.org/markup-compatibility/2006">
-    <mc:Choice xmlns:p159="http://schemas.microsoft.com/office/powerpoint/2015/09/main" Requires="p159">
+  <mc:AlternateContent xmlns:mc="http://schemas.openxmlformats.org/markup-compatibility/2006" xmlns:p159="http://schemas.microsoft.com/office/powerpoint/2015/09/main">
+    <mc:Choice Requires="p159">
       <p:transition spd="med">
         <p159:morph option="byObject"/>
       </p:transition>
     </mc:Choice>
-    <mc:Fallback>
+    <mc:Fallback xmlns="">
       <p:transition spd="med">
         <p:fade/>
       </p:transition>
@@ -18985,13 +19431,13 @@
   <p:clrMapOvr>
     <a:masterClrMapping/>
   </p:clrMapOvr>
-  <mc:AlternateContent xmlns:mc="http://schemas.openxmlformats.org/markup-compatibility/2006">
-    <mc:Choice xmlns:p159="http://schemas.microsoft.com/office/powerpoint/2015/09/main" Requires="p159">
+  <mc:AlternateContent xmlns:mc="http://schemas.openxmlformats.org/markup-compatibility/2006" xmlns:p159="http://schemas.microsoft.com/office/powerpoint/2015/09/main">
+    <mc:Choice Requires="p159">
       <p:transition spd="med">
         <p159:morph option="byObject"/>
       </p:transition>
     </mc:Choice>
-    <mc:Fallback>
+    <mc:Fallback xmlns="">
       <p:transition spd="med">
         <p:fade/>
       </p:transition>
@@ -19184,13 +19630,13 @@
   <p:clrMapOvr>
     <a:masterClrMapping/>
   </p:clrMapOvr>
-  <mc:AlternateContent xmlns:mc="http://schemas.openxmlformats.org/markup-compatibility/2006">
-    <mc:Choice xmlns:p159="http://schemas.microsoft.com/office/powerpoint/2015/09/main" Requires="p159">
+  <mc:AlternateContent xmlns:mc="http://schemas.openxmlformats.org/markup-compatibility/2006" xmlns:p159="http://schemas.microsoft.com/office/powerpoint/2015/09/main">
+    <mc:Choice Requires="p159">
       <p:transition spd="med">
         <p159:morph option="byObject"/>
       </p:transition>
     </mc:Choice>
-    <mc:Fallback>
+    <mc:Fallback xmlns="">
       <p:transition spd="med">
         <p:fade/>
       </p:transition>
@@ -19379,13 +19825,13 @@
   <p:clrMapOvr>
     <a:masterClrMapping/>
   </p:clrMapOvr>
-  <mc:AlternateContent xmlns:mc="http://schemas.openxmlformats.org/markup-compatibility/2006">
-    <mc:Choice xmlns:p159="http://schemas.microsoft.com/office/powerpoint/2015/09/main" Requires="p159">
+  <mc:AlternateContent xmlns:mc="http://schemas.openxmlformats.org/markup-compatibility/2006" xmlns:p159="http://schemas.microsoft.com/office/powerpoint/2015/09/main">
+    <mc:Choice Requires="p159">
       <p:transition spd="med">
         <p159:morph option="byObject"/>
       </p:transition>
     </mc:Choice>
-    <mc:Fallback>
+    <mc:Fallback xmlns="">
       <p:transition spd="med">
         <p:fade/>
       </p:transition>
@@ -19541,13 +19987,13 @@
   <p:clrMapOvr>
     <a:masterClrMapping/>
   </p:clrMapOvr>
-  <mc:AlternateContent xmlns:mc="http://schemas.openxmlformats.org/markup-compatibility/2006">
-    <mc:Choice xmlns:p159="http://schemas.microsoft.com/office/powerpoint/2015/09/main" Requires="p159">
+  <mc:AlternateContent xmlns:mc="http://schemas.openxmlformats.org/markup-compatibility/2006" xmlns:p159="http://schemas.microsoft.com/office/powerpoint/2015/09/main">
+    <mc:Choice Requires="p159">
       <p:transition spd="med">
         <p159:morph option="byObject"/>
       </p:transition>
     </mc:Choice>
-    <mc:Fallback>
+    <mc:Fallback xmlns="">
       <p:transition spd="med">
         <p:fade/>
       </p:transition>
@@ -19671,13 +20117,13 @@
   <p:clrMapOvr>
     <a:masterClrMapping/>
   </p:clrMapOvr>
-  <mc:AlternateContent xmlns:mc="http://schemas.openxmlformats.org/markup-compatibility/2006">
-    <mc:Choice xmlns:p159="http://schemas.microsoft.com/office/powerpoint/2015/09/main" Requires="p159">
+  <mc:AlternateContent xmlns:mc="http://schemas.openxmlformats.org/markup-compatibility/2006" xmlns:p159="http://schemas.microsoft.com/office/powerpoint/2015/09/main">
+    <mc:Choice Requires="p159">
       <p:transition spd="med">
         <p159:morph option="byObject"/>
       </p:transition>
     </mc:Choice>
-    <mc:Fallback>
+    <mc:Fallback xmlns="">
       <p:transition spd="med">
         <p:fade/>
       </p:transition>
@@ -19780,13 +20226,13 @@
   <p:clrMapOvr>
     <a:masterClrMapping/>
   </p:clrMapOvr>
-  <mc:AlternateContent xmlns:mc="http://schemas.openxmlformats.org/markup-compatibility/2006">
-    <mc:Choice xmlns:p159="http://schemas.microsoft.com/office/powerpoint/2015/09/main" Requires="p159">
+  <mc:AlternateContent xmlns:mc="http://schemas.openxmlformats.org/markup-compatibility/2006" xmlns:p159="http://schemas.microsoft.com/office/powerpoint/2015/09/main">
+    <mc:Choice Requires="p159">
       <p:transition spd="med">
         <p159:morph option="byObject"/>
       </p:transition>
     </mc:Choice>
-    <mc:Fallback>
+    <mc:Fallback xmlns="">
       <p:transition spd="med">
         <p:fade/>
       </p:transition>
@@ -19941,13 +20387,13 @@
   <p:clrMapOvr>
     <a:masterClrMapping/>
   </p:clrMapOvr>
-  <mc:AlternateContent xmlns:mc="http://schemas.openxmlformats.org/markup-compatibility/2006">
-    <mc:Choice xmlns:p159="http://schemas.microsoft.com/office/powerpoint/2015/09/main" Requires="p159">
+  <mc:AlternateContent xmlns:mc="http://schemas.openxmlformats.org/markup-compatibility/2006" xmlns:p159="http://schemas.microsoft.com/office/powerpoint/2015/09/main">
+    <mc:Choice Requires="p159">
       <p:transition spd="med">
         <p159:morph option="byObject"/>
       </p:transition>
     </mc:Choice>
-    <mc:Fallback>
+    <mc:Fallback xmlns="">
       <p:transition spd="med">
         <p:fade/>
       </p:transition>
@@ -20040,6 +20486,48 @@
           </a:p>
         </p:txBody>
       </p:sp>
+      <p:sp>
+        <p:nvSpPr>
+          <p:cNvPr id="3" name="TextBox 2">
+            <a:extLst>
+              <a:ext uri="{FF2B5EF4-FFF2-40B4-BE49-F238E27FC236}">
+                <a16:creationId xmlns:a16="http://schemas.microsoft.com/office/drawing/2014/main" id="{B69E428D-4C73-429D-8E1D-071DDA5EEF83}"/>
+              </a:ext>
+            </a:extLst>
+          </p:cNvPr>
+          <p:cNvSpPr txBox="1"/>
+          <p:nvPr/>
+        </p:nvSpPr>
+        <p:spPr>
+          <a:xfrm>
+            <a:off x="3523565" y="6581001"/>
+            <a:ext cx="5144870" cy="276999"/>
+          </a:xfrm>
+          <a:prstGeom prst="rect">
+            <a:avLst/>
+          </a:prstGeom>
+          <a:noFill/>
+        </p:spPr>
+        <p:txBody>
+          <a:bodyPr wrap="none" rtlCol="0">
+            <a:spAutoFit/>
+          </a:bodyPr>
+          <a:lstStyle/>
+          <a:p>
+            <a:r>
+              <a:rPr lang="de-AT" sz="1200" dirty="0">
+                <a:solidFill>
+                  <a:schemeClr val="bg1">
+                    <a:lumMod val="50000"/>
+                  </a:schemeClr>
+                </a:solidFill>
+                <a:latin typeface="+mj-lt"/>
+              </a:rPr>
+              <a:t>Idee: https://www.philipphauer.de/study/se/design-pattern/factory-method.php</a:t>
+            </a:r>
+          </a:p>
+        </p:txBody>
+      </p:sp>
     </p:spTree>
     <p:extLst>
       <p:ext uri="{BB962C8B-B14F-4D97-AF65-F5344CB8AC3E}">
@@ -20050,13 +20538,13 @@
   <p:clrMapOvr>
     <a:masterClrMapping/>
   </p:clrMapOvr>
-  <mc:AlternateContent xmlns:mc="http://schemas.openxmlformats.org/markup-compatibility/2006">
-    <mc:Choice xmlns:p159="http://schemas.microsoft.com/office/powerpoint/2015/09/main" Requires="p159">
+  <mc:AlternateContent xmlns:mc="http://schemas.openxmlformats.org/markup-compatibility/2006" xmlns:p159="http://schemas.microsoft.com/office/powerpoint/2015/09/main">
+    <mc:Choice Requires="p159">
       <p:transition spd="med">
         <p159:morph option="byObject"/>
       </p:transition>
     </mc:Choice>
-    <mc:Fallback>
+    <mc:Fallback xmlns="">
       <p:transition spd="med">
         <p:fade/>
       </p:transition>
@@ -20298,13 +20786,13 @@
   <p:clrMapOvr>
     <a:masterClrMapping/>
   </p:clrMapOvr>
-  <mc:AlternateContent xmlns:mc="http://schemas.openxmlformats.org/markup-compatibility/2006">
-    <mc:Choice xmlns:p159="http://schemas.microsoft.com/office/powerpoint/2015/09/main" Requires="p159">
+  <mc:AlternateContent xmlns:mc="http://schemas.openxmlformats.org/markup-compatibility/2006" xmlns:p159="http://schemas.microsoft.com/office/powerpoint/2015/09/main">
+    <mc:Choice Requires="p159">
       <p:transition spd="med">
         <p159:morph option="byObject"/>
       </p:transition>
     </mc:Choice>
-    <mc:Fallback>
+    <mc:Fallback xmlns="">
       <p:transition spd="med">
         <p:fade/>
       </p:transition>
@@ -20688,13 +21176,13 @@
   <p:clrMapOvr>
     <a:masterClrMapping/>
   </p:clrMapOvr>
-  <mc:AlternateContent xmlns:mc="http://schemas.openxmlformats.org/markup-compatibility/2006">
-    <mc:Choice xmlns:p159="http://schemas.microsoft.com/office/powerpoint/2015/09/main" Requires="p159">
+  <mc:AlternateContent xmlns:mc="http://schemas.openxmlformats.org/markup-compatibility/2006" xmlns:p159="http://schemas.microsoft.com/office/powerpoint/2015/09/main">
+    <mc:Choice Requires="p159">
       <p:transition spd="med">
         <p159:morph option="byObject"/>
       </p:transition>
     </mc:Choice>
-    <mc:Fallback>
+    <mc:Fallback xmlns="">
       <p:transition spd="med">
         <p:fade/>
       </p:transition>

--- a/Presentation/Präsentation.pptx
+++ b/Presentation/Präsentation.pptx
@@ -5,7 +5,7 @@
     <p:sldMasterId id="2147483648" r:id="rId1"/>
   </p:sldMasterIdLst>
   <p:notesMasterIdLst>
-    <p:notesMasterId r:id="rId46"/>
+    <p:notesMasterId r:id="rId48"/>
   </p:notesMasterIdLst>
   <p:sldIdLst>
     <p:sldId id="283" r:id="rId2"/>
@@ -29,17 +29,17 @@
     <p:sldId id="270" r:id="rId20"/>
     <p:sldId id="292" r:id="rId21"/>
     <p:sldId id="293" r:id="rId22"/>
-    <p:sldId id="273" r:id="rId23"/>
-    <p:sldId id="274" r:id="rId24"/>
-    <p:sldId id="294" r:id="rId25"/>
-    <p:sldId id="295" r:id="rId26"/>
-    <p:sldId id="296" r:id="rId27"/>
-    <p:sldId id="297" r:id="rId28"/>
-    <p:sldId id="275" r:id="rId29"/>
-    <p:sldId id="298" r:id="rId30"/>
-    <p:sldId id="299" r:id="rId31"/>
-    <p:sldId id="300" r:id="rId32"/>
-    <p:sldId id="301" r:id="rId33"/>
+    <p:sldId id="274" r:id="rId23"/>
+    <p:sldId id="294" r:id="rId24"/>
+    <p:sldId id="295" r:id="rId25"/>
+    <p:sldId id="296" r:id="rId26"/>
+    <p:sldId id="297" r:id="rId27"/>
+    <p:sldId id="275" r:id="rId28"/>
+    <p:sldId id="298" r:id="rId29"/>
+    <p:sldId id="299" r:id="rId30"/>
+    <p:sldId id="300" r:id="rId31"/>
+    <p:sldId id="301" r:id="rId32"/>
+    <p:sldId id="273" r:id="rId33"/>
     <p:sldId id="276" r:id="rId34"/>
     <p:sldId id="277" r:id="rId35"/>
     <p:sldId id="258" r:id="rId36"/>
@@ -52,6 +52,8 @@
     <p:sldId id="307" r:id="rId43"/>
     <p:sldId id="262" r:id="rId44"/>
     <p:sldId id="282" r:id="rId45"/>
+    <p:sldId id="309" r:id="rId46"/>
+    <p:sldId id="308" r:id="rId47"/>
   </p:sldIdLst>
   <p:sldSz cx="12192000" cy="6858000"/>
   <p:notesSz cx="6858000" cy="9144000"/>
@@ -184,7 +186,6 @@
             <p14:sldId id="270"/>
             <p14:sldId id="292"/>
             <p14:sldId id="293"/>
-            <p14:sldId id="273"/>
             <p14:sldId id="274"/>
             <p14:sldId id="294"/>
             <p14:sldId id="295"/>
@@ -195,6 +196,7 @@
             <p14:sldId id="299"/>
             <p14:sldId id="300"/>
             <p14:sldId id="301"/>
+            <p14:sldId id="273"/>
             <p14:sldId id="276"/>
             <p14:sldId id="277"/>
           </p14:sldIdLst>
@@ -223,6 +225,8 @@
             <p14:sldId id="307"/>
             <p14:sldId id="262"/>
             <p14:sldId id="282"/>
+            <p14:sldId id="309"/>
+            <p14:sldId id="308"/>
           </p14:sldIdLst>
         </p14:section>
       </p14:sectionLst>
@@ -237,7 +241,7 @@
 <file path=ppt/revisionInfo.xml><?xml version="1.0" encoding="utf-8"?>
 <p1510:revInfo xmlns:a="http://schemas.openxmlformats.org/drawingml/2006/main" xmlns:r="http://schemas.openxmlformats.org/officeDocument/2006/relationships" xmlns:p1510="http://schemas.microsoft.com/office/powerpoint/2015/10/main">
   <p1510:revLst>
-    <p1510:client id="{7EE33C7E-281C-4DCE-A251-5D3CBB8E23C5}" v="78" dt="2019-03-04T19:50:22.798"/>
+    <p1510:client id="{7EE33C7E-281C-4DCE-A251-5D3CBB8E23C5}" v="12" dt="2019-03-11T16:33:18.765"/>
   </p1510:revLst>
 </p1510:revInfo>
 </file>
@@ -245,9 +249,199 @@
 <file path=ppt/changesInfos/changesInfo1.xml><?xml version="1.0" encoding="utf-8"?>
 <pc:chgInfo xmlns:a="http://schemas.openxmlformats.org/drawingml/2006/main" xmlns:r="http://schemas.openxmlformats.org/officeDocument/2006/relationships" xmlns:ac="http://schemas.microsoft.com/office/drawing/2013/main/command" xmlns:pc="http://schemas.microsoft.com/office/powerpoint/2013/main/command">
   <pc:docChgLst>
+    <pc:chgData name="Michael Karl Hinterdorfer" userId="c276cb87-832b-4bf2-ac0b-472e4dcf06a7" providerId="ADAL" clId="{0236A9F9-1778-4239-AD6D-378DB51799A1}"/>
+    <pc:docChg chg="custSel addSld delSld modSld modSection">
+      <pc:chgData name="Michael Karl Hinterdorfer" userId="c276cb87-832b-4bf2-ac0b-472e4dcf06a7" providerId="ADAL" clId="{0236A9F9-1778-4239-AD6D-378DB51799A1}" dt="2019-03-07T08:52:30.336" v="107" actId="2696"/>
+      <pc:docMkLst>
+        <pc:docMk/>
+      </pc:docMkLst>
+      <pc:sldChg chg="addSp">
+        <pc:chgData name="Michael Karl Hinterdorfer" userId="c276cb87-832b-4bf2-ac0b-472e4dcf06a7" providerId="ADAL" clId="{0236A9F9-1778-4239-AD6D-378DB51799A1}" dt="2019-03-07T08:44:24.069" v="22"/>
+        <pc:sldMkLst>
+          <pc:docMk/>
+          <pc:sldMk cId="3908224230" sldId="256"/>
+        </pc:sldMkLst>
+        <pc:spChg chg="add">
+          <ac:chgData name="Michael Karl Hinterdorfer" userId="c276cb87-832b-4bf2-ac0b-472e4dcf06a7" providerId="ADAL" clId="{0236A9F9-1778-4239-AD6D-378DB51799A1}" dt="2019-03-07T08:44:24.069" v="22"/>
+          <ac:spMkLst>
+            <pc:docMk/>
+            <pc:sldMk cId="3908224230" sldId="256"/>
+            <ac:spMk id="7" creationId="{89DF6FB3-866E-43BD-A431-A6888B591BB0}"/>
+          </ac:spMkLst>
+        </pc:spChg>
+      </pc:sldChg>
+      <pc:sldChg chg="addSp modSp">
+        <pc:chgData name="Michael Karl Hinterdorfer" userId="c276cb87-832b-4bf2-ac0b-472e4dcf06a7" providerId="ADAL" clId="{0236A9F9-1778-4239-AD6D-378DB51799A1}" dt="2019-03-07T08:50:34.306" v="90" actId="1076"/>
+        <pc:sldMkLst>
+          <pc:docMk/>
+          <pc:sldMk cId="3840759515" sldId="258"/>
+        </pc:sldMkLst>
+        <pc:spChg chg="add mod">
+          <ac:chgData name="Michael Karl Hinterdorfer" userId="c276cb87-832b-4bf2-ac0b-472e4dcf06a7" providerId="ADAL" clId="{0236A9F9-1778-4239-AD6D-378DB51799A1}" dt="2019-03-07T08:50:34.306" v="90" actId="1076"/>
+          <ac:spMkLst>
+            <pc:docMk/>
+            <pc:sldMk cId="3840759515" sldId="258"/>
+            <ac:spMk id="4" creationId="{1AC40B29-1DF7-4C8D-9CCF-C2653F90D29C}"/>
+          </ac:spMkLst>
+        </pc:spChg>
+      </pc:sldChg>
+      <pc:sldChg chg="modSp">
+        <pc:chgData name="Michael Karl Hinterdorfer" userId="c276cb87-832b-4bf2-ac0b-472e4dcf06a7" providerId="ADAL" clId="{0236A9F9-1778-4239-AD6D-378DB51799A1}" dt="2019-03-07T08:45:34.096" v="23" actId="207"/>
+        <pc:sldMkLst>
+          <pc:docMk/>
+          <pc:sldMk cId="2798551792" sldId="261"/>
+        </pc:sldMkLst>
+        <pc:spChg chg="mod">
+          <ac:chgData name="Michael Karl Hinterdorfer" userId="c276cb87-832b-4bf2-ac0b-472e4dcf06a7" providerId="ADAL" clId="{0236A9F9-1778-4239-AD6D-378DB51799A1}" dt="2019-03-07T08:45:34.096" v="23" actId="207"/>
+          <ac:spMkLst>
+            <pc:docMk/>
+            <pc:sldMk cId="2798551792" sldId="261"/>
+            <ac:spMk id="2" creationId="{937D949C-242D-4B3A-A8E7-39B0450E559D}"/>
+          </ac:spMkLst>
+        </pc:spChg>
+      </pc:sldChg>
+      <pc:sldChg chg="addSp modSp">
+        <pc:chgData name="Michael Karl Hinterdorfer" userId="c276cb87-832b-4bf2-ac0b-472e4dcf06a7" providerId="ADAL" clId="{0236A9F9-1778-4239-AD6D-378DB51799A1}" dt="2019-03-07T08:48:14.847" v="41" actId="113"/>
+        <pc:sldMkLst>
+          <pc:docMk/>
+          <pc:sldMk cId="1979092284" sldId="262"/>
+        </pc:sldMkLst>
+        <pc:spChg chg="add mod">
+          <ac:chgData name="Michael Karl Hinterdorfer" userId="c276cb87-832b-4bf2-ac0b-472e4dcf06a7" providerId="ADAL" clId="{0236A9F9-1778-4239-AD6D-378DB51799A1}" dt="2019-03-07T08:48:14.847" v="41" actId="113"/>
+          <ac:spMkLst>
+            <pc:docMk/>
+            <pc:sldMk cId="1979092284" sldId="262"/>
+            <ac:spMk id="5" creationId="{37C612FB-EA4B-4EE3-BD83-D6B2F175D701}"/>
+          </ac:spMkLst>
+        </pc:spChg>
+      </pc:sldChg>
+      <pc:sldChg chg="modSp">
+        <pc:chgData name="Michael Karl Hinterdorfer" userId="c276cb87-832b-4bf2-ac0b-472e4dcf06a7" providerId="ADAL" clId="{0236A9F9-1778-4239-AD6D-378DB51799A1}" dt="2019-03-07T08:49:04.772" v="52" actId="1076"/>
+        <pc:sldMkLst>
+          <pc:docMk/>
+          <pc:sldMk cId="2169290282" sldId="263"/>
+        </pc:sldMkLst>
+        <pc:spChg chg="mod">
+          <ac:chgData name="Michael Karl Hinterdorfer" userId="c276cb87-832b-4bf2-ac0b-472e4dcf06a7" providerId="ADAL" clId="{0236A9F9-1778-4239-AD6D-378DB51799A1}" dt="2019-03-07T08:49:04.772" v="52" actId="1076"/>
+          <ac:spMkLst>
+            <pc:docMk/>
+            <pc:sldMk cId="2169290282" sldId="263"/>
+            <ac:spMk id="3" creationId="{B69E428D-4C73-429D-8E1D-071DDA5EEF83}"/>
+          </ac:spMkLst>
+        </pc:spChg>
+      </pc:sldChg>
+      <pc:sldChg chg="addSp delSp">
+        <pc:chgData name="Michael Karl Hinterdorfer" userId="c276cb87-832b-4bf2-ac0b-472e4dcf06a7" providerId="ADAL" clId="{0236A9F9-1778-4239-AD6D-378DB51799A1}" dt="2019-03-07T08:48:01.276" v="39"/>
+        <pc:sldMkLst>
+          <pc:docMk/>
+          <pc:sldMk cId="1289094732" sldId="282"/>
+        </pc:sldMkLst>
+        <pc:spChg chg="add del">
+          <ac:chgData name="Michael Karl Hinterdorfer" userId="c276cb87-832b-4bf2-ac0b-472e4dcf06a7" providerId="ADAL" clId="{0236A9F9-1778-4239-AD6D-378DB51799A1}" dt="2019-03-07T08:48:01.276" v="39"/>
+          <ac:spMkLst>
+            <pc:docMk/>
+            <pc:sldMk cId="1289094732" sldId="282"/>
+            <ac:spMk id="7" creationId="{8569C477-35FE-4831-A900-A9EF3C3ABCBC}"/>
+          </ac:spMkLst>
+        </pc:spChg>
+      </pc:sldChg>
+      <pc:sldChg chg="addSp modSp">
+        <pc:chgData name="Michael Karl Hinterdorfer" userId="c276cb87-832b-4bf2-ac0b-472e4dcf06a7" providerId="ADAL" clId="{0236A9F9-1778-4239-AD6D-378DB51799A1}" dt="2019-03-07T08:44:18.246" v="21" actId="1076"/>
+        <pc:sldMkLst>
+          <pc:docMk/>
+          <pc:sldMk cId="3974003140" sldId="283"/>
+        </pc:sldMkLst>
+        <pc:spChg chg="add mod">
+          <ac:chgData name="Michael Karl Hinterdorfer" userId="c276cb87-832b-4bf2-ac0b-472e4dcf06a7" providerId="ADAL" clId="{0236A9F9-1778-4239-AD6D-378DB51799A1}" dt="2019-03-07T08:44:18.246" v="21" actId="1076"/>
+          <ac:spMkLst>
+            <pc:docMk/>
+            <pc:sldMk cId="3974003140" sldId="283"/>
+            <ac:spMk id="3" creationId="{D347339F-6E42-40AC-956D-75683ECDAF9F}"/>
+          </ac:spMkLst>
+        </pc:spChg>
+      </pc:sldChg>
+      <pc:sldChg chg="addSp">
+        <pc:chgData name="Michael Karl Hinterdorfer" userId="c276cb87-832b-4bf2-ac0b-472e4dcf06a7" providerId="ADAL" clId="{0236A9F9-1778-4239-AD6D-378DB51799A1}" dt="2019-03-07T08:50:37.776" v="91"/>
+        <pc:sldMkLst>
+          <pc:docMk/>
+          <pc:sldMk cId="3348746183" sldId="302"/>
+        </pc:sldMkLst>
+        <pc:spChg chg="add">
+          <ac:chgData name="Michael Karl Hinterdorfer" userId="c276cb87-832b-4bf2-ac0b-472e4dcf06a7" providerId="ADAL" clId="{0236A9F9-1778-4239-AD6D-378DB51799A1}" dt="2019-03-07T08:50:37.776" v="91"/>
+          <ac:spMkLst>
+            <pc:docMk/>
+            <pc:sldMk cId="3348746183" sldId="302"/>
+            <ac:spMk id="7" creationId="{D78D95BF-1093-474B-ABEB-809A862EB125}"/>
+          </ac:spMkLst>
+        </pc:spChg>
+      </pc:sldChg>
+      <pc:sldChg chg="modSp">
+        <pc:chgData name="Michael Karl Hinterdorfer" userId="c276cb87-832b-4bf2-ac0b-472e4dcf06a7" providerId="ADAL" clId="{0236A9F9-1778-4239-AD6D-378DB51799A1}" dt="2019-03-07T08:45:42.196" v="24" actId="207"/>
+        <pc:sldMkLst>
+          <pc:docMk/>
+          <pc:sldMk cId="2674239000" sldId="304"/>
+        </pc:sldMkLst>
+        <pc:spChg chg="mod">
+          <ac:chgData name="Michael Karl Hinterdorfer" userId="c276cb87-832b-4bf2-ac0b-472e4dcf06a7" providerId="ADAL" clId="{0236A9F9-1778-4239-AD6D-378DB51799A1}" dt="2019-03-07T08:45:42.196" v="24" actId="207"/>
+          <ac:spMkLst>
+            <pc:docMk/>
+            <pc:sldMk cId="2674239000" sldId="304"/>
+            <ac:spMk id="2" creationId="{937D949C-242D-4B3A-A8E7-39B0450E559D}"/>
+          </ac:spMkLst>
+        </pc:spChg>
+      </pc:sldChg>
+      <pc:sldChg chg="addSp modSp">
+        <pc:chgData name="Michael Karl Hinterdorfer" userId="c276cb87-832b-4bf2-ac0b-472e4dcf06a7" providerId="ADAL" clId="{0236A9F9-1778-4239-AD6D-378DB51799A1}" dt="2019-03-07T08:48:11.603" v="40" actId="113"/>
+        <pc:sldMkLst>
+          <pc:docMk/>
+          <pc:sldMk cId="804366195" sldId="307"/>
+        </pc:sldMkLst>
+        <pc:spChg chg="add mod">
+          <ac:chgData name="Michael Karl Hinterdorfer" userId="c276cb87-832b-4bf2-ac0b-472e4dcf06a7" providerId="ADAL" clId="{0236A9F9-1778-4239-AD6D-378DB51799A1}" dt="2019-03-07T08:48:11.603" v="40" actId="113"/>
+          <ac:spMkLst>
+            <pc:docMk/>
+            <pc:sldMk cId="804366195" sldId="307"/>
+            <ac:spMk id="5" creationId="{492A294F-A65C-4A26-AEA3-6B35B5D44158}"/>
+          </ac:spMkLst>
+        </pc:spChg>
+      </pc:sldChg>
+      <pc:sldChg chg="addSp delSp modSp add">
+        <pc:chgData name="Michael Karl Hinterdorfer" userId="c276cb87-832b-4bf2-ac0b-472e4dcf06a7" providerId="ADAL" clId="{0236A9F9-1778-4239-AD6D-378DB51799A1}" dt="2019-03-07T08:51:20.701" v="103" actId="403"/>
+        <pc:sldMkLst>
+          <pc:docMk/>
+          <pc:sldMk cId="826289158" sldId="308"/>
+        </pc:sldMkLst>
+        <pc:spChg chg="mod">
+          <ac:chgData name="Michael Karl Hinterdorfer" userId="c276cb87-832b-4bf2-ac0b-472e4dcf06a7" providerId="ADAL" clId="{0236A9F9-1778-4239-AD6D-378DB51799A1}" dt="2019-03-07T08:51:20.701" v="103" actId="403"/>
+          <ac:spMkLst>
+            <pc:docMk/>
+            <pc:sldMk cId="826289158" sldId="308"/>
+            <ac:spMk id="2" creationId="{4ED14AB4-0C2E-4726-AFA9-FD8928A83FCD}"/>
+          </ac:spMkLst>
+        </pc:spChg>
+        <pc:spChg chg="del">
+          <ac:chgData name="Michael Karl Hinterdorfer" userId="c276cb87-832b-4bf2-ac0b-472e4dcf06a7" providerId="ADAL" clId="{0236A9F9-1778-4239-AD6D-378DB51799A1}" dt="2019-03-07T08:51:09.970" v="93" actId="478"/>
+          <ac:spMkLst>
+            <pc:docMk/>
+            <pc:sldMk cId="826289158" sldId="308"/>
+            <ac:spMk id="3" creationId="{B1B1279A-252C-44F2-953C-4A86B97AD64C}"/>
+          </ac:spMkLst>
+        </pc:spChg>
+        <pc:spChg chg="add del mod">
+          <ac:chgData name="Michael Karl Hinterdorfer" userId="c276cb87-832b-4bf2-ac0b-472e4dcf06a7" providerId="ADAL" clId="{0236A9F9-1778-4239-AD6D-378DB51799A1}" dt="2019-03-07T08:51:11.377" v="94" actId="478"/>
+          <ac:spMkLst>
+            <pc:docMk/>
+            <pc:sldMk cId="826289158" sldId="308"/>
+            <ac:spMk id="7" creationId="{7C013A4B-1FD7-4B5E-96AB-7E6600B37AE6}"/>
+          </ac:spMkLst>
+        </pc:spChg>
+      </pc:sldChg>
+    </pc:docChg>
+  </pc:docChgLst>
+  <pc:docChgLst>
     <pc:chgData name="Michael Karl Hinterdorfer" userId="c276cb87-832b-4bf2-ac0b-472e4dcf06a7" providerId="ADAL" clId="{7EE33C7E-281C-4DCE-A251-5D3CBB8E23C5}"/>
     <pc:docChg chg="undo custSel addSld delSld modSld sldOrd delSection modSection">
-      <pc:chgData name="Michael Karl Hinterdorfer" userId="c276cb87-832b-4bf2-ac0b-472e4dcf06a7" providerId="ADAL" clId="{7EE33C7E-281C-4DCE-A251-5D3CBB8E23C5}" dt="2019-03-04T19:50:35.068" v="3615" actId="1076"/>
+      <pc:chgData name="Michael Karl Hinterdorfer" userId="c276cb87-832b-4bf2-ac0b-472e4dcf06a7" providerId="ADAL" clId="{7EE33C7E-281C-4DCE-A251-5D3CBB8E23C5}" dt="2019-03-11T17:02:04.048" v="3930" actId="20577"/>
       <pc:docMkLst>
         <pc:docMk/>
       </pc:docMkLst>
@@ -5968,23 +6162,8 @@
           </ac:picMkLst>
         </pc:picChg>
       </pc:sldChg>
-      <pc:sldChg chg="modSp add del ord">
-        <pc:chgData name="Michael Karl Hinterdorfer" userId="c276cb87-832b-4bf2-ac0b-472e4dcf06a7" providerId="ADAL" clId="{7EE33C7E-281C-4DCE-A251-5D3CBB8E23C5}" dt="2019-03-04T12:58:20.014" v="2658" actId="2696"/>
-        <pc:sldMkLst>
-          <pc:docMk/>
-          <pc:sldMk cId="2177228804" sldId="259"/>
-        </pc:sldMkLst>
-        <pc:spChg chg="mod">
-          <ac:chgData name="Michael Karl Hinterdorfer" userId="c276cb87-832b-4bf2-ac0b-472e4dcf06a7" providerId="ADAL" clId="{7EE33C7E-281C-4DCE-A251-5D3CBB8E23C5}" dt="2019-02-25T19:19:36.493" v="69" actId="20577"/>
-          <ac:spMkLst>
-            <pc:docMk/>
-            <pc:sldMk cId="2177228804" sldId="259"/>
-            <ac:spMk id="2" creationId="{4D762447-73F1-48C4-99DA-5F9FB7F82D3E}"/>
-          </ac:spMkLst>
-        </pc:spChg>
-      </pc:sldChg>
-      <pc:sldChg chg="modSp add ord">
-        <pc:chgData name="Michael Karl Hinterdorfer" userId="c276cb87-832b-4bf2-ac0b-472e4dcf06a7" providerId="ADAL" clId="{7EE33C7E-281C-4DCE-A251-5D3CBB8E23C5}" dt="2019-02-25T19:21:08.471" v="116"/>
+      <pc:sldChg chg="modSp add ord modNotesTx">
+        <pc:chgData name="Michael Karl Hinterdorfer" userId="c276cb87-832b-4bf2-ac0b-472e4dcf06a7" providerId="ADAL" clId="{7EE33C7E-281C-4DCE-A251-5D3CBB8E23C5}" dt="2019-03-11T17:02:04.048" v="3930" actId="20577"/>
         <pc:sldMkLst>
           <pc:docMk/>
           <pc:sldMk cId="2798551792" sldId="261"/>
@@ -6036,8 +6215,8 @@
           </ac:spMkLst>
         </pc:spChg>
       </pc:sldChg>
-      <pc:sldChg chg="addSp delSp modSp add">
-        <pc:chgData name="Michael Karl Hinterdorfer" userId="c276cb87-832b-4bf2-ac0b-472e4dcf06a7" providerId="ADAL" clId="{7EE33C7E-281C-4DCE-A251-5D3CBB8E23C5}" dt="2019-03-04T11:09:07.029" v="300" actId="14100"/>
+      <pc:sldChg chg="addSp delSp modSp add modNotesTx">
+        <pc:chgData name="Michael Karl Hinterdorfer" userId="c276cb87-832b-4bf2-ac0b-472e4dcf06a7" providerId="ADAL" clId="{7EE33C7E-281C-4DCE-A251-5D3CBB8E23C5}" dt="2019-03-10T12:34:49.473" v="3767" actId="20577"/>
         <pc:sldMkLst>
           <pc:docMk/>
           <pc:sldMk cId="2478745088" sldId="264"/>
@@ -6091,8 +6270,8 @@
           </ac:picMkLst>
         </pc:picChg>
       </pc:sldChg>
-      <pc:sldChg chg="addSp delSp modSp add">
-        <pc:chgData name="Michael Karl Hinterdorfer" userId="c276cb87-832b-4bf2-ac0b-472e4dcf06a7" providerId="ADAL" clId="{7EE33C7E-281C-4DCE-A251-5D3CBB8E23C5}" dt="2019-03-04T11:12:12.539" v="740" actId="27636"/>
+      <pc:sldChg chg="addSp delSp modSp add modNotesTx">
+        <pc:chgData name="Michael Karl Hinterdorfer" userId="c276cb87-832b-4bf2-ac0b-472e4dcf06a7" providerId="ADAL" clId="{7EE33C7E-281C-4DCE-A251-5D3CBB8E23C5}" dt="2019-03-05T08:21:33.448" v="3651" actId="20577"/>
         <pc:sldMkLst>
           <pc:docMk/>
           <pc:sldMk cId="3847989208" sldId="265"/>
@@ -6166,61 +6345,6 @@
             <pc:docMk/>
             <pc:sldMk cId="1076886211" sldId="266"/>
             <ac:picMk id="4" creationId="{D53C1215-BA2B-4B3D-9BF0-BEEEA07F0A67}"/>
-          </ac:picMkLst>
-        </pc:picChg>
-      </pc:sldChg>
-      <pc:sldChg chg="addSp delSp modSp add">
-        <pc:chgData name="Michael Karl Hinterdorfer" userId="c276cb87-832b-4bf2-ac0b-472e4dcf06a7" providerId="ADAL" clId="{7EE33C7E-281C-4DCE-A251-5D3CBB8E23C5}" dt="2019-03-04T11:15:31.929" v="868" actId="1076"/>
-        <pc:sldMkLst>
-          <pc:docMk/>
-          <pc:sldMk cId="3079420581" sldId="267"/>
-        </pc:sldMkLst>
-        <pc:spChg chg="mod">
-          <ac:chgData name="Michael Karl Hinterdorfer" userId="c276cb87-832b-4bf2-ac0b-472e4dcf06a7" providerId="ADAL" clId="{7EE33C7E-281C-4DCE-A251-5D3CBB8E23C5}" dt="2019-03-04T11:14:31.549" v="828" actId="20577"/>
-          <ac:spMkLst>
-            <pc:docMk/>
-            <pc:sldMk cId="3079420581" sldId="267"/>
-            <ac:spMk id="2" creationId="{5DB1396A-CC15-4E68-9878-82A495C71CD2}"/>
-          </ac:spMkLst>
-        </pc:spChg>
-        <pc:spChg chg="del">
-          <ac:chgData name="Michael Karl Hinterdorfer" userId="c276cb87-832b-4bf2-ac0b-472e4dcf06a7" providerId="ADAL" clId="{7EE33C7E-281C-4DCE-A251-5D3CBB8E23C5}" dt="2019-03-04T11:14:35.609" v="829"/>
-          <ac:spMkLst>
-            <pc:docMk/>
-            <pc:sldMk cId="3079420581" sldId="267"/>
-            <ac:spMk id="3" creationId="{18C94B51-D2C5-4C00-87F5-7C7DEFCBE985}"/>
-          </ac:spMkLst>
-        </pc:spChg>
-        <pc:spChg chg="add mod">
-          <ac:chgData name="Michael Karl Hinterdorfer" userId="c276cb87-832b-4bf2-ac0b-472e4dcf06a7" providerId="ADAL" clId="{7EE33C7E-281C-4DCE-A251-5D3CBB8E23C5}" dt="2019-03-04T11:14:41.829" v="852" actId="20577"/>
-          <ac:spMkLst>
-            <pc:docMk/>
-            <pc:sldMk cId="3079420581" sldId="267"/>
-            <ac:spMk id="4" creationId="{9A6FE786-2777-4276-8098-CA203B6246FC}"/>
-          </ac:spMkLst>
-        </pc:spChg>
-        <pc:spChg chg="add mod">
-          <ac:chgData name="Michael Karl Hinterdorfer" userId="c276cb87-832b-4bf2-ac0b-472e4dcf06a7" providerId="ADAL" clId="{7EE33C7E-281C-4DCE-A251-5D3CBB8E23C5}" dt="2019-03-04T11:15:11.644" v="864" actId="20577"/>
-          <ac:spMkLst>
-            <pc:docMk/>
-            <pc:sldMk cId="3079420581" sldId="267"/>
-            <ac:spMk id="5" creationId="{4E21317B-4A22-45D4-98E8-5B4B92E0EEBF}"/>
-          </ac:spMkLst>
-        </pc:spChg>
-        <pc:picChg chg="add mod">
-          <ac:chgData name="Michael Karl Hinterdorfer" userId="c276cb87-832b-4bf2-ac0b-472e4dcf06a7" providerId="ADAL" clId="{7EE33C7E-281C-4DCE-A251-5D3CBB8E23C5}" dt="2019-03-04T11:15:05.379" v="855" actId="14100"/>
-          <ac:picMkLst>
-            <pc:docMk/>
-            <pc:sldMk cId="3079420581" sldId="267"/>
-            <ac:picMk id="6" creationId="{4BEB9172-06E2-4760-97D1-7B096B48E3E5}"/>
-          </ac:picMkLst>
-        </pc:picChg>
-        <pc:picChg chg="add mod">
-          <ac:chgData name="Michael Karl Hinterdorfer" userId="c276cb87-832b-4bf2-ac0b-472e4dcf06a7" providerId="ADAL" clId="{7EE33C7E-281C-4DCE-A251-5D3CBB8E23C5}" dt="2019-03-04T11:15:31.929" v="868" actId="1076"/>
-          <ac:picMkLst>
-            <pc:docMk/>
-            <pc:sldMk cId="3079420581" sldId="267"/>
-            <ac:picMk id="7" creationId="{3E4694C0-7012-4642-96EE-2703A526A32C}"/>
           </ac:picMkLst>
         </pc:picChg>
       </pc:sldChg>
@@ -6325,54 +6449,8 @@
           </ac:spMkLst>
         </pc:spChg>
       </pc:sldChg>
-      <pc:sldChg chg="addSp delSp modSp add">
-        <pc:chgData name="Michael Karl Hinterdorfer" userId="c276cb87-832b-4bf2-ac0b-472e4dcf06a7" providerId="ADAL" clId="{7EE33C7E-281C-4DCE-A251-5D3CBB8E23C5}" dt="2019-03-04T11:28:46.340" v="1638" actId="14100"/>
-        <pc:sldMkLst>
-          <pc:docMk/>
-          <pc:sldMk cId="713368881" sldId="271"/>
-        </pc:sldMkLst>
-        <pc:spChg chg="del">
-          <ac:chgData name="Michael Karl Hinterdorfer" userId="c276cb87-832b-4bf2-ac0b-472e4dcf06a7" providerId="ADAL" clId="{7EE33C7E-281C-4DCE-A251-5D3CBB8E23C5}" dt="2019-03-04T11:28:41.782" v="1636"/>
-          <ac:spMkLst>
-            <pc:docMk/>
-            <pc:sldMk cId="713368881" sldId="271"/>
-            <ac:spMk id="3" creationId="{1B2BB1FA-BFAC-437D-81D6-823D4550F785}"/>
-          </ac:spMkLst>
-        </pc:spChg>
-        <pc:picChg chg="add mod">
-          <ac:chgData name="Michael Karl Hinterdorfer" userId="c276cb87-832b-4bf2-ac0b-472e4dcf06a7" providerId="ADAL" clId="{7EE33C7E-281C-4DCE-A251-5D3CBB8E23C5}" dt="2019-03-04T11:28:46.340" v="1638" actId="14100"/>
-          <ac:picMkLst>
-            <pc:docMk/>
-            <pc:sldMk cId="713368881" sldId="271"/>
-            <ac:picMk id="4" creationId="{E9AC81E5-5F67-44F2-BE4E-348C8646798F}"/>
-          </ac:picMkLst>
-        </pc:picChg>
-      </pc:sldChg>
-      <pc:sldChg chg="addSp delSp modSp add">
-        <pc:chgData name="Michael Karl Hinterdorfer" userId="c276cb87-832b-4bf2-ac0b-472e4dcf06a7" providerId="ADAL" clId="{7EE33C7E-281C-4DCE-A251-5D3CBB8E23C5}" dt="2019-03-04T11:29:04.704" v="1640"/>
-        <pc:sldMkLst>
-          <pc:docMk/>
-          <pc:sldMk cId="4053638349" sldId="272"/>
-        </pc:sldMkLst>
-        <pc:spChg chg="del">
-          <ac:chgData name="Michael Karl Hinterdorfer" userId="c276cb87-832b-4bf2-ac0b-472e4dcf06a7" providerId="ADAL" clId="{7EE33C7E-281C-4DCE-A251-5D3CBB8E23C5}" dt="2019-03-04T11:29:04.704" v="1640"/>
-          <ac:spMkLst>
-            <pc:docMk/>
-            <pc:sldMk cId="4053638349" sldId="272"/>
-            <ac:spMk id="3" creationId="{0B8BCF34-7A52-427A-84E5-6C8D536DDABA}"/>
-          </ac:spMkLst>
-        </pc:spChg>
-        <pc:picChg chg="add mod">
-          <ac:chgData name="Michael Karl Hinterdorfer" userId="c276cb87-832b-4bf2-ac0b-472e4dcf06a7" providerId="ADAL" clId="{7EE33C7E-281C-4DCE-A251-5D3CBB8E23C5}" dt="2019-03-04T11:29:04.704" v="1640"/>
-          <ac:picMkLst>
-            <pc:docMk/>
-            <pc:sldMk cId="4053638349" sldId="272"/>
-            <ac:picMk id="4" creationId="{011237CE-330F-47D1-A676-86EEE547E8D9}"/>
-          </ac:picMkLst>
-        </pc:picChg>
-      </pc:sldChg>
-      <pc:sldChg chg="modSp add">
-        <pc:chgData name="Michael Karl Hinterdorfer" userId="c276cb87-832b-4bf2-ac0b-472e4dcf06a7" providerId="ADAL" clId="{7EE33C7E-281C-4DCE-A251-5D3CBB8E23C5}" dt="2019-03-04T19:34:45.604" v="2667" actId="20577"/>
+      <pc:sldChg chg="modSp add ord">
+        <pc:chgData name="Michael Karl Hinterdorfer" userId="c276cb87-832b-4bf2-ac0b-472e4dcf06a7" providerId="ADAL" clId="{7EE33C7E-281C-4DCE-A251-5D3CBB8E23C5}" dt="2019-03-11T16:33:18.764" v="3817"/>
         <pc:sldMkLst>
           <pc:docMk/>
           <pc:sldMk cId="1431690073" sldId="273"/>
@@ -6549,21 +6627,6 @@
             <ac:picMk id="4" creationId="{01D912AE-9006-4214-A67F-487D746F226D}"/>
           </ac:picMkLst>
         </pc:picChg>
-      </pc:sldChg>
-      <pc:sldChg chg="modSp add del">
-        <pc:chgData name="Michael Karl Hinterdorfer" userId="c276cb87-832b-4bf2-ac0b-472e4dcf06a7" providerId="ADAL" clId="{7EE33C7E-281C-4DCE-A251-5D3CBB8E23C5}" dt="2019-03-04T12:55:48.118" v="2465" actId="2696"/>
-        <pc:sldMkLst>
-          <pc:docMk/>
-          <pc:sldMk cId="1752000007" sldId="278"/>
-        </pc:sldMkLst>
-        <pc:spChg chg="mod">
-          <ac:chgData name="Michael Karl Hinterdorfer" userId="c276cb87-832b-4bf2-ac0b-472e4dcf06a7" providerId="ADAL" clId="{7EE33C7E-281C-4DCE-A251-5D3CBB8E23C5}" dt="2019-03-04T12:55:45.978" v="2464" actId="20577"/>
-          <ac:spMkLst>
-            <pc:docMk/>
-            <pc:sldMk cId="1752000007" sldId="278"/>
-            <ac:spMk id="2" creationId="{172CA69F-6F9D-4D94-88C9-CE3512827A27}"/>
-          </ac:spMkLst>
-        </pc:spChg>
       </pc:sldChg>
       <pc:sldChg chg="modNotesTx">
         <pc:chgData name="Michael Karl Hinterdorfer" userId="c276cb87-832b-4bf2-ac0b-472e4dcf06a7" providerId="ADAL" clId="{7EE33C7E-281C-4DCE-A251-5D3CBB8E23C5}" dt="2019-03-04T19:47:18.990" v="3028" actId="20577"/>
@@ -6579,12 +6642,81 @@
           <pc:sldMk cId="888768810" sldId="281"/>
         </pc:sldMkLst>
       </pc:sldChg>
-      <pc:sldChg chg="modNotesTx">
-        <pc:chgData name="Michael Karl Hinterdorfer" userId="c276cb87-832b-4bf2-ac0b-472e4dcf06a7" providerId="ADAL" clId="{7EE33C7E-281C-4DCE-A251-5D3CBB8E23C5}" dt="2019-03-04T19:48:55.014" v="3507" actId="20577"/>
+      <pc:sldChg chg="modSp modNotesTx">
+        <pc:chgData name="Michael Karl Hinterdorfer" userId="c276cb87-832b-4bf2-ac0b-472e4dcf06a7" providerId="ADAL" clId="{7EE33C7E-281C-4DCE-A251-5D3CBB8E23C5}" dt="2019-03-10T12:34:24.898" v="3745" actId="20577"/>
         <pc:sldMkLst>
           <pc:docMk/>
           <pc:sldMk cId="1317130372" sldId="284"/>
         </pc:sldMkLst>
+        <pc:spChg chg="mod">
+          <ac:chgData name="Michael Karl Hinterdorfer" userId="c276cb87-832b-4bf2-ac0b-472e4dcf06a7" providerId="ADAL" clId="{7EE33C7E-281C-4DCE-A251-5D3CBB8E23C5}" dt="2019-03-10T12:34:09.454" v="3744" actId="20577"/>
+          <ac:spMkLst>
+            <pc:docMk/>
+            <pc:sldMk cId="1317130372" sldId="284"/>
+            <ac:spMk id="3" creationId="{C7B6FDEC-AC69-4343-A05C-D3A3B0F20E48}"/>
+          </ac:spMkLst>
+        </pc:spChg>
+      </pc:sldChg>
+      <pc:sldChg chg="modSp">
+        <pc:chgData name="Michael Karl Hinterdorfer" userId="c276cb87-832b-4bf2-ac0b-472e4dcf06a7" providerId="ADAL" clId="{7EE33C7E-281C-4DCE-A251-5D3CBB8E23C5}" dt="2019-03-10T12:35:52.562" v="3808" actId="1076"/>
+        <pc:sldMkLst>
+          <pc:docMk/>
+          <pc:sldMk cId="2994444048" sldId="305"/>
+        </pc:sldMkLst>
+        <pc:spChg chg="mod">
+          <ac:chgData name="Michael Karl Hinterdorfer" userId="c276cb87-832b-4bf2-ac0b-472e4dcf06a7" providerId="ADAL" clId="{7EE33C7E-281C-4DCE-A251-5D3CBB8E23C5}" dt="2019-03-10T12:35:52.562" v="3808" actId="1076"/>
+          <ac:spMkLst>
+            <pc:docMk/>
+            <pc:sldMk cId="2994444048" sldId="305"/>
+            <ac:spMk id="5" creationId="{8CA76206-2FBA-4431-99C2-8B1C753CCC62}"/>
+          </ac:spMkLst>
+        </pc:spChg>
+      </pc:sldChg>
+      <pc:sldChg chg="modSp">
+        <pc:chgData name="Michael Karl Hinterdorfer" userId="c276cb87-832b-4bf2-ac0b-472e4dcf06a7" providerId="ADAL" clId="{7EE33C7E-281C-4DCE-A251-5D3CBB8E23C5}" dt="2019-03-05T08:37:46.277" v="3658" actId="20577"/>
+        <pc:sldMkLst>
+          <pc:docMk/>
+          <pc:sldMk cId="804366195" sldId="307"/>
+        </pc:sldMkLst>
+        <pc:spChg chg="mod">
+          <ac:chgData name="Michael Karl Hinterdorfer" userId="c276cb87-832b-4bf2-ac0b-472e4dcf06a7" providerId="ADAL" clId="{7EE33C7E-281C-4DCE-A251-5D3CBB8E23C5}" dt="2019-03-05T08:37:46.277" v="3658" actId="20577"/>
+          <ac:spMkLst>
+            <pc:docMk/>
+            <pc:sldMk cId="804366195" sldId="307"/>
+            <ac:spMk id="3" creationId="{B1B1279A-252C-44F2-953C-4A86B97AD64C}"/>
+          </ac:spMkLst>
+        </pc:spChg>
+      </pc:sldChg>
+      <pc:sldChg chg="delSp modSp add">
+        <pc:chgData name="Michael Karl Hinterdorfer" userId="c276cb87-832b-4bf2-ac0b-472e4dcf06a7" providerId="ADAL" clId="{7EE33C7E-281C-4DCE-A251-5D3CBB8E23C5}" dt="2019-03-11T16:17:35.456" v="3816" actId="732"/>
+        <pc:sldMkLst>
+          <pc:docMk/>
+          <pc:sldMk cId="2729379101" sldId="309"/>
+        </pc:sldMkLst>
+        <pc:spChg chg="ord">
+          <ac:chgData name="Michael Karl Hinterdorfer" userId="c276cb87-832b-4bf2-ac0b-472e4dcf06a7" providerId="ADAL" clId="{7EE33C7E-281C-4DCE-A251-5D3CBB8E23C5}" dt="2019-03-11T16:17:12.752" v="3815" actId="167"/>
+          <ac:spMkLst>
+            <pc:docMk/>
+            <pc:sldMk cId="2729379101" sldId="309"/>
+            <ac:spMk id="5" creationId="{6942233D-11E1-4EDB-8A0D-A2850502B1A4}"/>
+          </ac:spMkLst>
+        </pc:spChg>
+        <pc:picChg chg="mod modCrop">
+          <ac:chgData name="Michael Karl Hinterdorfer" userId="c276cb87-832b-4bf2-ac0b-472e4dcf06a7" providerId="ADAL" clId="{7EE33C7E-281C-4DCE-A251-5D3CBB8E23C5}" dt="2019-03-11T16:17:35.456" v="3816" actId="732"/>
+          <ac:picMkLst>
+            <pc:docMk/>
+            <pc:sldMk cId="2729379101" sldId="309"/>
+            <ac:picMk id="4" creationId="{03E05053-686F-453A-8186-D634CC2EA6E5}"/>
+          </ac:picMkLst>
+        </pc:picChg>
+        <pc:picChg chg="del">
+          <ac:chgData name="Michael Karl Hinterdorfer" userId="c276cb87-832b-4bf2-ac0b-472e4dcf06a7" providerId="ADAL" clId="{7EE33C7E-281C-4DCE-A251-5D3CBB8E23C5}" dt="2019-03-11T16:16:45.872" v="3810" actId="478"/>
+          <ac:picMkLst>
+            <pc:docMk/>
+            <pc:sldMk cId="2729379101" sldId="309"/>
+            <ac:picMk id="6" creationId="{959B0876-46D2-4E3E-98D0-F6C19A8F500A}"/>
+          </ac:picMkLst>
+        </pc:picChg>
       </pc:sldChg>
     </pc:docChg>
   </pc:docChgLst>
@@ -6673,7 +6805,7 @@
           <a:p>
             <a:fld id="{84E1CC5C-1206-4389-9EFC-4CA80AC0D298}" type="datetimeFigureOut">
               <a:rPr lang="de-AT" smtClean="0"/>
-              <a:t>04.03.2019</a:t>
+              <a:t>11.03.2019</a:t>
             </a:fld>
             <a:endParaRPr lang="de-AT"/>
           </a:p>
@@ -7168,7 +7300,7 @@
           <a:p>
             <a:fld id="{2F0A8713-93F5-4EC8-AF83-4543E9DCF05D}" type="slidenum">
               <a:rPr lang="de-AT" smtClean="0"/>
-              <a:t>21</a:t>
+              <a:t>20</a:t>
             </a:fld>
             <a:endParaRPr lang="de-AT"/>
           </a:p>
@@ -7177,7 +7309,7 @@
     </p:spTree>
     <p:extLst>
       <p:ext uri="{BB962C8B-B14F-4D97-AF65-F5344CB8AC3E}">
-        <p14:creationId xmlns:p14="http://schemas.microsoft.com/office/powerpoint/2010/main" val="3477795421"/>
+        <p14:creationId xmlns:p14="http://schemas.microsoft.com/office/powerpoint/2010/main" val="1321742618"/>
       </p:ext>
     </p:extLst>
   </p:cSld>
@@ -7250,31 +7382,31 @@
             </a:pPr>
             <a:r>
               <a:rPr lang="de-AT" dirty="0"/>
-              <a:t>Hier zeigt sich die Entsprechung der beiden </a:t>
+              <a:t>Lösung: Vererbung und Verwendung einer abstrakten Methode, die eine Subklasse implementieren </a:t>
+            </a:r>
+            <a:r>
+              <a:rPr lang="de-AT" b="1" dirty="0"/>
+              <a:t>muss</a:t>
+            </a:r>
+            <a:r>
+              <a:rPr lang="de-AT" dirty="0"/>
+              <a:t>. Die abstrakte Methode ist die </a:t>
             </a:r>
             <a:r>
               <a:rPr lang="de-AT" dirty="0" err="1"/>
-              <a:t>Vererbungshierachien</a:t>
+              <a:t>namensgebenede</a:t>
             </a:r>
             <a:r>
               <a:rPr lang="de-AT" dirty="0"/>
-              <a:t> von </a:t>
-            </a:r>
-            <a:r>
-              <a:rPr lang="de-AT" dirty="0" err="1"/>
-              <a:t>Program</a:t>
+              <a:t> </a:t>
+            </a:r>
+            <a:r>
+              <a:rPr lang="de-AT" b="1" dirty="0"/>
+              <a:t>Factory Method</a:t>
             </a:r>
             <a:r>
               <a:rPr lang="de-AT" dirty="0"/>
-              <a:t> und Softwareshop: Der abstrakte Softwareshop kennt nur das ebenso abstrakte </a:t>
-            </a:r>
-            <a:r>
-              <a:rPr lang="de-AT" dirty="0" err="1"/>
-              <a:t>Officeprogram</a:t>
-            </a:r>
-            <a:r>
-              <a:rPr lang="de-AT" dirty="0"/>
-              <a:t>. Die konkreten Subklassen kennen hingegen die konkreten Programme.</a:t>
+              <a:t>.</a:t>
             </a:r>
           </a:p>
           <a:p>
@@ -7299,7 +7431,7 @@
           <a:p>
             <a:fld id="{2F0A8713-93F5-4EC8-AF83-4543E9DCF05D}" type="slidenum">
               <a:rPr lang="de-AT" smtClean="0"/>
-              <a:t>34</a:t>
+              <a:t>21</a:t>
             </a:fld>
             <a:endParaRPr lang="de-AT"/>
           </a:p>
@@ -7308,7 +7440,7 @@
     </p:spTree>
     <p:extLst>
       <p:ext uri="{BB962C8B-B14F-4D97-AF65-F5344CB8AC3E}">
-        <p14:creationId xmlns:p14="http://schemas.microsoft.com/office/powerpoint/2010/main" val="1730717115"/>
+        <p14:creationId xmlns:p14="http://schemas.microsoft.com/office/powerpoint/2010/main" val="3477795421"/>
       </p:ext>
     </p:extLst>
   </p:cSld>
@@ -7362,91 +7494,50 @@
           <a:bodyPr/>
           <a:lstStyle/>
           <a:p>
+            <a:pPr marL="0" marR="0" lvl="0" indent="0" algn="l" defTabSz="914400" rtl="0" eaLnBrk="1" fontAlgn="auto" latinLnBrk="0" hangingPunct="1">
+              <a:lnSpc>
+                <a:spcPct val="100000"/>
+              </a:lnSpc>
+              <a:spcBef>
+                <a:spcPts val="0"/>
+              </a:spcBef>
+              <a:spcAft>
+                <a:spcPts val="0"/>
+              </a:spcAft>
+              <a:buClrTx/>
+              <a:buSzTx/>
+              <a:buFontTx/>
+              <a:buNone/>
+              <a:tabLst/>
+              <a:defRPr/>
+            </a:pPr>
             <a:r>
               <a:rPr lang="de-AT" dirty="0"/>
-              <a:t>Abstrakter Softwareshop – Creator: deklariert die Factory-Method, die ein Objekt vom Typ </a:t>
+              <a:t>Hier zeigt sich die Entsprechung der beiden </a:t>
             </a:r>
             <a:r>
               <a:rPr lang="de-AT" dirty="0" err="1"/>
-              <a:t>Product</a:t>
+              <a:t>Vererbungshierachien</a:t>
             </a:r>
             <a:r>
               <a:rPr lang="de-AT" dirty="0"/>
-              <a:t> zurückgibt.</a:t>
-            </a:r>
-          </a:p>
-          <a:p>
+              <a:t> von </a:t>
+            </a:r>
+            <a:r>
+              <a:rPr lang="de-AT" dirty="0" err="1"/>
+              <a:t>Program</a:t>
+            </a:r>
             <a:r>
               <a:rPr lang="de-AT" dirty="0"/>
-              <a:t>Konkrete </a:t>
+              <a:t> und Softwareshop: Der abstrakte Softwareshop kennt nur das ebenso abstrakte </a:t>
             </a:r>
             <a:r>
               <a:rPr lang="de-AT" dirty="0" err="1"/>
-              <a:t>OfficeSuiteFactorys</a:t>
+              <a:t>Officeprogram</a:t>
             </a:r>
             <a:r>
               <a:rPr lang="de-AT" dirty="0"/>
-              <a:t> – </a:t>
-            </a:r>
-            <a:r>
-              <a:rPr lang="de-AT" dirty="0" err="1"/>
-              <a:t>ConcreteCreator</a:t>
-            </a:r>
-            <a:r>
-              <a:rPr lang="de-AT" dirty="0"/>
-              <a:t>: überschreibt die Factory-Methode, um eine Instanz eines </a:t>
-            </a:r>
-            <a:r>
-              <a:rPr lang="de-AT" dirty="0" err="1"/>
-              <a:t>ConcreteProduct</a:t>
-            </a:r>
-            <a:r>
-              <a:rPr lang="de-AT" dirty="0"/>
-              <a:t> zurückzugeben</a:t>
-            </a:r>
-          </a:p>
-          <a:p>
-            <a:r>
-              <a:rPr lang="de-AT" dirty="0"/>
-              <a:t>Abstrakte </a:t>
-            </a:r>
-            <a:r>
-              <a:rPr lang="de-AT" dirty="0" err="1"/>
-              <a:t>OfficeProgramm</a:t>
-            </a:r>
-            <a:r>
-              <a:rPr lang="de-AT" dirty="0"/>
-              <a:t>-Schnittstelle – </a:t>
-            </a:r>
-            <a:r>
-              <a:rPr lang="de-AT" dirty="0" err="1"/>
-              <a:t>Product</a:t>
-            </a:r>
-            <a:r>
-              <a:rPr lang="de-AT" dirty="0"/>
-              <a:t>: Definiert die Schnittstelle der Objekte, die die Factory-Method erstellt.</a:t>
-            </a:r>
-          </a:p>
-          <a:p>
-            <a:r>
-              <a:rPr lang="de-AT" dirty="0"/>
-              <a:t>Konkrete Programme – </a:t>
-            </a:r>
-            <a:r>
-              <a:rPr lang="de-AT" dirty="0" err="1"/>
-              <a:t>ConcreteProduct</a:t>
-            </a:r>
-            <a:r>
-              <a:rPr lang="de-AT" dirty="0"/>
-              <a:t>: implementiert die </a:t>
-            </a:r>
-            <a:r>
-              <a:rPr lang="de-AT" dirty="0" err="1"/>
-              <a:t>Product</a:t>
-            </a:r>
-            <a:r>
-              <a:rPr lang="de-AT" dirty="0"/>
-              <a:t> Schnittstelle</a:t>
+              <a:t>. Die konkreten Subklassen kennen hingegen die konkreten Programme.</a:t>
             </a:r>
           </a:p>
           <a:p>
@@ -7471,7 +7562,7 @@
           <a:p>
             <a:fld id="{2F0A8713-93F5-4EC8-AF83-4543E9DCF05D}" type="slidenum">
               <a:rPr lang="de-AT" smtClean="0"/>
-              <a:t>35</a:t>
+              <a:t>34</a:t>
             </a:fld>
             <a:endParaRPr lang="de-AT"/>
           </a:p>
@@ -7480,7 +7571,7 @@
     </p:spTree>
     <p:extLst>
       <p:ext uri="{BB962C8B-B14F-4D97-AF65-F5344CB8AC3E}">
-        <p14:creationId xmlns:p14="http://schemas.microsoft.com/office/powerpoint/2010/main" val="1515952419"/>
+        <p14:creationId xmlns:p14="http://schemas.microsoft.com/office/powerpoint/2010/main" val="1730717115"/>
       </p:ext>
     </p:extLst>
   </p:cSld>
@@ -7643,7 +7734,7 @@
           <a:p>
             <a:fld id="{2F0A8713-93F5-4EC8-AF83-4543E9DCF05D}" type="slidenum">
               <a:rPr lang="de-AT" smtClean="0"/>
-              <a:t>36</a:t>
+              <a:t>35</a:t>
             </a:fld>
             <a:endParaRPr lang="de-AT"/>
           </a:p>
@@ -7652,7 +7743,7 @@
     </p:spTree>
     <p:extLst>
       <p:ext uri="{BB962C8B-B14F-4D97-AF65-F5344CB8AC3E}">
-        <p14:creationId xmlns:p14="http://schemas.microsoft.com/office/powerpoint/2010/main" val="3834334620"/>
+        <p14:creationId xmlns:p14="http://schemas.microsoft.com/office/powerpoint/2010/main" val="1515952419"/>
       </p:ext>
     </p:extLst>
   </p:cSld>
@@ -7706,6 +7797,197 @@
           <a:bodyPr/>
           <a:lstStyle/>
           <a:p>
+            <a:r>
+              <a:rPr lang="de-AT" dirty="0"/>
+              <a:t>Abstrakter Softwareshop – Creator: deklariert die Factory-Method, die ein Objekt vom Typ </a:t>
+            </a:r>
+            <a:r>
+              <a:rPr lang="de-AT" dirty="0" err="1"/>
+              <a:t>Product</a:t>
+            </a:r>
+            <a:r>
+              <a:rPr lang="de-AT" dirty="0"/>
+              <a:t> zurückgibt.</a:t>
+            </a:r>
+          </a:p>
+          <a:p>
+            <a:r>
+              <a:rPr lang="de-AT" dirty="0"/>
+              <a:t>Konkrete </a:t>
+            </a:r>
+            <a:r>
+              <a:rPr lang="de-AT" dirty="0" err="1"/>
+              <a:t>OfficeSuiteFactorys</a:t>
+            </a:r>
+            <a:r>
+              <a:rPr lang="de-AT" dirty="0"/>
+              <a:t> – </a:t>
+            </a:r>
+            <a:r>
+              <a:rPr lang="de-AT" dirty="0" err="1"/>
+              <a:t>ConcreteCreator</a:t>
+            </a:r>
+            <a:r>
+              <a:rPr lang="de-AT" dirty="0"/>
+              <a:t>: überschreibt die Factory-Methode, um eine Instanz eines </a:t>
+            </a:r>
+            <a:r>
+              <a:rPr lang="de-AT" dirty="0" err="1"/>
+              <a:t>ConcreteProduct</a:t>
+            </a:r>
+            <a:r>
+              <a:rPr lang="de-AT" dirty="0"/>
+              <a:t> zurückzugeben</a:t>
+            </a:r>
+          </a:p>
+          <a:p>
+            <a:r>
+              <a:rPr lang="de-AT" dirty="0"/>
+              <a:t>Abstrakte </a:t>
+            </a:r>
+            <a:r>
+              <a:rPr lang="de-AT" dirty="0" err="1"/>
+              <a:t>OfficeProgramm</a:t>
+            </a:r>
+            <a:r>
+              <a:rPr lang="de-AT" dirty="0"/>
+              <a:t>-Schnittstelle – </a:t>
+            </a:r>
+            <a:r>
+              <a:rPr lang="de-AT" dirty="0" err="1"/>
+              <a:t>Product</a:t>
+            </a:r>
+            <a:r>
+              <a:rPr lang="de-AT" dirty="0"/>
+              <a:t>: Definiert die Schnittstelle der Objekte, die die Factory-Method erstellt.</a:t>
+            </a:r>
+          </a:p>
+          <a:p>
+            <a:r>
+              <a:rPr lang="de-AT" dirty="0"/>
+              <a:t>Konkrete Programme – </a:t>
+            </a:r>
+            <a:r>
+              <a:rPr lang="de-AT" dirty="0" err="1"/>
+              <a:t>ConcreteProduct</a:t>
+            </a:r>
+            <a:r>
+              <a:rPr lang="de-AT" dirty="0"/>
+              <a:t>: implementiert die </a:t>
+            </a:r>
+            <a:r>
+              <a:rPr lang="de-AT" dirty="0" err="1"/>
+              <a:t>Product</a:t>
+            </a:r>
+            <a:r>
+              <a:rPr lang="de-AT" dirty="0"/>
+              <a:t> Schnittstelle</a:t>
+            </a:r>
+          </a:p>
+          <a:p>
+            <a:endParaRPr lang="de-AT" dirty="0"/>
+          </a:p>
+        </p:txBody>
+      </p:sp>
+      <p:sp>
+        <p:nvSpPr>
+          <p:cNvPr id="4" name="Slide Number Placeholder 3"/>
+          <p:cNvSpPr>
+            <a:spLocks noGrp="1"/>
+          </p:cNvSpPr>
+          <p:nvPr>
+            <p:ph type="sldNum" sz="quarter" idx="5"/>
+          </p:nvPr>
+        </p:nvSpPr>
+        <p:spPr/>
+        <p:txBody>
+          <a:bodyPr/>
+          <a:lstStyle/>
+          <a:p>
+            <a:fld id="{2F0A8713-93F5-4EC8-AF83-4543E9DCF05D}" type="slidenum">
+              <a:rPr lang="de-AT" smtClean="0"/>
+              <a:t>36</a:t>
+            </a:fld>
+            <a:endParaRPr lang="de-AT"/>
+          </a:p>
+        </p:txBody>
+      </p:sp>
+    </p:spTree>
+    <p:extLst>
+      <p:ext uri="{BB962C8B-B14F-4D97-AF65-F5344CB8AC3E}">
+        <p14:creationId xmlns:p14="http://schemas.microsoft.com/office/powerpoint/2010/main" val="3834334620"/>
+      </p:ext>
+    </p:extLst>
+  </p:cSld>
+  <p:clrMapOvr>
+    <a:masterClrMapping/>
+  </p:clrMapOvr>
+</p:notes>
+</file>
+
+<file path=ppt/notesSlides/notesSlide15.xml><?xml version="1.0" encoding="utf-8"?>
+<p:notes xmlns:a="http://schemas.openxmlformats.org/drawingml/2006/main" xmlns:r="http://schemas.openxmlformats.org/officeDocument/2006/relationships" xmlns:p="http://schemas.openxmlformats.org/presentationml/2006/main">
+  <p:cSld>
+    <p:spTree>
+      <p:nvGrpSpPr>
+        <p:cNvPr id="1" name=""/>
+        <p:cNvGrpSpPr/>
+        <p:nvPr/>
+      </p:nvGrpSpPr>
+      <p:grpSpPr>
+        <a:xfrm>
+          <a:off x="0" y="0"/>
+          <a:ext cx="0" cy="0"/>
+          <a:chOff x="0" y="0"/>
+          <a:chExt cx="0" cy="0"/>
+        </a:xfrm>
+      </p:grpSpPr>
+      <p:sp>
+        <p:nvSpPr>
+          <p:cNvPr id="2" name="Slide Image Placeholder 1"/>
+          <p:cNvSpPr>
+            <a:spLocks noGrp="1" noRot="1" noChangeAspect="1"/>
+          </p:cNvSpPr>
+          <p:nvPr>
+            <p:ph type="sldImg"/>
+          </p:nvPr>
+        </p:nvSpPr>
+        <p:spPr/>
+      </p:sp>
+      <p:sp>
+        <p:nvSpPr>
+          <p:cNvPr id="3" name="Notes Placeholder 2"/>
+          <p:cNvSpPr>
+            <a:spLocks noGrp="1"/>
+          </p:cNvSpPr>
+          <p:nvPr>
+            <p:ph type="body" idx="1"/>
+          </p:nvPr>
+        </p:nvSpPr>
+        <p:spPr/>
+        <p:txBody>
+          <a:bodyPr/>
+          <a:lstStyle/>
+          <a:p>
+            <a:r>
+              <a:rPr lang="de-AT" dirty="0"/>
+              <a:t>Objektherstellung: </a:t>
+            </a:r>
+            <a:r>
+              <a:rPr lang="de-AT" dirty="0" err="1"/>
+              <a:t>ConcreteCreator</a:t>
+            </a:r>
+            <a:endParaRPr lang="de-AT" dirty="0"/>
+          </a:p>
+          <a:p>
+            <a:r>
+              <a:rPr lang="de-AT" dirty="0"/>
+              <a:t>Allgemeiner Herstellungscode</a:t>
+            </a:r>
+            <a:r>
+              <a:rPr lang="de-AT"/>
+              <a:t>: Creator</a:t>
+            </a:r>
             <a:endParaRPr lang="de-AT" dirty="0"/>
           </a:p>
         </p:txBody>
@@ -7737,6 +8019,482 @@
     <p:extLst>
       <p:ext uri="{BB962C8B-B14F-4D97-AF65-F5344CB8AC3E}">
         <p14:creationId xmlns:p14="http://schemas.microsoft.com/office/powerpoint/2010/main" val="2749965095"/>
+      </p:ext>
+    </p:extLst>
+  </p:cSld>
+  <p:clrMapOvr>
+    <a:masterClrMapping/>
+  </p:clrMapOvr>
+</p:notes>
+</file>
+
+<file path=ppt/notesSlides/notesSlide16.xml><?xml version="1.0" encoding="utf-8"?>
+<p:notes xmlns:a="http://schemas.openxmlformats.org/drawingml/2006/main" xmlns:r="http://schemas.openxmlformats.org/officeDocument/2006/relationships" xmlns:p="http://schemas.openxmlformats.org/presentationml/2006/main">
+  <p:cSld>
+    <p:spTree>
+      <p:nvGrpSpPr>
+        <p:cNvPr id="1" name=""/>
+        <p:cNvGrpSpPr/>
+        <p:nvPr/>
+      </p:nvGrpSpPr>
+      <p:grpSpPr>
+        <a:xfrm>
+          <a:off x="0" y="0"/>
+          <a:ext cx="0" cy="0"/>
+          <a:chOff x="0" y="0"/>
+          <a:chExt cx="0" cy="0"/>
+        </a:xfrm>
+      </p:grpSpPr>
+      <p:sp>
+        <p:nvSpPr>
+          <p:cNvPr id="2" name="Slide Image Placeholder 1"/>
+          <p:cNvSpPr>
+            <a:spLocks noGrp="1" noRot="1" noChangeAspect="1"/>
+          </p:cNvSpPr>
+          <p:nvPr>
+            <p:ph type="sldImg"/>
+          </p:nvPr>
+        </p:nvSpPr>
+        <p:spPr/>
+      </p:sp>
+      <p:sp>
+        <p:nvSpPr>
+          <p:cNvPr id="3" name="Notes Placeholder 2"/>
+          <p:cNvSpPr>
+            <a:spLocks noGrp="1"/>
+          </p:cNvSpPr>
+          <p:nvPr>
+            <p:ph type="body" idx="1"/>
+          </p:nvPr>
+        </p:nvSpPr>
+        <p:spPr/>
+        <p:txBody>
+          <a:bodyPr/>
+          <a:lstStyle/>
+          <a:p>
+            <a:endParaRPr lang="de-AT" sz="1200" b="0" i="0" u="none" strike="noStrike" kern="1200" baseline="0" dirty="0">
+              <a:solidFill>
+                <a:schemeClr val="tx1"/>
+              </a:solidFill>
+              <a:latin typeface="+mn-lt"/>
+              <a:ea typeface="+mn-ea"/>
+              <a:cs typeface="+mn-cs"/>
+            </a:endParaRPr>
+          </a:p>
+          <a:p>
+            <a:r>
+              <a:rPr lang="de-AT" sz="1200" b="0" i="0" u="none" strike="noStrike" kern="1200" baseline="0" dirty="0">
+                <a:solidFill>
+                  <a:schemeClr val="tx1"/>
+                </a:solidFill>
+                <a:latin typeface="+mn-lt"/>
+                <a:ea typeface="+mn-ea"/>
+                <a:cs typeface="+mn-cs"/>
+              </a:rPr>
+              <a:t>Authentifizierungssysteme: Für jeden User wird nach dem Login ein Ticket erstellt, das seine Rechte im System repräsentiert. Statt eine universelle Ticketklasse mit duzenden, je nach Userrechten gesetzten Attributen zu nutzen, werden spezielle Tickets erstellt. Dies geschieht mittels einer </a:t>
+            </a:r>
+            <a:r>
+              <a:rPr lang="de-AT" sz="1200" b="0" i="0" u="none" strike="noStrike" kern="1200" baseline="0" dirty="0" err="1">
+                <a:solidFill>
+                  <a:schemeClr val="tx1"/>
+                </a:solidFill>
+                <a:latin typeface="+mn-lt"/>
+                <a:ea typeface="+mn-ea"/>
+                <a:cs typeface="+mn-cs"/>
+              </a:rPr>
+              <a:t>TicketFactory</a:t>
+            </a:r>
+            <a:r>
+              <a:rPr lang="de-AT" sz="1200" b="0" i="0" u="none" strike="noStrike" kern="1200" baseline="0" dirty="0">
+                <a:solidFill>
+                  <a:schemeClr val="tx1"/>
+                </a:solidFill>
+                <a:latin typeface="+mn-lt"/>
+                <a:ea typeface="+mn-ea"/>
+                <a:cs typeface="+mn-cs"/>
+              </a:rPr>
+              <a:t> und einer </a:t>
+            </a:r>
+            <a:r>
+              <a:rPr lang="de-AT" sz="1200" b="0" i="0" u="none" strike="noStrike" kern="1200" baseline="0" dirty="0" err="1">
+                <a:solidFill>
+                  <a:schemeClr val="tx1"/>
+                </a:solidFill>
+                <a:latin typeface="+mn-lt"/>
+                <a:ea typeface="+mn-ea"/>
+                <a:cs typeface="+mn-cs"/>
+              </a:rPr>
+              <a:t>createTicket</a:t>
+            </a:r>
+            <a:r>
+              <a:rPr lang="de-AT" sz="1200" b="0" i="0" u="none" strike="noStrike" kern="1200" baseline="0" dirty="0">
+                <a:solidFill>
+                  <a:schemeClr val="tx1"/>
+                </a:solidFill>
+                <a:latin typeface="+mn-lt"/>
+                <a:ea typeface="+mn-ea"/>
+                <a:cs typeface="+mn-cs"/>
+              </a:rPr>
+              <a:t>()-Methode, die mit den nötigen Informationen parametrisiert wird. Anhand dieser Parameter wird entschieden, welches Ticket erstellt wird. Verschiedene Erzeugungsprozesse werden durch mehrfaches Ableiten dieser Factory ermöglicht (</a:t>
+            </a:r>
+            <a:r>
+              <a:rPr lang="de-AT" sz="1200" b="0" i="0" u="none" strike="noStrike" kern="1200" baseline="0" dirty="0" err="1">
+                <a:solidFill>
+                  <a:schemeClr val="tx1"/>
+                </a:solidFill>
+                <a:latin typeface="+mn-lt"/>
+                <a:ea typeface="+mn-ea"/>
+                <a:cs typeface="+mn-cs"/>
+              </a:rPr>
+              <a:t>InternetTicketFactory</a:t>
+            </a:r>
+            <a:r>
+              <a:rPr lang="de-AT" sz="1200" b="0" i="0" u="none" strike="noStrike" kern="1200" baseline="0" dirty="0">
+                <a:solidFill>
+                  <a:schemeClr val="tx1"/>
+                </a:solidFill>
+                <a:latin typeface="+mn-lt"/>
+                <a:ea typeface="+mn-ea"/>
+                <a:cs typeface="+mn-cs"/>
+              </a:rPr>
+              <a:t>, </a:t>
+            </a:r>
+            <a:r>
+              <a:rPr lang="de-AT" sz="1200" b="0" i="0" u="none" strike="noStrike" kern="1200" baseline="0" dirty="0" err="1">
+                <a:solidFill>
+                  <a:schemeClr val="tx1"/>
+                </a:solidFill>
+                <a:latin typeface="+mn-lt"/>
+                <a:ea typeface="+mn-ea"/>
+                <a:cs typeface="+mn-cs"/>
+              </a:rPr>
+              <a:t>IntranetTicketFactory</a:t>
+            </a:r>
+            <a:r>
+              <a:rPr lang="de-AT" sz="1200" b="0" i="0" u="none" strike="noStrike" kern="1200" baseline="0" dirty="0">
+                <a:solidFill>
+                  <a:schemeClr val="tx1"/>
+                </a:solidFill>
+                <a:latin typeface="+mn-lt"/>
+                <a:ea typeface="+mn-ea"/>
+                <a:cs typeface="+mn-cs"/>
+              </a:rPr>
+              <a:t>). </a:t>
+            </a:r>
+          </a:p>
+          <a:p>
+            <a:endParaRPr lang="de-AT" sz="1200" b="0" i="0" u="none" strike="noStrike" kern="1200" baseline="0" dirty="0">
+              <a:solidFill>
+                <a:schemeClr val="tx1"/>
+              </a:solidFill>
+              <a:latin typeface="+mn-lt"/>
+              <a:ea typeface="+mn-ea"/>
+              <a:cs typeface="+mn-cs"/>
+            </a:endParaRPr>
+          </a:p>
+          <a:p>
+            <a:endParaRPr lang="de-AT" dirty="0"/>
+          </a:p>
+        </p:txBody>
+      </p:sp>
+      <p:sp>
+        <p:nvSpPr>
+          <p:cNvPr id="4" name="Slide Number Placeholder 3"/>
+          <p:cNvSpPr>
+            <a:spLocks noGrp="1"/>
+          </p:cNvSpPr>
+          <p:nvPr>
+            <p:ph type="sldNum" sz="quarter" idx="5"/>
+          </p:nvPr>
+        </p:nvSpPr>
+        <p:spPr/>
+        <p:txBody>
+          <a:bodyPr/>
+          <a:lstStyle/>
+          <a:p>
+            <a:fld id="{2F0A8713-93F5-4EC8-AF83-4543E9DCF05D}" type="slidenum">
+              <a:rPr lang="de-AT" smtClean="0"/>
+              <a:t>39</a:t>
+            </a:fld>
+            <a:endParaRPr lang="de-AT"/>
+          </a:p>
+        </p:txBody>
+      </p:sp>
+    </p:spTree>
+    <p:extLst>
+      <p:ext uri="{BB962C8B-B14F-4D97-AF65-F5344CB8AC3E}">
+        <p14:creationId xmlns:p14="http://schemas.microsoft.com/office/powerpoint/2010/main" val="3862551123"/>
+      </p:ext>
+    </p:extLst>
+  </p:cSld>
+  <p:clrMapOvr>
+    <a:masterClrMapping/>
+  </p:clrMapOvr>
+</p:notes>
+</file>
+
+<file path=ppt/notesSlides/notesSlide17.xml><?xml version="1.0" encoding="utf-8"?>
+<p:notes xmlns:a="http://schemas.openxmlformats.org/drawingml/2006/main" xmlns:r="http://schemas.openxmlformats.org/officeDocument/2006/relationships" xmlns:p="http://schemas.openxmlformats.org/presentationml/2006/main">
+  <p:cSld>
+    <p:spTree>
+      <p:nvGrpSpPr>
+        <p:cNvPr id="1" name=""/>
+        <p:cNvGrpSpPr/>
+        <p:nvPr/>
+      </p:nvGrpSpPr>
+      <p:grpSpPr>
+        <a:xfrm>
+          <a:off x="0" y="0"/>
+          <a:ext cx="0" cy="0"/>
+          <a:chOff x="0" y="0"/>
+          <a:chExt cx="0" cy="0"/>
+        </a:xfrm>
+      </p:grpSpPr>
+      <p:sp>
+        <p:nvSpPr>
+          <p:cNvPr id="2" name="Slide Image Placeholder 1"/>
+          <p:cNvSpPr>
+            <a:spLocks noGrp="1" noRot="1" noChangeAspect="1"/>
+          </p:cNvSpPr>
+          <p:nvPr>
+            <p:ph type="sldImg"/>
+          </p:nvPr>
+        </p:nvSpPr>
+        <p:spPr/>
+      </p:sp>
+      <p:sp>
+        <p:nvSpPr>
+          <p:cNvPr id="3" name="Notes Placeholder 2"/>
+          <p:cNvSpPr>
+            <a:spLocks noGrp="1"/>
+          </p:cNvSpPr>
+          <p:nvPr>
+            <p:ph type="body" idx="1"/>
+          </p:nvPr>
+        </p:nvSpPr>
+        <p:spPr/>
+        <p:txBody>
+          <a:bodyPr/>
+          <a:lstStyle/>
+          <a:p>
+            <a:endParaRPr lang="de-AT" sz="1200" b="0" i="0" u="none" strike="noStrike" kern="1200" baseline="0" dirty="0">
+              <a:solidFill>
+                <a:schemeClr val="tx1"/>
+              </a:solidFill>
+              <a:latin typeface="+mn-lt"/>
+              <a:ea typeface="+mn-ea"/>
+              <a:cs typeface="+mn-cs"/>
+            </a:endParaRPr>
+          </a:p>
+          <a:p>
+            <a:r>
+              <a:rPr lang="de-AT" sz="1200" b="0" i="0" u="none" strike="noStrike" kern="1200" baseline="0" dirty="0">
+                <a:solidFill>
+                  <a:schemeClr val="tx1"/>
+                </a:solidFill>
+                <a:latin typeface="+mn-lt"/>
+                <a:ea typeface="+mn-ea"/>
+                <a:cs typeface="+mn-cs"/>
+              </a:rPr>
+              <a:t>Eine Pizzeria erstellt je nach Parameter verschiedene Pizzen, die immer gleich zubereitet werden (backen, schneiden, einpacken). Um den regionalen Wünschen der Menschen in Wien, Salzburg und Linz zu genügen, müssen spezielle Pizzen für eben diese Städte erstellt werden. Diese Erstellung geschieht in den speziellen Unterklassen der Pizzeria (</a:t>
+            </a:r>
+            <a:r>
+              <a:rPr lang="de-AT" sz="1200" b="0" i="0" u="none" strike="noStrike" kern="1200" baseline="0" dirty="0" err="1">
+                <a:solidFill>
+                  <a:schemeClr val="tx1"/>
+                </a:solidFill>
+                <a:latin typeface="+mn-lt"/>
+                <a:ea typeface="+mn-ea"/>
+                <a:cs typeface="+mn-cs"/>
+              </a:rPr>
+              <a:t>SalzburgPizzeria</a:t>
+            </a:r>
+            <a:r>
+              <a:rPr lang="de-AT" sz="1200" b="0" i="0" u="none" strike="noStrike" kern="1200" baseline="0" dirty="0">
+                <a:solidFill>
+                  <a:schemeClr val="tx1"/>
+                </a:solidFill>
+                <a:latin typeface="+mn-lt"/>
+                <a:ea typeface="+mn-ea"/>
+                <a:cs typeface="+mn-cs"/>
+              </a:rPr>
+              <a:t>, </a:t>
+            </a:r>
+            <a:r>
+              <a:rPr lang="de-AT" sz="1200" b="0" i="0" u="none" strike="noStrike" kern="1200" baseline="0" dirty="0" err="1">
+                <a:solidFill>
+                  <a:schemeClr val="tx1"/>
+                </a:solidFill>
+                <a:latin typeface="+mn-lt"/>
+                <a:ea typeface="+mn-ea"/>
+                <a:cs typeface="+mn-cs"/>
+              </a:rPr>
+              <a:t>WienPizzeria</a:t>
+            </a:r>
+            <a:r>
+              <a:rPr lang="de-AT" sz="1200" b="0" i="0" u="none" strike="noStrike" kern="1200" baseline="0" dirty="0">
+                <a:solidFill>
+                  <a:schemeClr val="tx1"/>
+                </a:solidFill>
+                <a:latin typeface="+mn-lt"/>
+                <a:ea typeface="+mn-ea"/>
+                <a:cs typeface="+mn-cs"/>
+              </a:rPr>
+              <a:t>, </a:t>
+            </a:r>
+            <a:r>
+              <a:rPr lang="de-AT" sz="1200" b="0" i="0" u="none" strike="noStrike" kern="1200" baseline="0" dirty="0" err="1">
+                <a:solidFill>
+                  <a:schemeClr val="tx1"/>
+                </a:solidFill>
+                <a:latin typeface="+mn-lt"/>
+                <a:ea typeface="+mn-ea"/>
+                <a:cs typeface="+mn-cs"/>
+              </a:rPr>
+              <a:t>LinzPizzeria</a:t>
+            </a:r>
+            <a:r>
+              <a:rPr lang="de-AT" sz="1200" b="0" i="0" u="none" strike="noStrike" kern="1200" baseline="0" dirty="0">
+                <a:solidFill>
+                  <a:schemeClr val="tx1"/>
+                </a:solidFill>
+                <a:latin typeface="+mn-lt"/>
+                <a:ea typeface="+mn-ea"/>
+                <a:cs typeface="+mn-cs"/>
+              </a:rPr>
+              <a:t>), die die speziellen Pizzen erstellen (</a:t>
+            </a:r>
+            <a:r>
+              <a:rPr lang="de-AT" sz="1200" b="0" i="0" u="none" strike="noStrike" kern="1200" baseline="0" dirty="0" err="1">
+                <a:solidFill>
+                  <a:schemeClr val="tx1"/>
+                </a:solidFill>
+                <a:latin typeface="+mn-lt"/>
+                <a:ea typeface="+mn-ea"/>
+                <a:cs typeface="+mn-cs"/>
+              </a:rPr>
+              <a:t>WienSalami</a:t>
+            </a:r>
+            <a:r>
+              <a:rPr lang="de-AT" sz="1200" b="0" i="0" u="none" strike="noStrike" kern="1200" baseline="0" dirty="0">
+                <a:solidFill>
+                  <a:schemeClr val="tx1"/>
+                </a:solidFill>
+                <a:latin typeface="+mn-lt"/>
+                <a:ea typeface="+mn-ea"/>
+                <a:cs typeface="+mn-cs"/>
+              </a:rPr>
+              <a:t>, </a:t>
+            </a:r>
+            <a:r>
+              <a:rPr lang="de-AT" sz="1200" b="0" i="0" u="none" strike="noStrike" kern="1200" baseline="0" dirty="0" err="1">
+                <a:solidFill>
+                  <a:schemeClr val="tx1"/>
+                </a:solidFill>
+                <a:latin typeface="+mn-lt"/>
+                <a:ea typeface="+mn-ea"/>
+                <a:cs typeface="+mn-cs"/>
+              </a:rPr>
+              <a:t>LinzCalzone</a:t>
+            </a:r>
+            <a:r>
+              <a:rPr lang="de-AT" sz="1200" b="0" i="0" u="none" strike="noStrike" kern="1200" baseline="0" dirty="0">
+                <a:solidFill>
+                  <a:schemeClr val="tx1"/>
+                </a:solidFill>
+                <a:latin typeface="+mn-lt"/>
+                <a:ea typeface="+mn-ea"/>
+                <a:cs typeface="+mn-cs"/>
+              </a:rPr>
+              <a:t> etc.). Die Verarbeitung ist in allen Fällen gleich und erfolgt in der abstrakten </a:t>
+            </a:r>
+            <a:r>
+              <a:rPr lang="de-AT" sz="1200" b="0" i="0" u="none" strike="noStrike" kern="1200" baseline="0" dirty="0" err="1">
+                <a:solidFill>
+                  <a:schemeClr val="tx1"/>
+                </a:solidFill>
+                <a:latin typeface="+mn-lt"/>
+                <a:ea typeface="+mn-ea"/>
+                <a:cs typeface="+mn-cs"/>
+              </a:rPr>
+              <a:t>Pizzeriaklasse</a:t>
+            </a:r>
+            <a:r>
+              <a:rPr lang="de-AT" sz="1200" b="0" i="0" u="none" strike="noStrike" kern="1200" baseline="0" dirty="0">
+                <a:solidFill>
+                  <a:schemeClr val="tx1"/>
+                </a:solidFill>
+                <a:latin typeface="+mn-lt"/>
+                <a:ea typeface="+mn-ea"/>
+                <a:cs typeface="+mn-cs"/>
+              </a:rPr>
+              <a:t>, die nur die abstrahierte Pizzaschnittstelle kennt. Schnell können somit neue Pizzasorten und </a:t>
+            </a:r>
+            <a:r>
+              <a:rPr lang="de-AT" sz="1200" b="0" i="0" u="none" strike="noStrike" kern="1200" baseline="0" dirty="0" err="1">
+                <a:solidFill>
+                  <a:schemeClr val="tx1"/>
+                </a:solidFill>
+                <a:latin typeface="+mn-lt"/>
+                <a:ea typeface="+mn-ea"/>
+                <a:cs typeface="+mn-cs"/>
+              </a:rPr>
+              <a:t>Pizzerias</a:t>
+            </a:r>
+            <a:r>
+              <a:rPr lang="de-AT" sz="1200" b="0" i="0" u="none" strike="noStrike" kern="1200" baseline="0" dirty="0">
+                <a:solidFill>
+                  <a:schemeClr val="tx1"/>
+                </a:solidFill>
+                <a:latin typeface="+mn-lt"/>
+                <a:ea typeface="+mn-ea"/>
+                <a:cs typeface="+mn-cs"/>
+              </a:rPr>
+              <a:t> ins System integriert werden. </a:t>
+            </a:r>
+          </a:p>
+          <a:p>
+            <a:endParaRPr lang="de-AT" sz="1200" b="0" i="0" u="none" strike="noStrike" kern="1200" baseline="0" dirty="0">
+              <a:solidFill>
+                <a:schemeClr val="tx1"/>
+              </a:solidFill>
+              <a:latin typeface="+mn-lt"/>
+              <a:ea typeface="+mn-ea"/>
+              <a:cs typeface="+mn-cs"/>
+            </a:endParaRPr>
+          </a:p>
+          <a:p>
+            <a:endParaRPr lang="de-AT" dirty="0"/>
+          </a:p>
+        </p:txBody>
+      </p:sp>
+      <p:sp>
+        <p:nvSpPr>
+          <p:cNvPr id="4" name="Slide Number Placeholder 3"/>
+          <p:cNvSpPr>
+            <a:spLocks noGrp="1"/>
+          </p:cNvSpPr>
+          <p:nvPr>
+            <p:ph type="sldNum" sz="quarter" idx="5"/>
+          </p:nvPr>
+        </p:nvSpPr>
+        <p:spPr/>
+        <p:txBody>
+          <a:bodyPr/>
+          <a:lstStyle/>
+          <a:p>
+            <a:fld id="{2F0A8713-93F5-4EC8-AF83-4543E9DCF05D}" type="slidenum">
+              <a:rPr lang="de-AT" smtClean="0"/>
+              <a:t>40</a:t>
+            </a:fld>
+            <a:endParaRPr lang="de-AT"/>
+          </a:p>
+        </p:txBody>
+      </p:sp>
+    </p:spTree>
+    <p:extLst>
+      <p:ext uri="{BB962C8B-B14F-4D97-AF65-F5344CB8AC3E}">
+        <p14:creationId xmlns:p14="http://schemas.microsoft.com/office/powerpoint/2010/main" val="3940425923"/>
       </p:ext>
     </p:extLst>
   </p:cSld>
@@ -8235,20 +8993,85 @@
           <a:p>
             <a:r>
               <a:rPr lang="de-AT" dirty="0"/>
-              <a:t>Das Pattern findet Anwendung in folgenden Problemstellungen: Wenn eine Klasse die Klasse der Objekte, die sie erstellen muss, nicht vorhersehen kann.</a:t>
-            </a:r>
-          </a:p>
-          <a:p>
-            <a:r>
-              <a:rPr lang="de-AT" dirty="0"/>
-              <a:t>Oder wenn eine Klasse möchte, dass ihre Unterklassen die zu erstellenden Objekte definiert.</a:t>
-            </a:r>
-          </a:p>
-          <a:p>
-            <a:r>
-              <a:rPr lang="de-AT" dirty="0"/>
-              <a:t>Die letzte Problemstellung ist wenn Klassen die Verantwortung an eine  von mehreren Helfer-Unterklassen delegiert, und wissen möchte, welche Unterklasse der Delegierte ist.</a:t>
-            </a:r>
+              <a:t>Das Pattern findet Anwendung in folgenden Problemstellungen: </a:t>
+            </a:r>
+            <a:endParaRPr lang="de-AT" sz="1200" b="0" i="0" u="none" strike="noStrike" kern="1200" baseline="0" dirty="0">
+              <a:solidFill>
+                <a:schemeClr val="tx1"/>
+              </a:solidFill>
+              <a:latin typeface="+mn-lt"/>
+              <a:ea typeface="+mn-ea"/>
+              <a:cs typeface="+mn-cs"/>
+            </a:endParaRPr>
+          </a:p>
+          <a:p>
+            <a:r>
+              <a:rPr lang="de-AT" sz="1200" b="0" i="0" u="none" strike="noStrike" kern="1200" baseline="0" dirty="0">
+                <a:solidFill>
+                  <a:schemeClr val="tx1"/>
+                </a:solidFill>
+                <a:latin typeface="+mn-lt"/>
+                <a:ea typeface="+mn-ea"/>
+                <a:cs typeface="+mn-cs"/>
+              </a:rPr>
+              <a:t>Trennung der Objektverarbeitung (Wie?) von der konkreten Objekterstellung (Instanziierung; Was?). Delegation der Objektinstanziierung an Unterklasse. </a:t>
+            </a:r>
+          </a:p>
+          <a:p>
+            <a:endParaRPr lang="de-AT" sz="1200" b="0" i="0" u="none" strike="noStrike" kern="1200" baseline="0" dirty="0">
+              <a:solidFill>
+                <a:schemeClr val="tx1"/>
+              </a:solidFill>
+              <a:latin typeface="+mn-lt"/>
+              <a:ea typeface="+mn-ea"/>
+              <a:cs typeface="+mn-cs"/>
+            </a:endParaRPr>
+          </a:p>
+          <a:p>
+            <a:r>
+              <a:rPr lang="de-AT" sz="1200" b="0" i="0" u="none" strike="noStrike" kern="1200" baseline="0" dirty="0">
+                <a:solidFill>
+                  <a:schemeClr val="tx1"/>
+                </a:solidFill>
+                <a:latin typeface="+mn-lt"/>
+                <a:ea typeface="+mn-ea"/>
+                <a:cs typeface="+mn-cs"/>
+              </a:rPr>
+              <a:t>Fälle, in denen mit einer wachsenden Anzahl und Ausformung von Produkten zu rechnen ist. Sowie Szenarien, in denen alle Produkte einen allgemeinen Herstellungsprozess durchlaufen müssen, egal was für ein Produkt sie konkret sind. </a:t>
+            </a:r>
+          </a:p>
+          <a:p>
+            <a:endParaRPr lang="de-AT" sz="1200" b="0" i="0" u="none" strike="noStrike" kern="1200" baseline="0" dirty="0">
+              <a:solidFill>
+                <a:schemeClr val="tx1"/>
+              </a:solidFill>
+              <a:latin typeface="+mn-lt"/>
+              <a:ea typeface="+mn-ea"/>
+              <a:cs typeface="+mn-cs"/>
+            </a:endParaRPr>
+          </a:p>
+          <a:p>
+            <a:r>
+              <a:rPr lang="de-AT" sz="1200" b="0" i="0" u="none" strike="noStrike" kern="1200" baseline="0" dirty="0">
+                <a:solidFill>
+                  <a:schemeClr val="tx1"/>
+                </a:solidFill>
+                <a:latin typeface="+mn-lt"/>
+                <a:ea typeface="+mn-ea"/>
+                <a:cs typeface="+mn-cs"/>
+              </a:rPr>
+              <a:t>Wenn die konkret zu erstellenden Produkte nicht bekannt sind oder nicht von vorne herein festgelegt werden sollen. </a:t>
+            </a:r>
+          </a:p>
+          <a:p>
+            <a:endParaRPr lang="de-AT" sz="1200" b="0" i="0" u="none" strike="noStrike" kern="1200" baseline="0" dirty="0">
+              <a:solidFill>
+                <a:schemeClr val="tx1"/>
+              </a:solidFill>
+              <a:latin typeface="+mn-lt"/>
+              <a:ea typeface="+mn-ea"/>
+              <a:cs typeface="+mn-cs"/>
+            </a:endParaRPr>
           </a:p>
         </p:txBody>
       </p:sp>
@@ -8419,102 +9242,9 @@
           <a:bodyPr/>
           <a:lstStyle/>
           <a:p>
-            <a:pPr marL="0" marR="0" lvl="0" indent="0" algn="l" defTabSz="914400" rtl="0" eaLnBrk="1" fontAlgn="auto" latinLnBrk="0" hangingPunct="1">
-              <a:lnSpc>
-                <a:spcPct val="100000"/>
-              </a:lnSpc>
-              <a:spcBef>
-                <a:spcPts val="0"/>
-              </a:spcBef>
-              <a:spcAft>
-                <a:spcPts val="0"/>
-              </a:spcAft>
-              <a:buClrTx/>
-              <a:buSzTx/>
-              <a:buFontTx/>
-              <a:buNone/>
-              <a:tabLst/>
-              <a:defRPr/>
-            </a:pPr>
             <a:r>
               <a:rPr lang="de-AT" dirty="0"/>
-              <a:t>Kohäsion: </a:t>
-            </a:r>
-            <a:r>
-              <a:rPr lang="de-AT" sz="1200" b="0" i="0" kern="1200" dirty="0">
-                <a:solidFill>
-                  <a:schemeClr val="tx1"/>
-                </a:solidFill>
-                <a:effectLst/>
-                <a:latin typeface="+mn-lt"/>
-                <a:ea typeface="+mn-ea"/>
-                <a:cs typeface="+mn-cs"/>
-              </a:rPr>
-              <a:t>beschreibt wie gut eine Programmeinheit eine logische Aufgabe - In einem System mit starker Kohäsion ist jede Programmeinheit verantwortlich für genau eine wohldefinierte Aufgabe.</a:t>
-            </a:r>
-            <a:endParaRPr lang="de-AT" dirty="0"/>
-          </a:p>
-          <a:p>
-            <a:pPr marL="0" marR="0" lvl="0" indent="0" algn="l" defTabSz="914400" rtl="0" eaLnBrk="1" fontAlgn="auto" latinLnBrk="0" hangingPunct="1">
-              <a:lnSpc>
-                <a:spcPct val="100000"/>
-              </a:lnSpc>
-              <a:spcBef>
-                <a:spcPts val="0"/>
-              </a:spcBef>
-              <a:spcAft>
-                <a:spcPts val="0"/>
-              </a:spcAft>
-              <a:buClrTx/>
-              <a:buSzTx/>
-              <a:buFontTx/>
-              <a:buNone/>
-              <a:tabLst/>
-              <a:defRPr/>
-            </a:pPr>
-            <a:r>
-              <a:rPr lang="de-AT" dirty="0"/>
-              <a:t>Geringe Kohäsion: Die Programminstanziierung und die weitere Verarbeitung werden zusammen durchgeführt.</a:t>
-            </a:r>
-          </a:p>
-          <a:p>
-            <a:pPr marL="0" marR="0" lvl="0" indent="0" algn="l" defTabSz="914400" rtl="0" eaLnBrk="1" fontAlgn="auto" latinLnBrk="0" hangingPunct="1">
-              <a:lnSpc>
-                <a:spcPct val="100000"/>
-              </a:lnSpc>
-              <a:spcBef>
-                <a:spcPts val="0"/>
-              </a:spcBef>
-              <a:spcAft>
-                <a:spcPts val="0"/>
-              </a:spcAft>
-              <a:buClrTx/>
-              <a:buSzTx/>
-              <a:buFontTx/>
-              <a:buNone/>
-              <a:tabLst/>
-              <a:defRPr/>
-            </a:pPr>
-            <a:r>
-              <a:rPr lang="de-AT" dirty="0"/>
-              <a:t>Wiederverwendbarkeit: Was ist, wenn neue Klassen andere </a:t>
-            </a:r>
-            <a:r>
-              <a:rPr lang="de-AT" dirty="0" err="1"/>
-              <a:t>OfficeProgramme</a:t>
-            </a:r>
-            <a:r>
-              <a:rPr lang="de-AT" dirty="0"/>
-              <a:t> instanziieren wollen, den Verarbeitungscode allerdings wiederverwenden möchten?</a:t>
-            </a:r>
-          </a:p>
-          <a:p>
-            <a:endParaRPr lang="de-AT" dirty="0"/>
-          </a:p>
-          <a:p>
-            <a:r>
-              <a:rPr lang="de-AT" dirty="0"/>
-              <a:t>Dazu das Offen/Geschlossen Prinzip:</a:t>
+              <a:t>In JAVA implementiert</a:t>
             </a:r>
           </a:p>
         </p:txBody>
@@ -8536,7 +9266,7 @@
           <a:p>
             <a:fld id="{2F0A8713-93F5-4EC8-AF83-4543E9DCF05D}" type="slidenum">
               <a:rPr lang="de-AT" smtClean="0"/>
-              <a:t>10</a:t>
+              <a:t>9</a:t>
             </a:fld>
             <a:endParaRPr lang="de-AT"/>
           </a:p>
@@ -8545,7 +9275,7 @@
     </p:spTree>
     <p:extLst>
       <p:ext uri="{BB962C8B-B14F-4D97-AF65-F5344CB8AC3E}">
-        <p14:creationId xmlns:p14="http://schemas.microsoft.com/office/powerpoint/2010/main" val="1278774113"/>
+        <p14:creationId xmlns:p14="http://schemas.microsoft.com/office/powerpoint/2010/main" val="2635874089"/>
       </p:ext>
     </p:extLst>
   </p:cSld>
@@ -8618,35 +9348,90 @@
             </a:pPr>
             <a:r>
               <a:rPr lang="de-AT" dirty="0"/>
-              <a:t>Lösung: Vererbung und Verwendung einer abstrakten Methode, die eine Subklasse implementieren </a:t>
-            </a:r>
-            <a:r>
-              <a:rPr lang="de-AT" b="1" dirty="0"/>
-              <a:t>muss</a:t>
-            </a:r>
+              <a:t>Kohäsion: </a:t>
+            </a:r>
+            <a:r>
+              <a:rPr lang="de-AT" sz="1200" b="0" i="0" kern="1200" dirty="0">
+                <a:solidFill>
+                  <a:schemeClr val="tx1"/>
+                </a:solidFill>
+                <a:effectLst/>
+                <a:latin typeface="+mn-lt"/>
+                <a:ea typeface="+mn-ea"/>
+                <a:cs typeface="+mn-cs"/>
+              </a:rPr>
+              <a:t>beschreibt wie gut eine Programmeinheit eine logische Aufgabe abdeckt - In einem System mit starker Kohäsion ist jede Programmeinheit verantwortlich für genau eine wohldefinierte Aufgabe.</a:t>
+            </a:r>
+            <a:endParaRPr lang="de-AT" dirty="0"/>
+          </a:p>
+          <a:p>
+            <a:pPr marL="0" marR="0" lvl="0" indent="0" algn="l" defTabSz="914400" rtl="0" eaLnBrk="1" fontAlgn="auto" latinLnBrk="0" hangingPunct="1">
+              <a:lnSpc>
+                <a:spcPct val="100000"/>
+              </a:lnSpc>
+              <a:spcBef>
+                <a:spcPts val="0"/>
+              </a:spcBef>
+              <a:spcAft>
+                <a:spcPts val="0"/>
+              </a:spcAft>
+              <a:buClrTx/>
+              <a:buSzTx/>
+              <a:buFontTx/>
+              <a:buNone/>
+              <a:tabLst/>
+              <a:defRPr/>
+            </a:pPr>
             <a:r>
               <a:rPr lang="de-AT" dirty="0"/>
-              <a:t>. Die abstrakte Methode ist die </a:t>
+              <a:t>Geringe Kohäsion: Die Programminstanziierung und die weitere Verarbeitung werden zusammen durchgeführt.</a:t>
+            </a:r>
+          </a:p>
+          <a:p>
+            <a:pPr marL="0" marR="0" lvl="0" indent="0" algn="l" defTabSz="914400" rtl="0" eaLnBrk="1" fontAlgn="auto" latinLnBrk="0" hangingPunct="1">
+              <a:lnSpc>
+                <a:spcPct val="100000"/>
+              </a:lnSpc>
+              <a:spcBef>
+                <a:spcPts val="0"/>
+              </a:spcBef>
+              <a:spcAft>
+                <a:spcPts val="0"/>
+              </a:spcAft>
+              <a:buClrTx/>
+              <a:buSzTx/>
+              <a:buFontTx/>
+              <a:buNone/>
+              <a:tabLst/>
+              <a:defRPr/>
+            </a:pPr>
+            <a:r>
+              <a:rPr lang="de-AT" dirty="0"/>
+              <a:t>Wiederverwendbarkeit: Was ist, wenn andere Klassen </a:t>
             </a:r>
             <a:r>
               <a:rPr lang="de-AT" dirty="0" err="1"/>
-              <a:t>namensgebenede</a:t>
+              <a:t>OfficeProgramme</a:t>
             </a:r>
             <a:r>
               <a:rPr lang="de-AT" dirty="0"/>
-              <a:t> </a:t>
-            </a:r>
-            <a:r>
-              <a:rPr lang="de-AT" b="1" dirty="0"/>
-              <a:t>Factory Method</a:t>
-            </a:r>
+              <a:t> instanziieren wollen, den Verarbeitungscode allerdings wiederverwenden möchten?</a:t>
+            </a:r>
+          </a:p>
+          <a:p>
             <a:r>
               <a:rPr lang="de-AT" dirty="0"/>
-              <a:t>.</a:t>
+              <a:t>Erweiterungen</a:t>
             </a:r>
           </a:p>
           <a:p>
             <a:endParaRPr lang="de-AT" dirty="0"/>
+          </a:p>
+          <a:p>
+            <a:r>
+              <a:rPr lang="de-AT" dirty="0"/>
+              <a:t>Dazu das Offen/Geschlossen Prinzip:</a:t>
+            </a:r>
           </a:p>
         </p:txBody>
       </p:sp>
@@ -8667,7 +9452,7 @@
           <a:p>
             <a:fld id="{2F0A8713-93F5-4EC8-AF83-4543E9DCF05D}" type="slidenum">
               <a:rPr lang="de-AT" smtClean="0"/>
-              <a:t>20</a:t>
+              <a:t>10</a:t>
             </a:fld>
             <a:endParaRPr lang="de-AT"/>
           </a:p>
@@ -8676,7 +9461,7 @@
     </p:spTree>
     <p:extLst>
       <p:ext uri="{BB962C8B-B14F-4D97-AF65-F5344CB8AC3E}">
-        <p14:creationId xmlns:p14="http://schemas.microsoft.com/office/powerpoint/2010/main" val="1321742618"/>
+        <p14:creationId xmlns:p14="http://schemas.microsoft.com/office/powerpoint/2010/main" val="1278774113"/>
       </p:ext>
     </p:extLst>
   </p:cSld>
@@ -8843,7 +9628,7 @@
           <a:p>
             <a:fld id="{4D3CC639-11F5-4B3D-AC42-1E8E3FB6FA4C}" type="datetime1">
               <a:rPr lang="de-AT" smtClean="0"/>
-              <a:t>04.03.2019</a:t>
+              <a:t>11.03.2019</a:t>
             </a:fld>
             <a:endParaRPr lang="de-AT"/>
           </a:p>
@@ -9074,7 +9859,7 @@
           <a:p>
             <a:fld id="{99F98B37-B671-4CB5-A178-6AB06F8B35D9}" type="datetime1">
               <a:rPr lang="de-AT" smtClean="0"/>
-              <a:t>04.03.2019</a:t>
+              <a:t>11.03.2019</a:t>
             </a:fld>
             <a:endParaRPr lang="de-AT"/>
           </a:p>
@@ -9315,7 +10100,7 @@
           <a:p>
             <a:fld id="{B892279D-23BE-45DB-8281-60F20DF83E45}" type="datetime1">
               <a:rPr lang="de-AT" smtClean="0"/>
-              <a:t>04.03.2019</a:t>
+              <a:t>11.03.2019</a:t>
             </a:fld>
             <a:endParaRPr lang="de-AT"/>
           </a:p>
@@ -9546,7 +10331,7 @@
           <a:p>
             <a:fld id="{3164A88E-4EDF-4949-A1CE-02794A3738EC}" type="datetime1">
               <a:rPr lang="de-AT" smtClean="0"/>
-              <a:t>04.03.2019</a:t>
+              <a:t>11.03.2019</a:t>
             </a:fld>
             <a:endParaRPr lang="de-AT"/>
           </a:p>
@@ -9853,7 +10638,7 @@
           <a:p>
             <a:fld id="{DC085BAC-8640-4772-8362-2901C8672592}" type="datetime1">
               <a:rPr lang="de-AT" smtClean="0"/>
-              <a:t>04.03.2019</a:t>
+              <a:t>11.03.2019</a:t>
             </a:fld>
             <a:endParaRPr lang="de-AT"/>
           </a:p>
@@ -10152,7 +10937,7 @@
           <a:p>
             <a:fld id="{A6CBE31F-344B-43A5-9DA8-9469763EDE52}" type="datetime1">
               <a:rPr lang="de-AT" smtClean="0"/>
-              <a:t>04.03.2019</a:t>
+              <a:t>11.03.2019</a:t>
             </a:fld>
             <a:endParaRPr lang="de-AT"/>
           </a:p>
@@ -10598,7 +11383,7 @@
           <a:p>
             <a:fld id="{4451E9D4-4C2D-4B76-85C1-1F7424EAE6BE}" type="datetime1">
               <a:rPr lang="de-AT" smtClean="0"/>
-              <a:t>04.03.2019</a:t>
+              <a:t>11.03.2019</a:t>
             </a:fld>
             <a:endParaRPr lang="de-AT"/>
           </a:p>
@@ -10771,7 +11556,7 @@
           <a:p>
             <a:fld id="{FC6DDBDD-4DE5-454A-95A2-3FEA314064C4}" type="datetime1">
               <a:rPr lang="de-AT" smtClean="0"/>
-              <a:t>04.03.2019</a:t>
+              <a:t>11.03.2019</a:t>
             </a:fld>
             <a:endParaRPr lang="de-AT"/>
           </a:p>
@@ -10915,7 +11700,7 @@
           <a:p>
             <a:fld id="{6501BD9C-D0F8-4F46-9472-2C05C7A0FD9F}" type="datetime1">
               <a:rPr lang="de-AT" smtClean="0"/>
-              <a:t>04.03.2019</a:t>
+              <a:t>11.03.2019</a:t>
             </a:fld>
             <a:endParaRPr lang="de-AT"/>
           </a:p>
@@ -11259,7 +12044,7 @@
           <a:p>
             <a:fld id="{69DCAB43-87D4-465C-872A-8049930105CF}" type="datetime1">
               <a:rPr lang="de-AT" smtClean="0"/>
-              <a:t>04.03.2019</a:t>
+              <a:t>11.03.2019</a:t>
             </a:fld>
             <a:endParaRPr lang="de-AT"/>
           </a:p>
@@ -11579,7 +12364,7 @@
           <a:p>
             <a:fld id="{EEBF50C3-4A26-4980-A84C-83AA0DBABD6B}" type="datetime1">
               <a:rPr lang="de-AT" smtClean="0"/>
-              <a:t>04.03.2019</a:t>
+              <a:t>11.03.2019</a:t>
             </a:fld>
             <a:endParaRPr lang="de-AT"/>
           </a:p>
@@ -12384,6 +13169,48 @@
           </p:spPr>
         </p:pic>
       </p:grpSp>
+      <p:sp>
+        <p:nvSpPr>
+          <p:cNvPr id="3" name="TextBox 2">
+            <a:extLst>
+              <a:ext uri="{FF2B5EF4-FFF2-40B4-BE49-F238E27FC236}">
+                <a16:creationId xmlns:a16="http://schemas.microsoft.com/office/drawing/2014/main" id="{D347339F-6E42-40AC-956D-75683ECDAF9F}"/>
+              </a:ext>
+            </a:extLst>
+          </p:cNvPr>
+          <p:cNvSpPr txBox="1"/>
+          <p:nvPr/>
+        </p:nvSpPr>
+        <p:spPr>
+          <a:xfrm>
+            <a:off x="8743618" y="66500"/>
+            <a:ext cx="3448380" cy="215444"/>
+          </a:xfrm>
+          <a:prstGeom prst="rect">
+            <a:avLst/>
+          </a:prstGeom>
+          <a:noFill/>
+        </p:spPr>
+        <p:txBody>
+          <a:bodyPr wrap="none" rtlCol="0">
+            <a:spAutoFit/>
+          </a:bodyPr>
+          <a:lstStyle/>
+          <a:p>
+            <a:r>
+              <a:rPr lang="de-AT" sz="800" dirty="0">
+                <a:solidFill>
+                  <a:schemeClr val="bg1">
+                    <a:lumMod val="50000"/>
+                  </a:schemeClr>
+                </a:solidFill>
+                <a:latin typeface="+mj-lt"/>
+              </a:rPr>
+              <a:t>Source: https://www.kisspng.com/png-factory-base-24825/download-png.html</a:t>
+            </a:r>
+          </a:p>
+        </p:txBody>
+      </p:sp>
     </p:spTree>
     <p:extLst>
       <p:ext uri="{BB962C8B-B14F-4D97-AF65-F5344CB8AC3E}">
@@ -14892,6 +15719,48 @@
           </a:p>
         </p:txBody>
       </p:sp>
+      <p:sp>
+        <p:nvSpPr>
+          <p:cNvPr id="7" name="TextBox 6">
+            <a:extLst>
+              <a:ext uri="{FF2B5EF4-FFF2-40B4-BE49-F238E27FC236}">
+                <a16:creationId xmlns:a16="http://schemas.microsoft.com/office/drawing/2014/main" id="{89DF6FB3-866E-43BD-A431-A6888B591BB0}"/>
+              </a:ext>
+            </a:extLst>
+          </p:cNvPr>
+          <p:cNvSpPr txBox="1"/>
+          <p:nvPr/>
+        </p:nvSpPr>
+        <p:spPr>
+          <a:xfrm>
+            <a:off x="8743618" y="66500"/>
+            <a:ext cx="3448380" cy="215444"/>
+          </a:xfrm>
+          <a:prstGeom prst="rect">
+            <a:avLst/>
+          </a:prstGeom>
+          <a:noFill/>
+        </p:spPr>
+        <p:txBody>
+          <a:bodyPr wrap="none" rtlCol="0">
+            <a:spAutoFit/>
+          </a:bodyPr>
+          <a:lstStyle/>
+          <a:p>
+            <a:r>
+              <a:rPr lang="de-AT" sz="800" dirty="0">
+                <a:solidFill>
+                  <a:schemeClr val="bg1">
+                    <a:lumMod val="50000"/>
+                  </a:schemeClr>
+                </a:solidFill>
+                <a:latin typeface="+mj-lt"/>
+              </a:rPr>
+              <a:t>Source: https://www.kisspng.com/png-factory-base-24825/download-png.html</a:t>
+            </a:r>
+          </a:p>
+        </p:txBody>
+      </p:sp>
     </p:spTree>
     <p:extLst>
       <p:ext uri="{BB962C8B-B14F-4D97-AF65-F5344CB8AC3E}">
@@ -15221,157 +16090,6 @@
           <p:cNvPr id="2" name="Title 1">
             <a:extLst>
               <a:ext uri="{FF2B5EF4-FFF2-40B4-BE49-F238E27FC236}">
-                <a16:creationId xmlns:a16="http://schemas.microsoft.com/office/drawing/2014/main" id="{9ED236E3-D080-47B1-9A0E-F5E8C28D0A2A}"/>
-              </a:ext>
-            </a:extLst>
-          </p:cNvPr>
-          <p:cNvSpPr>
-            <a:spLocks noGrp="1"/>
-          </p:cNvSpPr>
-          <p:nvPr>
-            <p:ph type="title"/>
-          </p:nvPr>
-        </p:nvSpPr>
-        <p:spPr>
-          <a:xfrm>
-            <a:off x="468351" y="365125"/>
-            <a:ext cx="11340790" cy="1325563"/>
-          </a:xfrm>
-        </p:spPr>
-        <p:txBody>
-          <a:bodyPr>
-            <a:normAutofit/>
-          </a:bodyPr>
-          <a:lstStyle/>
-          <a:p>
-            <a:pPr algn="ctr"/>
-            <a:r>
-              <a:rPr lang="de-AT" sz="3600" dirty="0">
-                <a:latin typeface="Circular Std Black" panose="020B0A04020101010102" pitchFamily="34" charset="0"/>
-                <a:cs typeface="Circular Std Black" panose="020B0A04020101010102" pitchFamily="34" charset="0"/>
-              </a:rPr>
-              <a:t>Softwareshop kennt konkretes Programm nicht!</a:t>
-            </a:r>
-          </a:p>
-        </p:txBody>
-      </p:sp>
-      <p:sp>
-        <p:nvSpPr>
-          <p:cNvPr id="3" name="Content Placeholder 2">
-            <a:extLst>
-              <a:ext uri="{FF2B5EF4-FFF2-40B4-BE49-F238E27FC236}">
-                <a16:creationId xmlns:a16="http://schemas.microsoft.com/office/drawing/2014/main" id="{EB390A85-1462-49FA-AD85-DEC86FF707B9}"/>
-              </a:ext>
-            </a:extLst>
-          </p:cNvPr>
-          <p:cNvSpPr>
-            <a:spLocks noGrp="1"/>
-          </p:cNvSpPr>
-          <p:nvPr>
-            <p:ph idx="1"/>
-          </p:nvPr>
-        </p:nvSpPr>
-        <p:spPr/>
-        <p:txBody>
-          <a:bodyPr/>
-          <a:lstStyle/>
-          <a:p>
-            <a:r>
-              <a:rPr lang="de-AT" dirty="0"/>
-              <a:t>Die Subklasse entscheidet welches Objekt erstellt wird.</a:t>
-            </a:r>
-          </a:p>
-          <a:p>
-            <a:r>
-              <a:rPr lang="de-AT" dirty="0"/>
-              <a:t>Softwareshop delegiert die Objektinstanziierung an seine Subklasse. Von außen ist die Methode unsichtbar (</a:t>
-            </a:r>
-            <a:r>
-              <a:rPr lang="de-AT" dirty="0" err="1"/>
-              <a:t>protected</a:t>
-            </a:r>
-            <a:r>
-              <a:rPr lang="de-AT" dirty="0"/>
-              <a:t>). Somit ist gewährleistet, dass der Verarbeitungsprozess immer durchgeführt wird.</a:t>
-            </a:r>
-          </a:p>
-        </p:txBody>
-      </p:sp>
-      <p:sp>
-        <p:nvSpPr>
-          <p:cNvPr id="4" name="Footer Placeholder 3">
-            <a:extLst>
-              <a:ext uri="{FF2B5EF4-FFF2-40B4-BE49-F238E27FC236}">
-                <a16:creationId xmlns:a16="http://schemas.microsoft.com/office/drawing/2014/main" id="{C8CE79AC-B450-41A9-94CC-3423B80340C1}"/>
-              </a:ext>
-            </a:extLst>
-          </p:cNvPr>
-          <p:cNvSpPr>
-            <a:spLocks noGrp="1"/>
-          </p:cNvSpPr>
-          <p:nvPr>
-            <p:ph type="ftr" sz="quarter" idx="11"/>
-          </p:nvPr>
-        </p:nvSpPr>
-        <p:spPr/>
-        <p:txBody>
-          <a:bodyPr/>
-          <a:lstStyle/>
-          <a:p>
-            <a:r>
-              <a:rPr lang="de-AT"/>
-              <a:t>Michael Hinterdorfer</a:t>
-            </a:r>
-          </a:p>
-        </p:txBody>
-      </p:sp>
-    </p:spTree>
-    <p:extLst>
-      <p:ext uri="{BB962C8B-B14F-4D97-AF65-F5344CB8AC3E}">
-        <p14:creationId xmlns:p14="http://schemas.microsoft.com/office/powerpoint/2010/main" val="1431690073"/>
-      </p:ext>
-    </p:extLst>
-  </p:cSld>
-  <p:clrMapOvr>
-    <a:masterClrMapping/>
-  </p:clrMapOvr>
-  <mc:AlternateContent xmlns:mc="http://schemas.openxmlformats.org/markup-compatibility/2006" xmlns:p159="http://schemas.microsoft.com/office/powerpoint/2015/09/main">
-    <mc:Choice Requires="p159">
-      <p:transition spd="med">
-        <p159:morph option="byObject"/>
-      </p:transition>
-    </mc:Choice>
-    <mc:Fallback xmlns="">
-      <p:transition spd="med">
-        <p:fade/>
-      </p:transition>
-    </mc:Fallback>
-  </mc:AlternateContent>
-</p:sld>
-</file>
-
-<file path=ppt/slides/slide23.xml><?xml version="1.0" encoding="utf-8"?>
-<p:sld xmlns:a="http://schemas.openxmlformats.org/drawingml/2006/main" xmlns:r="http://schemas.openxmlformats.org/officeDocument/2006/relationships" xmlns:p="http://schemas.openxmlformats.org/presentationml/2006/main">
-  <p:cSld>
-    <p:spTree>
-      <p:nvGrpSpPr>
-        <p:cNvPr id="1" name=""/>
-        <p:cNvGrpSpPr/>
-        <p:nvPr/>
-      </p:nvGrpSpPr>
-      <p:grpSpPr>
-        <a:xfrm>
-          <a:off x="0" y="0"/>
-          <a:ext cx="0" cy="0"/>
-          <a:chOff x="0" y="0"/>
-          <a:chExt cx="0" cy="0"/>
-        </a:xfrm>
-      </p:grpSpPr>
-      <p:sp>
-        <p:nvSpPr>
-          <p:cNvPr id="2" name="Title 1">
-            <a:extLst>
-              <a:ext uri="{FF2B5EF4-FFF2-40B4-BE49-F238E27FC236}">
                 <a16:creationId xmlns:a16="http://schemas.microsoft.com/office/drawing/2014/main" id="{CA52C070-7499-4FC3-8302-C3C8B8D83510}"/>
               </a:ext>
             </a:extLst>
@@ -15562,7 +16280,7 @@
 </p:sld>
 </file>
 
-<file path=ppt/slides/slide24.xml><?xml version="1.0" encoding="utf-8"?>
+<file path=ppt/slides/slide23.xml><?xml version="1.0" encoding="utf-8"?>
 <p:sld xmlns:a="http://schemas.openxmlformats.org/drawingml/2006/main" xmlns:r="http://schemas.openxmlformats.org/officeDocument/2006/relationships" xmlns:p="http://schemas.openxmlformats.org/presentationml/2006/main">
   <p:cSld>
     <p:spTree>
@@ -15757,6 +16475,222 @@
     <p:extLst>
       <p:ext uri="{BB962C8B-B14F-4D97-AF65-F5344CB8AC3E}">
         <p14:creationId xmlns:p14="http://schemas.microsoft.com/office/powerpoint/2010/main" val="570090077"/>
+      </p:ext>
+    </p:extLst>
+  </p:cSld>
+  <p:clrMapOvr>
+    <a:masterClrMapping/>
+  </p:clrMapOvr>
+  <mc:AlternateContent xmlns:mc="http://schemas.openxmlformats.org/markup-compatibility/2006" xmlns:p159="http://schemas.microsoft.com/office/powerpoint/2015/09/main">
+    <mc:Choice Requires="p159">
+      <p:transition spd="med">
+        <p159:morph option="byObject"/>
+      </p:transition>
+    </mc:Choice>
+    <mc:Fallback xmlns="">
+      <p:transition spd="med">
+        <p:fade/>
+      </p:transition>
+    </mc:Fallback>
+  </mc:AlternateContent>
+</p:sld>
+</file>
+
+<file path=ppt/slides/slide24.xml><?xml version="1.0" encoding="utf-8"?>
+<p:sld xmlns:a="http://schemas.openxmlformats.org/drawingml/2006/main" xmlns:r="http://schemas.openxmlformats.org/officeDocument/2006/relationships" xmlns:p="http://schemas.openxmlformats.org/presentationml/2006/main">
+  <p:cSld>
+    <p:spTree>
+      <p:nvGrpSpPr>
+        <p:cNvPr id="1" name=""/>
+        <p:cNvGrpSpPr/>
+        <p:nvPr/>
+      </p:nvGrpSpPr>
+      <p:grpSpPr>
+        <a:xfrm>
+          <a:off x="0" y="0"/>
+          <a:ext cx="0" cy="0"/>
+          <a:chOff x="0" y="0"/>
+          <a:chExt cx="0" cy="0"/>
+        </a:xfrm>
+      </p:grpSpPr>
+      <p:sp>
+        <p:nvSpPr>
+          <p:cNvPr id="2" name="Title 1">
+            <a:extLst>
+              <a:ext uri="{FF2B5EF4-FFF2-40B4-BE49-F238E27FC236}">
+                <a16:creationId xmlns:a16="http://schemas.microsoft.com/office/drawing/2014/main" id="{CA52C070-7499-4FC3-8302-C3C8B8D83510}"/>
+              </a:ext>
+            </a:extLst>
+          </p:cNvPr>
+          <p:cNvSpPr>
+            <a:spLocks noGrp="1"/>
+          </p:cNvSpPr>
+          <p:nvPr>
+            <p:ph type="title"/>
+          </p:nvPr>
+        </p:nvSpPr>
+        <p:spPr>
+          <a:xfrm>
+            <a:off x="457200" y="365125"/>
+            <a:ext cx="11240429" cy="1325563"/>
+          </a:xfrm>
+        </p:spPr>
+        <p:txBody>
+          <a:bodyPr>
+            <a:noAutofit/>
+          </a:bodyPr>
+          <a:lstStyle/>
+          <a:p>
+            <a:pPr algn="ctr"/>
+            <a:r>
+              <a:rPr lang="de-AT" sz="5000" dirty="0">
+                <a:latin typeface="Circular Std Black" panose="020B0A04020101010102" pitchFamily="34" charset="0"/>
+                <a:cs typeface="Circular Std Black" panose="020B0A04020101010102" pitchFamily="34" charset="0"/>
+              </a:rPr>
+              <a:t>Subklassen erweitern </a:t>
+            </a:r>
+            <a:r>
+              <a:rPr lang="de-AT" sz="5000" dirty="0" err="1">
+                <a:latin typeface="Circular Std Black" panose="020B0A04020101010102" pitchFamily="34" charset="0"/>
+                <a:cs typeface="Circular Std Black" panose="020B0A04020101010102" pitchFamily="34" charset="0"/>
+              </a:rPr>
+              <a:t>SoftwareShop</a:t>
+            </a:r>
+            <a:endParaRPr lang="de-AT" sz="5000" dirty="0">
+              <a:latin typeface="Circular Std Black" panose="020B0A04020101010102" pitchFamily="34" charset="0"/>
+              <a:cs typeface="Circular Std Black" panose="020B0A04020101010102" pitchFamily="34" charset="0"/>
+            </a:endParaRPr>
+          </a:p>
+        </p:txBody>
+      </p:sp>
+      <p:pic>
+        <p:nvPicPr>
+          <p:cNvPr id="4" name="Content Placeholder 3">
+            <a:extLst>
+              <a:ext uri="{FF2B5EF4-FFF2-40B4-BE49-F238E27FC236}">
+                <a16:creationId xmlns:a16="http://schemas.microsoft.com/office/drawing/2014/main" id="{DC3D8EB6-027D-4643-BC8E-9704FC19760C}"/>
+              </a:ext>
+            </a:extLst>
+          </p:cNvPr>
+          <p:cNvPicPr>
+            <a:picLocks noGrp="1" noChangeAspect="1"/>
+          </p:cNvPicPr>
+          <p:nvPr>
+            <p:ph idx="1"/>
+          </p:nvPr>
+        </p:nvPicPr>
+        <p:blipFill>
+          <a:blip r:embed="rId2">
+            <a:alphaModFix amt="50000"/>
+          </a:blip>
+          <a:stretch>
+            <a:fillRect/>
+          </a:stretch>
+        </p:blipFill>
+        <p:spPr>
+          <a:xfrm>
+            <a:off x="457200" y="2194836"/>
+            <a:ext cx="3600000" cy="2468328"/>
+          </a:xfrm>
+          <a:prstGeom prst="rect">
+            <a:avLst/>
+          </a:prstGeom>
+        </p:spPr>
+      </p:pic>
+      <p:pic>
+        <p:nvPicPr>
+          <p:cNvPr id="6" name="Picture 5">
+            <a:extLst>
+              <a:ext uri="{FF2B5EF4-FFF2-40B4-BE49-F238E27FC236}">
+                <a16:creationId xmlns:a16="http://schemas.microsoft.com/office/drawing/2014/main" id="{EBE5009F-8B70-4AE2-9409-A301864F0887}"/>
+              </a:ext>
+            </a:extLst>
+          </p:cNvPr>
+          <p:cNvPicPr>
+            <a:picLocks noChangeAspect="1"/>
+          </p:cNvPicPr>
+          <p:nvPr/>
+        </p:nvPicPr>
+        <p:blipFill>
+          <a:blip r:embed="rId3">
+            <a:alphaModFix amt="50000"/>
+          </a:blip>
+          <a:stretch>
+            <a:fillRect/>
+          </a:stretch>
+        </p:blipFill>
+        <p:spPr>
+          <a:xfrm>
+            <a:off x="8134800" y="2194836"/>
+            <a:ext cx="3600000" cy="2465636"/>
+          </a:xfrm>
+          <a:prstGeom prst="rect">
+            <a:avLst/>
+          </a:prstGeom>
+        </p:spPr>
+      </p:pic>
+      <p:pic>
+        <p:nvPicPr>
+          <p:cNvPr id="5" name="Picture 4">
+            <a:extLst>
+              <a:ext uri="{FF2B5EF4-FFF2-40B4-BE49-F238E27FC236}">
+                <a16:creationId xmlns:a16="http://schemas.microsoft.com/office/drawing/2014/main" id="{E4C5134E-17E3-4C40-A80F-06F2F8545611}"/>
+              </a:ext>
+            </a:extLst>
+          </p:cNvPr>
+          <p:cNvPicPr>
+            <a:picLocks noChangeAspect="1"/>
+          </p:cNvPicPr>
+          <p:nvPr/>
+        </p:nvPicPr>
+        <p:blipFill>
+          <a:blip r:embed="rId4"/>
+          <a:stretch>
+            <a:fillRect/>
+          </a:stretch>
+        </p:blipFill>
+        <p:spPr>
+          <a:xfrm>
+            <a:off x="2496000" y="1535357"/>
+            <a:ext cx="7200000" cy="4957518"/>
+          </a:xfrm>
+          <a:prstGeom prst="rect">
+            <a:avLst/>
+          </a:prstGeom>
+        </p:spPr>
+      </p:pic>
+      <p:sp>
+        <p:nvSpPr>
+          <p:cNvPr id="3" name="Footer Placeholder 2">
+            <a:extLst>
+              <a:ext uri="{FF2B5EF4-FFF2-40B4-BE49-F238E27FC236}">
+                <a16:creationId xmlns:a16="http://schemas.microsoft.com/office/drawing/2014/main" id="{BAE38362-595A-4E25-BC0A-973CEDDBFE6B}"/>
+              </a:ext>
+            </a:extLst>
+          </p:cNvPr>
+          <p:cNvSpPr>
+            <a:spLocks noGrp="1"/>
+          </p:cNvSpPr>
+          <p:nvPr>
+            <p:ph type="ftr" sz="quarter" idx="11"/>
+          </p:nvPr>
+        </p:nvSpPr>
+        <p:spPr/>
+        <p:txBody>
+          <a:bodyPr/>
+          <a:lstStyle/>
+          <a:p>
+            <a:r>
+              <a:rPr lang="de-AT"/>
+              <a:t>Michael Hinterdorfer</a:t>
+            </a:r>
+          </a:p>
+        </p:txBody>
+      </p:sp>
+    </p:spTree>
+    <p:extLst>
+      <p:ext uri="{BB962C8B-B14F-4D97-AF65-F5344CB8AC3E}">
+        <p14:creationId xmlns:p14="http://schemas.microsoft.com/office/powerpoint/2010/main" val="549479393"/>
       </p:ext>
     </p:extLst>
   </p:cSld>
@@ -15881,222 +16815,6 @@
       </p:pic>
       <p:pic>
         <p:nvPicPr>
-          <p:cNvPr id="6" name="Picture 5">
-            <a:extLst>
-              <a:ext uri="{FF2B5EF4-FFF2-40B4-BE49-F238E27FC236}">
-                <a16:creationId xmlns:a16="http://schemas.microsoft.com/office/drawing/2014/main" id="{EBE5009F-8B70-4AE2-9409-A301864F0887}"/>
-              </a:ext>
-            </a:extLst>
-          </p:cNvPr>
-          <p:cNvPicPr>
-            <a:picLocks noChangeAspect="1"/>
-          </p:cNvPicPr>
-          <p:nvPr/>
-        </p:nvPicPr>
-        <p:blipFill>
-          <a:blip r:embed="rId3">
-            <a:alphaModFix amt="50000"/>
-          </a:blip>
-          <a:stretch>
-            <a:fillRect/>
-          </a:stretch>
-        </p:blipFill>
-        <p:spPr>
-          <a:xfrm>
-            <a:off x="8134800" y="2194836"/>
-            <a:ext cx="3600000" cy="2465636"/>
-          </a:xfrm>
-          <a:prstGeom prst="rect">
-            <a:avLst/>
-          </a:prstGeom>
-        </p:spPr>
-      </p:pic>
-      <p:pic>
-        <p:nvPicPr>
-          <p:cNvPr id="5" name="Picture 4">
-            <a:extLst>
-              <a:ext uri="{FF2B5EF4-FFF2-40B4-BE49-F238E27FC236}">
-                <a16:creationId xmlns:a16="http://schemas.microsoft.com/office/drawing/2014/main" id="{E4C5134E-17E3-4C40-A80F-06F2F8545611}"/>
-              </a:ext>
-            </a:extLst>
-          </p:cNvPr>
-          <p:cNvPicPr>
-            <a:picLocks noChangeAspect="1"/>
-          </p:cNvPicPr>
-          <p:nvPr/>
-        </p:nvPicPr>
-        <p:blipFill>
-          <a:blip r:embed="rId4"/>
-          <a:stretch>
-            <a:fillRect/>
-          </a:stretch>
-        </p:blipFill>
-        <p:spPr>
-          <a:xfrm>
-            <a:off x="2496000" y="1535357"/>
-            <a:ext cx="7200000" cy="4957518"/>
-          </a:xfrm>
-          <a:prstGeom prst="rect">
-            <a:avLst/>
-          </a:prstGeom>
-        </p:spPr>
-      </p:pic>
-      <p:sp>
-        <p:nvSpPr>
-          <p:cNvPr id="3" name="Footer Placeholder 2">
-            <a:extLst>
-              <a:ext uri="{FF2B5EF4-FFF2-40B4-BE49-F238E27FC236}">
-                <a16:creationId xmlns:a16="http://schemas.microsoft.com/office/drawing/2014/main" id="{BAE38362-595A-4E25-BC0A-973CEDDBFE6B}"/>
-              </a:ext>
-            </a:extLst>
-          </p:cNvPr>
-          <p:cNvSpPr>
-            <a:spLocks noGrp="1"/>
-          </p:cNvSpPr>
-          <p:nvPr>
-            <p:ph type="ftr" sz="quarter" idx="11"/>
-          </p:nvPr>
-        </p:nvSpPr>
-        <p:spPr/>
-        <p:txBody>
-          <a:bodyPr/>
-          <a:lstStyle/>
-          <a:p>
-            <a:r>
-              <a:rPr lang="de-AT"/>
-              <a:t>Michael Hinterdorfer</a:t>
-            </a:r>
-          </a:p>
-        </p:txBody>
-      </p:sp>
-    </p:spTree>
-    <p:extLst>
-      <p:ext uri="{BB962C8B-B14F-4D97-AF65-F5344CB8AC3E}">
-        <p14:creationId xmlns:p14="http://schemas.microsoft.com/office/powerpoint/2010/main" val="549479393"/>
-      </p:ext>
-    </p:extLst>
-  </p:cSld>
-  <p:clrMapOvr>
-    <a:masterClrMapping/>
-  </p:clrMapOvr>
-  <mc:AlternateContent xmlns:mc="http://schemas.openxmlformats.org/markup-compatibility/2006" xmlns:p159="http://schemas.microsoft.com/office/powerpoint/2015/09/main">
-    <mc:Choice Requires="p159">
-      <p:transition spd="med">
-        <p159:morph option="byObject"/>
-      </p:transition>
-    </mc:Choice>
-    <mc:Fallback xmlns="">
-      <p:transition spd="med">
-        <p:fade/>
-      </p:transition>
-    </mc:Fallback>
-  </mc:AlternateContent>
-</p:sld>
-</file>
-
-<file path=ppt/slides/slide26.xml><?xml version="1.0" encoding="utf-8"?>
-<p:sld xmlns:a="http://schemas.openxmlformats.org/drawingml/2006/main" xmlns:r="http://schemas.openxmlformats.org/officeDocument/2006/relationships" xmlns:p="http://schemas.openxmlformats.org/presentationml/2006/main">
-  <p:cSld>
-    <p:spTree>
-      <p:nvGrpSpPr>
-        <p:cNvPr id="1" name=""/>
-        <p:cNvGrpSpPr/>
-        <p:nvPr/>
-      </p:nvGrpSpPr>
-      <p:grpSpPr>
-        <a:xfrm>
-          <a:off x="0" y="0"/>
-          <a:ext cx="0" cy="0"/>
-          <a:chOff x="0" y="0"/>
-          <a:chExt cx="0" cy="0"/>
-        </a:xfrm>
-      </p:grpSpPr>
-      <p:sp>
-        <p:nvSpPr>
-          <p:cNvPr id="2" name="Title 1">
-            <a:extLst>
-              <a:ext uri="{FF2B5EF4-FFF2-40B4-BE49-F238E27FC236}">
-                <a16:creationId xmlns:a16="http://schemas.microsoft.com/office/drawing/2014/main" id="{CA52C070-7499-4FC3-8302-C3C8B8D83510}"/>
-              </a:ext>
-            </a:extLst>
-          </p:cNvPr>
-          <p:cNvSpPr>
-            <a:spLocks noGrp="1"/>
-          </p:cNvSpPr>
-          <p:nvPr>
-            <p:ph type="title"/>
-          </p:nvPr>
-        </p:nvSpPr>
-        <p:spPr>
-          <a:xfrm>
-            <a:off x="457200" y="365125"/>
-            <a:ext cx="11240429" cy="1325563"/>
-          </a:xfrm>
-        </p:spPr>
-        <p:txBody>
-          <a:bodyPr>
-            <a:noAutofit/>
-          </a:bodyPr>
-          <a:lstStyle/>
-          <a:p>
-            <a:pPr algn="ctr"/>
-            <a:r>
-              <a:rPr lang="de-AT" sz="5000" dirty="0">
-                <a:latin typeface="Circular Std Black" panose="020B0A04020101010102" pitchFamily="34" charset="0"/>
-                <a:cs typeface="Circular Std Black" panose="020B0A04020101010102" pitchFamily="34" charset="0"/>
-              </a:rPr>
-              <a:t>Subklassen erweitern </a:t>
-            </a:r>
-            <a:r>
-              <a:rPr lang="de-AT" sz="5000" dirty="0" err="1">
-                <a:latin typeface="Circular Std Black" panose="020B0A04020101010102" pitchFamily="34" charset="0"/>
-                <a:cs typeface="Circular Std Black" panose="020B0A04020101010102" pitchFamily="34" charset="0"/>
-              </a:rPr>
-              <a:t>SoftwareShop</a:t>
-            </a:r>
-            <a:endParaRPr lang="de-AT" sz="5000" dirty="0">
-              <a:latin typeface="Circular Std Black" panose="020B0A04020101010102" pitchFamily="34" charset="0"/>
-              <a:cs typeface="Circular Std Black" panose="020B0A04020101010102" pitchFamily="34" charset="0"/>
-            </a:endParaRPr>
-          </a:p>
-        </p:txBody>
-      </p:sp>
-      <p:pic>
-        <p:nvPicPr>
-          <p:cNvPr id="4" name="Content Placeholder 3">
-            <a:extLst>
-              <a:ext uri="{FF2B5EF4-FFF2-40B4-BE49-F238E27FC236}">
-                <a16:creationId xmlns:a16="http://schemas.microsoft.com/office/drawing/2014/main" id="{DC3D8EB6-027D-4643-BC8E-9704FC19760C}"/>
-              </a:ext>
-            </a:extLst>
-          </p:cNvPr>
-          <p:cNvPicPr>
-            <a:picLocks noGrp="1" noChangeAspect="1"/>
-          </p:cNvPicPr>
-          <p:nvPr>
-            <p:ph idx="1"/>
-          </p:nvPr>
-        </p:nvPicPr>
-        <p:blipFill>
-          <a:blip r:embed="rId2">
-            <a:alphaModFix amt="50000"/>
-          </a:blip>
-          <a:stretch>
-            <a:fillRect/>
-          </a:stretch>
-        </p:blipFill>
-        <p:spPr>
-          <a:xfrm>
-            <a:off x="457200" y="2194836"/>
-            <a:ext cx="3600000" cy="2468328"/>
-          </a:xfrm>
-          <a:prstGeom prst="rect">
-            <a:avLst/>
-          </a:prstGeom>
-        </p:spPr>
-      </p:pic>
-      <p:pic>
-        <p:nvPicPr>
           <p:cNvPr id="5" name="Picture 4">
             <a:extLst>
               <a:ext uri="{FF2B5EF4-FFF2-40B4-BE49-F238E27FC236}">
@@ -16210,7 +16928,7 @@
 </p:sld>
 </file>
 
-<file path=ppt/slides/slide27.xml><?xml version="1.0" encoding="utf-8"?>
+<file path=ppt/slides/slide26.xml><?xml version="1.0" encoding="utf-8"?>
 <p:sld xmlns:a="http://schemas.openxmlformats.org/drawingml/2006/main" xmlns:r="http://schemas.openxmlformats.org/officeDocument/2006/relationships" xmlns:p="http://schemas.openxmlformats.org/presentationml/2006/main">
   <p:cSld>
     <p:spTree>
@@ -16422,7 +17140,7 @@
 </p:sld>
 </file>
 
-<file path=ppt/slides/slide28.xml><?xml version="1.0" encoding="utf-8"?>
+<file path=ppt/slides/slide27.xml><?xml version="1.0" encoding="utf-8"?>
 <p:sld xmlns:a="http://schemas.openxmlformats.org/drawingml/2006/main" xmlns:r="http://schemas.openxmlformats.org/officeDocument/2006/relationships" xmlns:p="http://schemas.openxmlformats.org/presentationml/2006/main">
   <p:cSld>
     <p:spTree>
@@ -16657,7 +17375,7 @@
 </p:sld>
 </file>
 
-<file path=ppt/slides/slide29.xml><?xml version="1.0" encoding="utf-8"?>
+<file path=ppt/slides/slide28.xml><?xml version="1.0" encoding="utf-8"?>
 <p:sld xmlns:a="http://schemas.openxmlformats.org/drawingml/2006/main" xmlns:r="http://schemas.openxmlformats.org/officeDocument/2006/relationships" xmlns:p="http://schemas.openxmlformats.org/presentationml/2006/main">
   <p:cSld>
     <p:spTree>
@@ -16875,6 +17593,245 @@
     <p:extLst>
       <p:ext uri="{BB962C8B-B14F-4D97-AF65-F5344CB8AC3E}">
         <p14:creationId xmlns:p14="http://schemas.microsoft.com/office/powerpoint/2010/main" val="2149938874"/>
+      </p:ext>
+    </p:extLst>
+  </p:cSld>
+  <p:clrMapOvr>
+    <a:masterClrMapping/>
+  </p:clrMapOvr>
+  <mc:AlternateContent xmlns:mc="http://schemas.openxmlformats.org/markup-compatibility/2006" xmlns:p159="http://schemas.microsoft.com/office/powerpoint/2015/09/main">
+    <mc:Choice Requires="p159">
+      <p:transition spd="med">
+        <p159:morph option="byObject"/>
+      </p:transition>
+    </mc:Choice>
+    <mc:Fallback xmlns="">
+      <p:transition spd="med">
+        <p:fade/>
+      </p:transition>
+    </mc:Fallback>
+  </mc:AlternateContent>
+</p:sld>
+</file>
+
+<file path=ppt/slides/slide29.xml><?xml version="1.0" encoding="utf-8"?>
+<p:sld xmlns:a="http://schemas.openxmlformats.org/drawingml/2006/main" xmlns:r="http://schemas.openxmlformats.org/officeDocument/2006/relationships" xmlns:p="http://schemas.openxmlformats.org/presentationml/2006/main">
+  <p:cSld>
+    <p:spTree>
+      <p:nvGrpSpPr>
+        <p:cNvPr id="1" name=""/>
+        <p:cNvGrpSpPr/>
+        <p:nvPr/>
+      </p:nvGrpSpPr>
+      <p:grpSpPr>
+        <a:xfrm>
+          <a:off x="0" y="0"/>
+          <a:ext cx="0" cy="0"/>
+          <a:chOff x="0" y="0"/>
+          <a:chExt cx="0" cy="0"/>
+        </a:xfrm>
+      </p:grpSpPr>
+      <p:sp>
+        <p:nvSpPr>
+          <p:cNvPr id="2" name="Title 1">
+            <a:extLst>
+              <a:ext uri="{FF2B5EF4-FFF2-40B4-BE49-F238E27FC236}">
+                <a16:creationId xmlns:a16="http://schemas.microsoft.com/office/drawing/2014/main" id="{0B171DC9-2513-47E4-AABB-C7A201434610}"/>
+              </a:ext>
+            </a:extLst>
+          </p:cNvPr>
+          <p:cNvSpPr>
+            <a:spLocks noGrp="1"/>
+          </p:cNvSpPr>
+          <p:nvPr>
+            <p:ph type="title"/>
+          </p:nvPr>
+        </p:nvSpPr>
+        <p:spPr>
+          <a:xfrm>
+            <a:off x="410545" y="342106"/>
+            <a:ext cx="7452172" cy="1325563"/>
+          </a:xfrm>
+        </p:spPr>
+        <p:txBody>
+          <a:bodyPr>
+            <a:noAutofit/>
+          </a:bodyPr>
+          <a:lstStyle/>
+          <a:p>
+            <a:r>
+              <a:rPr lang="de-AT" sz="4800" dirty="0" err="1">
+                <a:latin typeface="Circular Std Black" panose="020B0A04020101010102" pitchFamily="34" charset="0"/>
+                <a:cs typeface="Circular Std Black" panose="020B0A04020101010102" pitchFamily="34" charset="0"/>
+              </a:rPr>
+              <a:t>OfficeProgramme</a:t>
+            </a:r>
+            <a:r>
+              <a:rPr lang="de-AT" sz="4800" dirty="0">
+                <a:latin typeface="Circular Std Black" panose="020B0A04020101010102" pitchFamily="34" charset="0"/>
+                <a:cs typeface="Circular Std Black" panose="020B0A04020101010102" pitchFamily="34" charset="0"/>
+              </a:rPr>
+              <a:t> der verschiedenen Hersteller</a:t>
+            </a:r>
+          </a:p>
+        </p:txBody>
+      </p:sp>
+      <p:pic>
+        <p:nvPicPr>
+          <p:cNvPr id="4" name="Picture 3">
+            <a:extLst>
+              <a:ext uri="{FF2B5EF4-FFF2-40B4-BE49-F238E27FC236}">
+                <a16:creationId xmlns:a16="http://schemas.microsoft.com/office/drawing/2014/main" id="{58305572-1978-4476-AF7C-ADBAFC1A31DE}"/>
+              </a:ext>
+            </a:extLst>
+          </p:cNvPr>
+          <p:cNvPicPr>
+            <a:picLocks noChangeAspect="1"/>
+          </p:cNvPicPr>
+          <p:nvPr/>
+        </p:nvPicPr>
+        <p:blipFill>
+          <a:blip r:embed="rId2"/>
+          <a:stretch>
+            <a:fillRect/>
+          </a:stretch>
+        </p:blipFill>
+        <p:spPr>
+          <a:xfrm>
+            <a:off x="7862716" y="176477"/>
+            <a:ext cx="4119462" cy="1581098"/>
+          </a:xfrm>
+          <a:prstGeom prst="rect">
+            <a:avLst/>
+          </a:prstGeom>
+        </p:spPr>
+      </p:pic>
+      <p:pic>
+        <p:nvPicPr>
+          <p:cNvPr id="7" name="Picture 6">
+            <a:extLst>
+              <a:ext uri="{FF2B5EF4-FFF2-40B4-BE49-F238E27FC236}">
+                <a16:creationId xmlns:a16="http://schemas.microsoft.com/office/drawing/2014/main" id="{932FCA9D-6079-442B-8B9C-8DDA195F3042}"/>
+              </a:ext>
+            </a:extLst>
+          </p:cNvPr>
+          <p:cNvPicPr>
+            <a:picLocks noChangeAspect="1"/>
+          </p:cNvPicPr>
+          <p:nvPr/>
+        </p:nvPicPr>
+        <p:blipFill>
+          <a:blip r:embed="rId3">
+            <a:alphaModFix amt="50000"/>
+          </a:blip>
+          <a:stretch>
+            <a:fillRect/>
+          </a:stretch>
+        </p:blipFill>
+        <p:spPr>
+          <a:xfrm>
+            <a:off x="8366883" y="2252495"/>
+            <a:ext cx="3600000" cy="3050602"/>
+          </a:xfrm>
+          <a:prstGeom prst="rect">
+            <a:avLst/>
+          </a:prstGeom>
+        </p:spPr>
+      </p:pic>
+      <p:sp>
+        <p:nvSpPr>
+          <p:cNvPr id="8" name="Footer Placeholder 7">
+            <a:extLst>
+              <a:ext uri="{FF2B5EF4-FFF2-40B4-BE49-F238E27FC236}">
+                <a16:creationId xmlns:a16="http://schemas.microsoft.com/office/drawing/2014/main" id="{8556DC24-B35B-4D74-8116-957F35F344BB}"/>
+              </a:ext>
+            </a:extLst>
+          </p:cNvPr>
+          <p:cNvSpPr>
+            <a:spLocks noGrp="1"/>
+          </p:cNvSpPr>
+          <p:nvPr>
+            <p:ph type="ftr" sz="quarter" idx="11"/>
+          </p:nvPr>
+        </p:nvSpPr>
+        <p:spPr/>
+        <p:txBody>
+          <a:bodyPr/>
+          <a:lstStyle/>
+          <a:p>
+            <a:r>
+              <a:rPr lang="de-AT"/>
+              <a:t>Michael Hinterdorfer</a:t>
+            </a:r>
+          </a:p>
+        </p:txBody>
+      </p:sp>
+      <p:pic>
+        <p:nvPicPr>
+          <p:cNvPr id="5" name="Picture 4">
+            <a:extLst>
+              <a:ext uri="{FF2B5EF4-FFF2-40B4-BE49-F238E27FC236}">
+                <a16:creationId xmlns:a16="http://schemas.microsoft.com/office/drawing/2014/main" id="{0F7B3D29-083B-49D8-8165-92E1760E3648}"/>
+              </a:ext>
+            </a:extLst>
+          </p:cNvPr>
+          <p:cNvPicPr>
+            <a:picLocks noChangeAspect="1"/>
+          </p:cNvPicPr>
+          <p:nvPr/>
+        </p:nvPicPr>
+        <p:blipFill>
+          <a:blip r:embed="rId4">
+            <a:alphaModFix amt="50000"/>
+          </a:blip>
+          <a:stretch>
+            <a:fillRect/>
+          </a:stretch>
+        </p:blipFill>
+        <p:spPr>
+          <a:xfrm>
+            <a:off x="225117" y="2252495"/>
+            <a:ext cx="3600000" cy="2912665"/>
+          </a:xfrm>
+          <a:prstGeom prst="rect">
+            <a:avLst/>
+          </a:prstGeom>
+        </p:spPr>
+      </p:pic>
+      <p:pic>
+        <p:nvPicPr>
+          <p:cNvPr id="6" name="Picture 5">
+            <a:extLst>
+              <a:ext uri="{FF2B5EF4-FFF2-40B4-BE49-F238E27FC236}">
+                <a16:creationId xmlns:a16="http://schemas.microsoft.com/office/drawing/2014/main" id="{EAECD1F8-12CE-43E2-9ABB-A5AE710BAD50}"/>
+              </a:ext>
+            </a:extLst>
+          </p:cNvPr>
+          <p:cNvPicPr>
+            <a:picLocks noChangeAspect="1"/>
+          </p:cNvPicPr>
+          <p:nvPr/>
+        </p:nvPicPr>
+        <p:blipFill>
+          <a:blip r:embed="rId5"/>
+          <a:stretch>
+            <a:fillRect/>
+          </a:stretch>
+        </p:blipFill>
+        <p:spPr>
+          <a:xfrm>
+            <a:off x="3396000" y="1895285"/>
+            <a:ext cx="5400000" cy="4597590"/>
+          </a:xfrm>
+          <a:prstGeom prst="rect">
+            <a:avLst/>
+          </a:prstGeom>
+        </p:spPr>
+      </p:pic>
+    </p:spTree>
+    <p:extLst>
+      <p:ext uri="{BB962C8B-B14F-4D97-AF65-F5344CB8AC3E}">
+        <p14:creationId xmlns:p14="http://schemas.microsoft.com/office/powerpoint/2010/main" val="3490242193"/>
       </p:ext>
     </p:extLst>
   </p:cSld>
@@ -17172,245 +18129,6 @@
       </p:pic>
       <p:pic>
         <p:nvPicPr>
-          <p:cNvPr id="7" name="Picture 6">
-            <a:extLst>
-              <a:ext uri="{FF2B5EF4-FFF2-40B4-BE49-F238E27FC236}">
-                <a16:creationId xmlns:a16="http://schemas.microsoft.com/office/drawing/2014/main" id="{932FCA9D-6079-442B-8B9C-8DDA195F3042}"/>
-              </a:ext>
-            </a:extLst>
-          </p:cNvPr>
-          <p:cNvPicPr>
-            <a:picLocks noChangeAspect="1"/>
-          </p:cNvPicPr>
-          <p:nvPr/>
-        </p:nvPicPr>
-        <p:blipFill>
-          <a:blip r:embed="rId3">
-            <a:alphaModFix amt="50000"/>
-          </a:blip>
-          <a:stretch>
-            <a:fillRect/>
-          </a:stretch>
-        </p:blipFill>
-        <p:spPr>
-          <a:xfrm>
-            <a:off x="8366883" y="2252495"/>
-            <a:ext cx="3600000" cy="3050602"/>
-          </a:xfrm>
-          <a:prstGeom prst="rect">
-            <a:avLst/>
-          </a:prstGeom>
-        </p:spPr>
-      </p:pic>
-      <p:sp>
-        <p:nvSpPr>
-          <p:cNvPr id="8" name="Footer Placeholder 7">
-            <a:extLst>
-              <a:ext uri="{FF2B5EF4-FFF2-40B4-BE49-F238E27FC236}">
-                <a16:creationId xmlns:a16="http://schemas.microsoft.com/office/drawing/2014/main" id="{8556DC24-B35B-4D74-8116-957F35F344BB}"/>
-              </a:ext>
-            </a:extLst>
-          </p:cNvPr>
-          <p:cNvSpPr>
-            <a:spLocks noGrp="1"/>
-          </p:cNvSpPr>
-          <p:nvPr>
-            <p:ph type="ftr" sz="quarter" idx="11"/>
-          </p:nvPr>
-        </p:nvSpPr>
-        <p:spPr/>
-        <p:txBody>
-          <a:bodyPr/>
-          <a:lstStyle/>
-          <a:p>
-            <a:r>
-              <a:rPr lang="de-AT"/>
-              <a:t>Michael Hinterdorfer</a:t>
-            </a:r>
-          </a:p>
-        </p:txBody>
-      </p:sp>
-      <p:pic>
-        <p:nvPicPr>
-          <p:cNvPr id="5" name="Picture 4">
-            <a:extLst>
-              <a:ext uri="{FF2B5EF4-FFF2-40B4-BE49-F238E27FC236}">
-                <a16:creationId xmlns:a16="http://schemas.microsoft.com/office/drawing/2014/main" id="{0F7B3D29-083B-49D8-8165-92E1760E3648}"/>
-              </a:ext>
-            </a:extLst>
-          </p:cNvPr>
-          <p:cNvPicPr>
-            <a:picLocks noChangeAspect="1"/>
-          </p:cNvPicPr>
-          <p:nvPr/>
-        </p:nvPicPr>
-        <p:blipFill>
-          <a:blip r:embed="rId4">
-            <a:alphaModFix amt="50000"/>
-          </a:blip>
-          <a:stretch>
-            <a:fillRect/>
-          </a:stretch>
-        </p:blipFill>
-        <p:spPr>
-          <a:xfrm>
-            <a:off x="225117" y="2252495"/>
-            <a:ext cx="3600000" cy="2912665"/>
-          </a:xfrm>
-          <a:prstGeom prst="rect">
-            <a:avLst/>
-          </a:prstGeom>
-        </p:spPr>
-      </p:pic>
-      <p:pic>
-        <p:nvPicPr>
-          <p:cNvPr id="6" name="Picture 5">
-            <a:extLst>
-              <a:ext uri="{FF2B5EF4-FFF2-40B4-BE49-F238E27FC236}">
-                <a16:creationId xmlns:a16="http://schemas.microsoft.com/office/drawing/2014/main" id="{EAECD1F8-12CE-43E2-9ABB-A5AE710BAD50}"/>
-              </a:ext>
-            </a:extLst>
-          </p:cNvPr>
-          <p:cNvPicPr>
-            <a:picLocks noChangeAspect="1"/>
-          </p:cNvPicPr>
-          <p:nvPr/>
-        </p:nvPicPr>
-        <p:blipFill>
-          <a:blip r:embed="rId5"/>
-          <a:stretch>
-            <a:fillRect/>
-          </a:stretch>
-        </p:blipFill>
-        <p:spPr>
-          <a:xfrm>
-            <a:off x="3396000" y="1895285"/>
-            <a:ext cx="5400000" cy="4597590"/>
-          </a:xfrm>
-          <a:prstGeom prst="rect">
-            <a:avLst/>
-          </a:prstGeom>
-        </p:spPr>
-      </p:pic>
-    </p:spTree>
-    <p:extLst>
-      <p:ext uri="{BB962C8B-B14F-4D97-AF65-F5344CB8AC3E}">
-        <p14:creationId xmlns:p14="http://schemas.microsoft.com/office/powerpoint/2010/main" val="3490242193"/>
-      </p:ext>
-    </p:extLst>
-  </p:cSld>
-  <p:clrMapOvr>
-    <a:masterClrMapping/>
-  </p:clrMapOvr>
-  <mc:AlternateContent xmlns:mc="http://schemas.openxmlformats.org/markup-compatibility/2006" xmlns:p159="http://schemas.microsoft.com/office/powerpoint/2015/09/main">
-    <mc:Choice Requires="p159">
-      <p:transition spd="med">
-        <p159:morph option="byObject"/>
-      </p:transition>
-    </mc:Choice>
-    <mc:Fallback xmlns="">
-      <p:transition spd="med">
-        <p:fade/>
-      </p:transition>
-    </mc:Fallback>
-  </mc:AlternateContent>
-</p:sld>
-</file>
-
-<file path=ppt/slides/slide31.xml><?xml version="1.0" encoding="utf-8"?>
-<p:sld xmlns:a="http://schemas.openxmlformats.org/drawingml/2006/main" xmlns:r="http://schemas.openxmlformats.org/officeDocument/2006/relationships" xmlns:p="http://schemas.openxmlformats.org/presentationml/2006/main">
-  <p:cSld>
-    <p:spTree>
-      <p:nvGrpSpPr>
-        <p:cNvPr id="1" name=""/>
-        <p:cNvGrpSpPr/>
-        <p:nvPr/>
-      </p:nvGrpSpPr>
-      <p:grpSpPr>
-        <a:xfrm>
-          <a:off x="0" y="0"/>
-          <a:ext cx="0" cy="0"/>
-          <a:chOff x="0" y="0"/>
-          <a:chExt cx="0" cy="0"/>
-        </a:xfrm>
-      </p:grpSpPr>
-      <p:sp>
-        <p:nvSpPr>
-          <p:cNvPr id="2" name="Title 1">
-            <a:extLst>
-              <a:ext uri="{FF2B5EF4-FFF2-40B4-BE49-F238E27FC236}">
-                <a16:creationId xmlns:a16="http://schemas.microsoft.com/office/drawing/2014/main" id="{0B171DC9-2513-47E4-AABB-C7A201434610}"/>
-              </a:ext>
-            </a:extLst>
-          </p:cNvPr>
-          <p:cNvSpPr>
-            <a:spLocks noGrp="1"/>
-          </p:cNvSpPr>
-          <p:nvPr>
-            <p:ph type="title"/>
-          </p:nvPr>
-        </p:nvSpPr>
-        <p:spPr>
-          <a:xfrm>
-            <a:off x="410545" y="342106"/>
-            <a:ext cx="7452172" cy="1325563"/>
-          </a:xfrm>
-        </p:spPr>
-        <p:txBody>
-          <a:bodyPr>
-            <a:noAutofit/>
-          </a:bodyPr>
-          <a:lstStyle/>
-          <a:p>
-            <a:r>
-              <a:rPr lang="de-AT" sz="4800" dirty="0" err="1">
-                <a:latin typeface="Circular Std Black" panose="020B0A04020101010102" pitchFamily="34" charset="0"/>
-                <a:cs typeface="Circular Std Black" panose="020B0A04020101010102" pitchFamily="34" charset="0"/>
-              </a:rPr>
-              <a:t>OfficeProgramme</a:t>
-            </a:r>
-            <a:r>
-              <a:rPr lang="de-AT" sz="4800" dirty="0">
-                <a:latin typeface="Circular Std Black" panose="020B0A04020101010102" pitchFamily="34" charset="0"/>
-                <a:cs typeface="Circular Std Black" panose="020B0A04020101010102" pitchFamily="34" charset="0"/>
-              </a:rPr>
-              <a:t> der verschiedenen Hersteller</a:t>
-            </a:r>
-          </a:p>
-        </p:txBody>
-      </p:sp>
-      <p:pic>
-        <p:nvPicPr>
-          <p:cNvPr id="4" name="Picture 3">
-            <a:extLst>
-              <a:ext uri="{FF2B5EF4-FFF2-40B4-BE49-F238E27FC236}">
-                <a16:creationId xmlns:a16="http://schemas.microsoft.com/office/drawing/2014/main" id="{58305572-1978-4476-AF7C-ADBAFC1A31DE}"/>
-              </a:ext>
-            </a:extLst>
-          </p:cNvPr>
-          <p:cNvPicPr>
-            <a:picLocks noChangeAspect="1"/>
-          </p:cNvPicPr>
-          <p:nvPr/>
-        </p:nvPicPr>
-        <p:blipFill>
-          <a:blip r:embed="rId2"/>
-          <a:stretch>
-            <a:fillRect/>
-          </a:stretch>
-        </p:blipFill>
-        <p:spPr>
-          <a:xfrm>
-            <a:off x="7862716" y="176477"/>
-            <a:ext cx="4119462" cy="1581098"/>
-          </a:xfrm>
-          <a:prstGeom prst="rect">
-            <a:avLst/>
-          </a:prstGeom>
-        </p:spPr>
-      </p:pic>
-      <p:pic>
-        <p:nvPicPr>
           <p:cNvPr id="6" name="Picture 5">
             <a:extLst>
               <a:ext uri="{FF2B5EF4-FFF2-40B4-BE49-F238E27FC236}">
@@ -17556,7 +18274,7 @@
 </p:sld>
 </file>
 
-<file path=ppt/slides/slide32.xml><?xml version="1.0" encoding="utf-8"?>
+<file path=ppt/slides/slide31.xml><?xml version="1.0" encoding="utf-8"?>
 <p:sld xmlns:a="http://schemas.openxmlformats.org/drawingml/2006/main" xmlns:r="http://schemas.openxmlformats.org/officeDocument/2006/relationships" xmlns:p="http://schemas.openxmlformats.org/presentationml/2006/main">
   <p:cSld>
     <p:spTree>
@@ -17791,6 +18509,157 @@
 </p:sld>
 </file>
 
+<file path=ppt/slides/slide32.xml><?xml version="1.0" encoding="utf-8"?>
+<p:sld xmlns:a="http://schemas.openxmlformats.org/drawingml/2006/main" xmlns:r="http://schemas.openxmlformats.org/officeDocument/2006/relationships" xmlns:p="http://schemas.openxmlformats.org/presentationml/2006/main">
+  <p:cSld>
+    <p:spTree>
+      <p:nvGrpSpPr>
+        <p:cNvPr id="1" name=""/>
+        <p:cNvGrpSpPr/>
+        <p:nvPr/>
+      </p:nvGrpSpPr>
+      <p:grpSpPr>
+        <a:xfrm>
+          <a:off x="0" y="0"/>
+          <a:ext cx="0" cy="0"/>
+          <a:chOff x="0" y="0"/>
+          <a:chExt cx="0" cy="0"/>
+        </a:xfrm>
+      </p:grpSpPr>
+      <p:sp>
+        <p:nvSpPr>
+          <p:cNvPr id="2" name="Title 1">
+            <a:extLst>
+              <a:ext uri="{FF2B5EF4-FFF2-40B4-BE49-F238E27FC236}">
+                <a16:creationId xmlns:a16="http://schemas.microsoft.com/office/drawing/2014/main" id="{9ED236E3-D080-47B1-9A0E-F5E8C28D0A2A}"/>
+              </a:ext>
+            </a:extLst>
+          </p:cNvPr>
+          <p:cNvSpPr>
+            <a:spLocks noGrp="1"/>
+          </p:cNvSpPr>
+          <p:nvPr>
+            <p:ph type="title"/>
+          </p:nvPr>
+        </p:nvSpPr>
+        <p:spPr>
+          <a:xfrm>
+            <a:off x="468351" y="365125"/>
+            <a:ext cx="11340790" cy="1325563"/>
+          </a:xfrm>
+        </p:spPr>
+        <p:txBody>
+          <a:bodyPr>
+            <a:normAutofit/>
+          </a:bodyPr>
+          <a:lstStyle/>
+          <a:p>
+            <a:pPr algn="ctr"/>
+            <a:r>
+              <a:rPr lang="de-AT" sz="3600" dirty="0">
+                <a:latin typeface="Circular Std Black" panose="020B0A04020101010102" pitchFamily="34" charset="0"/>
+                <a:cs typeface="Circular Std Black" panose="020B0A04020101010102" pitchFamily="34" charset="0"/>
+              </a:rPr>
+              <a:t>Softwareshop kennt konkretes Programm nicht!</a:t>
+            </a:r>
+          </a:p>
+        </p:txBody>
+      </p:sp>
+      <p:sp>
+        <p:nvSpPr>
+          <p:cNvPr id="3" name="Content Placeholder 2">
+            <a:extLst>
+              <a:ext uri="{FF2B5EF4-FFF2-40B4-BE49-F238E27FC236}">
+                <a16:creationId xmlns:a16="http://schemas.microsoft.com/office/drawing/2014/main" id="{EB390A85-1462-49FA-AD85-DEC86FF707B9}"/>
+              </a:ext>
+            </a:extLst>
+          </p:cNvPr>
+          <p:cNvSpPr>
+            <a:spLocks noGrp="1"/>
+          </p:cNvSpPr>
+          <p:nvPr>
+            <p:ph idx="1"/>
+          </p:nvPr>
+        </p:nvSpPr>
+        <p:spPr/>
+        <p:txBody>
+          <a:bodyPr/>
+          <a:lstStyle/>
+          <a:p>
+            <a:r>
+              <a:rPr lang="de-AT" dirty="0"/>
+              <a:t>Die Subklasse entscheidet welches Objekt erstellt wird.</a:t>
+            </a:r>
+          </a:p>
+          <a:p>
+            <a:r>
+              <a:rPr lang="de-AT" dirty="0"/>
+              <a:t>Softwareshop delegiert die Objektinstanziierung an seine Subklasse. Von außen ist die Methode unsichtbar (</a:t>
+            </a:r>
+            <a:r>
+              <a:rPr lang="de-AT" dirty="0" err="1"/>
+              <a:t>protected</a:t>
+            </a:r>
+            <a:r>
+              <a:rPr lang="de-AT" dirty="0"/>
+              <a:t>). Somit ist gewährleistet, dass der Verarbeitungsprozess immer durchgeführt wird.</a:t>
+            </a:r>
+          </a:p>
+        </p:txBody>
+      </p:sp>
+      <p:sp>
+        <p:nvSpPr>
+          <p:cNvPr id="4" name="Footer Placeholder 3">
+            <a:extLst>
+              <a:ext uri="{FF2B5EF4-FFF2-40B4-BE49-F238E27FC236}">
+                <a16:creationId xmlns:a16="http://schemas.microsoft.com/office/drawing/2014/main" id="{C8CE79AC-B450-41A9-94CC-3423B80340C1}"/>
+              </a:ext>
+            </a:extLst>
+          </p:cNvPr>
+          <p:cNvSpPr>
+            <a:spLocks noGrp="1"/>
+          </p:cNvSpPr>
+          <p:nvPr>
+            <p:ph type="ftr" sz="quarter" idx="11"/>
+          </p:nvPr>
+        </p:nvSpPr>
+        <p:spPr/>
+        <p:txBody>
+          <a:bodyPr/>
+          <a:lstStyle/>
+          <a:p>
+            <a:r>
+              <a:rPr lang="de-AT"/>
+              <a:t>Michael Hinterdorfer</a:t>
+            </a:r>
+          </a:p>
+        </p:txBody>
+      </p:sp>
+    </p:spTree>
+    <p:extLst>
+      <p:ext uri="{BB962C8B-B14F-4D97-AF65-F5344CB8AC3E}">
+        <p14:creationId xmlns:p14="http://schemas.microsoft.com/office/powerpoint/2010/main" val="1431690073"/>
+      </p:ext>
+    </p:extLst>
+  </p:cSld>
+  <p:clrMapOvr>
+    <a:masterClrMapping/>
+  </p:clrMapOvr>
+  <mc:AlternateContent xmlns:mc="http://schemas.openxmlformats.org/markup-compatibility/2006" xmlns:p159="http://schemas.microsoft.com/office/powerpoint/2015/09/main">
+    <mc:Choice Requires="p159">
+      <p:transition spd="med">
+        <p159:morph option="byObject"/>
+      </p:transition>
+    </mc:Choice>
+    <mc:Fallback xmlns="">
+      <p:transition spd="med">
+        <p:fade/>
+      </p:transition>
+    </mc:Fallback>
+  </mc:AlternateContent>
+</p:sld>
+</file>
+
 <file path=ppt/slides/slide33.xml><?xml version="1.0" encoding="utf-8"?>
 <p:sld xmlns:a="http://schemas.openxmlformats.org/drawingml/2006/main" xmlns:r="http://schemas.openxmlformats.org/officeDocument/2006/relationships" xmlns:p="http://schemas.openxmlformats.org/presentationml/2006/main">
   <p:cSld>
@@ -18161,6 +19030,77 @@
           </a:p>
         </p:txBody>
       </p:sp>
+      <p:sp>
+        <p:nvSpPr>
+          <p:cNvPr id="4" name="TextBox 3">
+            <a:extLst>
+              <a:ext uri="{FF2B5EF4-FFF2-40B4-BE49-F238E27FC236}">
+                <a16:creationId xmlns:a16="http://schemas.microsoft.com/office/drawing/2014/main" id="{1AC40B29-1DF7-4C8D-9CCF-C2653F90D29C}"/>
+              </a:ext>
+            </a:extLst>
+          </p:cNvPr>
+          <p:cNvSpPr txBox="1"/>
+          <p:nvPr/>
+        </p:nvSpPr>
+        <p:spPr>
+          <a:xfrm>
+            <a:off x="4941036" y="6521548"/>
+            <a:ext cx="2309928" cy="307777"/>
+          </a:xfrm>
+          <a:prstGeom prst="rect">
+            <a:avLst/>
+          </a:prstGeom>
+          <a:noFill/>
+        </p:spPr>
+        <p:txBody>
+          <a:bodyPr wrap="none" rtlCol="0">
+            <a:spAutoFit/>
+          </a:bodyPr>
+          <a:lstStyle/>
+          <a:p>
+            <a:r>
+              <a:rPr lang="en-GB" sz="1400" dirty="0">
+                <a:solidFill>
+                  <a:schemeClr val="bg1">
+                    <a:lumMod val="50000"/>
+                  </a:schemeClr>
+                </a:solidFill>
+                <a:latin typeface="+mj-lt"/>
+              </a:rPr>
+              <a:t>Quelle: </a:t>
+            </a:r>
+            <a:r>
+              <a:rPr lang="en-GB" sz="1400" u="sng" dirty="0">
+                <a:solidFill>
+                  <a:schemeClr val="bg1">
+                    <a:lumMod val="50000"/>
+                  </a:schemeClr>
+                </a:solidFill>
+                <a:latin typeface="+mj-lt"/>
+                <a:hlinkClick r:id="rId4">
+                  <a:extLst>
+                    <a:ext uri="{A12FA001-AC4F-418D-AE19-62706E023703}">
+                      <ahyp:hlinkClr xmlns:ahyp="http://schemas.microsoft.com/office/drawing/2018/hyperlinkcolor" val="tx"/>
+                    </a:ext>
+                  </a:extLst>
+                </a:hlinkClick>
+              </a:rPr>
+              <a:t>https://bit.ly/2LJEUCl</a:t>
+            </a:r>
+            <a:r>
+              <a:rPr lang="en-GB" sz="1400" dirty="0">
+                <a:solidFill>
+                  <a:schemeClr val="bg1">
+                    <a:lumMod val="50000"/>
+                  </a:schemeClr>
+                </a:solidFill>
+                <a:latin typeface="+mj-lt"/>
+              </a:rPr>
+              <a:t> </a:t>
+            </a:r>
+          </a:p>
+        </p:txBody>
+      </p:sp>
     </p:spTree>
     <p:extLst>
       <p:ext uri="{BB962C8B-B14F-4D97-AF65-F5344CB8AC3E}">
@@ -18425,6 +19365,77 @@
           </a:p>
         </p:txBody>
       </p:sp>
+      <p:sp>
+        <p:nvSpPr>
+          <p:cNvPr id="7" name="TextBox 6">
+            <a:extLst>
+              <a:ext uri="{FF2B5EF4-FFF2-40B4-BE49-F238E27FC236}">
+                <a16:creationId xmlns:a16="http://schemas.microsoft.com/office/drawing/2014/main" id="{D78D95BF-1093-474B-ABEB-809A862EB125}"/>
+              </a:ext>
+            </a:extLst>
+          </p:cNvPr>
+          <p:cNvSpPr txBox="1"/>
+          <p:nvPr/>
+        </p:nvSpPr>
+        <p:spPr>
+          <a:xfrm>
+            <a:off x="4941036" y="6521548"/>
+            <a:ext cx="2309928" cy="307777"/>
+          </a:xfrm>
+          <a:prstGeom prst="rect">
+            <a:avLst/>
+          </a:prstGeom>
+          <a:noFill/>
+        </p:spPr>
+        <p:txBody>
+          <a:bodyPr wrap="none" rtlCol="0">
+            <a:spAutoFit/>
+          </a:bodyPr>
+          <a:lstStyle/>
+          <a:p>
+            <a:r>
+              <a:rPr lang="en-GB" sz="1400" dirty="0">
+                <a:solidFill>
+                  <a:schemeClr val="bg1">
+                    <a:lumMod val="50000"/>
+                  </a:schemeClr>
+                </a:solidFill>
+                <a:latin typeface="+mj-lt"/>
+              </a:rPr>
+              <a:t>Quelle: </a:t>
+            </a:r>
+            <a:r>
+              <a:rPr lang="en-GB" sz="1400" u="sng" dirty="0">
+                <a:solidFill>
+                  <a:schemeClr val="bg1">
+                    <a:lumMod val="50000"/>
+                  </a:schemeClr>
+                </a:solidFill>
+                <a:latin typeface="+mj-lt"/>
+                <a:hlinkClick r:id="rId4">
+                  <a:extLst>
+                    <a:ext uri="{A12FA001-AC4F-418D-AE19-62706E023703}">
+                      <ahyp:hlinkClr xmlns:ahyp="http://schemas.microsoft.com/office/drawing/2018/hyperlinkcolor" val="tx"/>
+                    </a:ext>
+                  </a:extLst>
+                </a:hlinkClick>
+              </a:rPr>
+              <a:t>https://bit.ly/2LJEUCl</a:t>
+            </a:r>
+            <a:r>
+              <a:rPr lang="en-GB" sz="1400" dirty="0">
+                <a:solidFill>
+                  <a:schemeClr val="bg1">
+                    <a:lumMod val="50000"/>
+                  </a:schemeClr>
+                </a:solidFill>
+                <a:latin typeface="+mj-lt"/>
+              </a:rPr>
+              <a:t> </a:t>
+            </a:r>
+          </a:p>
+        </p:txBody>
+      </p:sp>
     </p:spTree>
     <p:extLst>
       <p:ext uri="{BB962C8B-B14F-4D97-AF65-F5344CB8AC3E}">
@@ -18493,6 +19504,9 @@
             <a:pPr algn="ctr"/>
             <a:r>
               <a:rPr lang="de-AT" sz="5000" dirty="0">
+                <a:solidFill>
+                  <a:schemeClr val="accent6"/>
+                </a:solidFill>
                 <a:latin typeface="Circular Std Black" panose="020B0A04020101010102" pitchFamily="34" charset="0"/>
                 <a:cs typeface="Circular Std Black" panose="020B0A04020101010102" pitchFamily="34" charset="0"/>
               </a:rPr>
@@ -18677,6 +19691,9 @@
             <a:pPr algn="ctr"/>
             <a:r>
               <a:rPr lang="de-AT" sz="5000" dirty="0">
+                <a:solidFill>
+                  <a:srgbClr val="FF0000"/>
+                </a:solidFill>
                 <a:latin typeface="Circular Std Black" panose="020B0A04020101010102" pitchFamily="34" charset="0"/>
                 <a:cs typeface="Circular Std Black" panose="020B0A04020101010102" pitchFamily="34" charset="0"/>
               </a:rPr>
@@ -19379,8 +20396,8 @@
         </p:nvSpPr>
         <p:spPr>
           <a:xfrm>
-            <a:off x="838200" y="1473198"/>
-            <a:ext cx="10515600" cy="1325563"/>
+            <a:off x="168442" y="1473198"/>
+            <a:ext cx="11855116" cy="1325563"/>
           </a:xfrm>
           <a:prstGeom prst="rect">
             <a:avLst/>
@@ -19416,8 +20433,20 @@
                 <a:latin typeface="Circular Std Book" panose="020B0604020101020102" pitchFamily="34" charset="0"/>
                 <a:cs typeface="Circular Std Book" panose="020B0604020101020102" pitchFamily="34" charset="0"/>
               </a:rPr>
-              <a:t>Trennung der Objektverarbeitung von der konkreten Objekterstellung</a:t>
-            </a:r>
+              <a:t>Trennung der Objektverarbeitung von konkreter Objekterstellung </a:t>
+            </a:r>
+            <a:r>
+              <a:rPr lang="de-AT" sz="4000" dirty="0">
+                <a:latin typeface="Circular Std Book" panose="020B0604020101020102" pitchFamily="34" charset="0"/>
+                <a:cs typeface="Circular Std Book" panose="020B0604020101020102" pitchFamily="34" charset="0"/>
+                <a:sym typeface="Wingdings" panose="05000000000000000000" pitchFamily="2" charset="2"/>
+              </a:rPr>
+              <a:t> Delegation an Unterklasse</a:t>
+            </a:r>
+            <a:endParaRPr lang="de-AT" sz="4000" dirty="0">
+              <a:latin typeface="Circular Std Book" panose="020B0604020101020102" pitchFamily="34" charset="0"/>
+              <a:cs typeface="Circular Std Book" panose="020B0604020101020102" pitchFamily="34" charset="0"/>
+            </a:endParaRPr>
           </a:p>
         </p:txBody>
       </p:sp>
@@ -19739,7 +20768,7 @@
               <a:rPr lang="de-AT" sz="3200" dirty="0">
                 <a:latin typeface="+mj-lt"/>
               </a:rPr>
-              <a:t>Java REST-Schnittstelle zum Speichern der Eigenschaften von Immobilien</a:t>
+              <a:t>Java JAX-RS REST-Schnittstelle zum Speichern der Eigenschaften von Immobilien</a:t>
             </a:r>
           </a:p>
           <a:p>
@@ -19811,6 +20840,59 @@
             <a:r>
               <a:rPr lang="de-AT"/>
               <a:t>Michael Hinterdorfer</a:t>
+            </a:r>
+          </a:p>
+        </p:txBody>
+      </p:sp>
+      <p:sp>
+        <p:nvSpPr>
+          <p:cNvPr id="5" name="TextBox 4">
+            <a:extLst>
+              <a:ext uri="{FF2B5EF4-FFF2-40B4-BE49-F238E27FC236}">
+                <a16:creationId xmlns:a16="http://schemas.microsoft.com/office/drawing/2014/main" id="{492A294F-A65C-4A26-AEA3-6B35B5D44158}"/>
+              </a:ext>
+            </a:extLst>
+          </p:cNvPr>
+          <p:cNvSpPr txBox="1"/>
+          <p:nvPr/>
+        </p:nvSpPr>
+        <p:spPr>
+          <a:xfrm>
+            <a:off x="3090722" y="6292820"/>
+            <a:ext cx="6010556" cy="400110"/>
+          </a:xfrm>
+          <a:prstGeom prst="rect">
+            <a:avLst/>
+          </a:prstGeom>
+          <a:noFill/>
+        </p:spPr>
+        <p:txBody>
+          <a:bodyPr wrap="none" rtlCol="0">
+            <a:spAutoFit/>
+          </a:bodyPr>
+          <a:lstStyle/>
+          <a:p>
+            <a:r>
+              <a:rPr lang="de-AT" sz="2000" b="1" dirty="0">
+                <a:solidFill>
+                  <a:schemeClr val="bg1">
+                    <a:lumMod val="50000"/>
+                  </a:schemeClr>
+                </a:solidFill>
+                <a:latin typeface="+mj-lt"/>
+              </a:rPr>
+              <a:t>Code: </a:t>
+            </a:r>
+            <a:r>
+              <a:rPr lang="de-AT" sz="2000" dirty="0">
+                <a:solidFill>
+                  <a:schemeClr val="bg1">
+                    <a:lumMod val="50000"/>
+                  </a:schemeClr>
+                </a:solidFill>
+                <a:latin typeface="+mj-lt"/>
+              </a:rPr>
+              <a:t>https://github.com/mhinterdorfer/FactoryMethod</a:t>
             </a:r>
           </a:p>
         </p:txBody>
@@ -19973,6 +21055,59 @@
             <a:r>
               <a:rPr lang="de-AT"/>
               <a:t>Michael Hinterdorfer</a:t>
+            </a:r>
+          </a:p>
+        </p:txBody>
+      </p:sp>
+      <p:sp>
+        <p:nvSpPr>
+          <p:cNvPr id="5" name="TextBox 4">
+            <a:extLst>
+              <a:ext uri="{FF2B5EF4-FFF2-40B4-BE49-F238E27FC236}">
+                <a16:creationId xmlns:a16="http://schemas.microsoft.com/office/drawing/2014/main" id="{37C612FB-EA4B-4EE3-BD83-D6B2F175D701}"/>
+              </a:ext>
+            </a:extLst>
+          </p:cNvPr>
+          <p:cNvSpPr txBox="1"/>
+          <p:nvPr/>
+        </p:nvSpPr>
+        <p:spPr>
+          <a:xfrm>
+            <a:off x="3090722" y="6292820"/>
+            <a:ext cx="6010556" cy="400110"/>
+          </a:xfrm>
+          <a:prstGeom prst="rect">
+            <a:avLst/>
+          </a:prstGeom>
+          <a:noFill/>
+        </p:spPr>
+        <p:txBody>
+          <a:bodyPr wrap="none" rtlCol="0">
+            <a:spAutoFit/>
+          </a:bodyPr>
+          <a:lstStyle/>
+          <a:p>
+            <a:r>
+              <a:rPr lang="de-AT" sz="2000" b="1" dirty="0">
+                <a:solidFill>
+                  <a:schemeClr val="bg1">
+                    <a:lumMod val="50000"/>
+                  </a:schemeClr>
+                </a:solidFill>
+                <a:latin typeface="+mj-lt"/>
+              </a:rPr>
+              <a:t>Code: </a:t>
+            </a:r>
+            <a:r>
+              <a:rPr lang="de-AT" sz="2000" dirty="0">
+                <a:solidFill>
+                  <a:schemeClr val="bg1">
+                    <a:lumMod val="50000"/>
+                  </a:schemeClr>
+                </a:solidFill>
+                <a:latin typeface="+mj-lt"/>
+              </a:rPr>
+              <a:t>https://github.com/mhinterdorfer/FactoryMethod</a:t>
             </a:r>
           </a:p>
         </p:txBody>
@@ -20132,6 +21267,269 @@
 </p:sld>
 </file>
 
+<file path=ppt/slides/slide45.xml><?xml version="1.0" encoding="utf-8"?>
+<p:sld xmlns:a="http://schemas.openxmlformats.org/drawingml/2006/main" xmlns:r="http://schemas.openxmlformats.org/officeDocument/2006/relationships" xmlns:p="http://schemas.openxmlformats.org/presentationml/2006/main">
+  <p:cSld>
+    <p:spTree>
+      <p:nvGrpSpPr>
+        <p:cNvPr id="1" name=""/>
+        <p:cNvGrpSpPr/>
+        <p:nvPr/>
+      </p:nvGrpSpPr>
+      <p:grpSpPr>
+        <a:xfrm>
+          <a:off x="0" y="0"/>
+          <a:ext cx="0" cy="0"/>
+          <a:chOff x="0" y="0"/>
+          <a:chExt cx="0" cy="0"/>
+        </a:xfrm>
+      </p:grpSpPr>
+      <p:sp>
+        <p:nvSpPr>
+          <p:cNvPr id="5" name="Footer Placeholder 4">
+            <a:extLst>
+              <a:ext uri="{FF2B5EF4-FFF2-40B4-BE49-F238E27FC236}">
+                <a16:creationId xmlns:a16="http://schemas.microsoft.com/office/drawing/2014/main" id="{6942233D-11E1-4EDB-8A0D-A2850502B1A4}"/>
+              </a:ext>
+            </a:extLst>
+          </p:cNvPr>
+          <p:cNvSpPr>
+            <a:spLocks noGrp="1"/>
+          </p:cNvSpPr>
+          <p:nvPr>
+            <p:ph type="ftr" sz="quarter" idx="11"/>
+          </p:nvPr>
+        </p:nvSpPr>
+        <p:spPr/>
+        <p:txBody>
+          <a:bodyPr/>
+          <a:lstStyle/>
+          <a:p>
+            <a:r>
+              <a:rPr lang="de-AT" dirty="0"/>
+              <a:t>Michael Hinterdorfer</a:t>
+            </a:r>
+          </a:p>
+        </p:txBody>
+      </p:sp>
+      <p:pic>
+        <p:nvPicPr>
+          <p:cNvPr id="4" name="Content Placeholder 3">
+            <a:extLst>
+              <a:ext uri="{FF2B5EF4-FFF2-40B4-BE49-F238E27FC236}">
+                <a16:creationId xmlns:a16="http://schemas.microsoft.com/office/drawing/2014/main" id="{03E05053-686F-453A-8186-D634CC2EA6E5}"/>
+              </a:ext>
+            </a:extLst>
+          </p:cNvPr>
+          <p:cNvPicPr>
+            <a:picLocks noGrp="1" noChangeAspect="1"/>
+          </p:cNvPicPr>
+          <p:nvPr>
+            <p:ph idx="1"/>
+          </p:nvPr>
+        </p:nvPicPr>
+        <p:blipFill rotWithShape="1">
+          <a:blip r:embed="rId2"/>
+          <a:srcRect b="30232"/>
+          <a:stretch/>
+        </p:blipFill>
+        <p:spPr>
+          <a:xfrm>
+            <a:off x="133372" y="0"/>
+            <a:ext cx="11925255" cy="6492875"/>
+          </a:xfrm>
+          <a:prstGeom prst="rect">
+            <a:avLst/>
+          </a:prstGeom>
+        </p:spPr>
+      </p:pic>
+    </p:spTree>
+    <p:extLst>
+      <p:ext uri="{BB962C8B-B14F-4D97-AF65-F5344CB8AC3E}">
+        <p14:creationId xmlns:p14="http://schemas.microsoft.com/office/powerpoint/2010/main" val="2729379101"/>
+      </p:ext>
+    </p:extLst>
+  </p:cSld>
+  <p:clrMapOvr>
+    <a:masterClrMapping/>
+  </p:clrMapOvr>
+  <mc:AlternateContent xmlns:mc="http://schemas.openxmlformats.org/markup-compatibility/2006" xmlns:p159="http://schemas.microsoft.com/office/powerpoint/2015/09/main">
+    <mc:Choice Requires="p159">
+      <p:transition spd="med">
+        <p159:morph option="byObject"/>
+      </p:transition>
+    </mc:Choice>
+    <mc:Fallback xmlns="">
+      <p:transition spd="med">
+        <p:fade/>
+      </p:transition>
+    </mc:Fallback>
+  </mc:AlternateContent>
+</p:sld>
+</file>
+
+<file path=ppt/slides/slide46.xml><?xml version="1.0" encoding="utf-8"?>
+<p:sld xmlns:a="http://schemas.openxmlformats.org/drawingml/2006/main" xmlns:r="http://schemas.openxmlformats.org/officeDocument/2006/relationships" xmlns:p="http://schemas.openxmlformats.org/presentationml/2006/main">
+  <p:cSld>
+    <p:spTree>
+      <p:nvGrpSpPr>
+        <p:cNvPr id="1" name=""/>
+        <p:cNvGrpSpPr/>
+        <p:nvPr/>
+      </p:nvGrpSpPr>
+      <p:grpSpPr>
+        <a:xfrm>
+          <a:off x="0" y="0"/>
+          <a:ext cx="0" cy="0"/>
+          <a:chOff x="0" y="0"/>
+          <a:chExt cx="0" cy="0"/>
+        </a:xfrm>
+      </p:grpSpPr>
+      <p:sp>
+        <p:nvSpPr>
+          <p:cNvPr id="2" name="Title 1">
+            <a:extLst>
+              <a:ext uri="{FF2B5EF4-FFF2-40B4-BE49-F238E27FC236}">
+                <a16:creationId xmlns:a16="http://schemas.microsoft.com/office/drawing/2014/main" id="{4ED14AB4-0C2E-4726-AFA9-FD8928A83FCD}"/>
+              </a:ext>
+            </a:extLst>
+          </p:cNvPr>
+          <p:cNvSpPr>
+            <a:spLocks noGrp="1"/>
+          </p:cNvSpPr>
+          <p:nvPr>
+            <p:ph type="title"/>
+          </p:nvPr>
+        </p:nvSpPr>
+        <p:spPr>
+          <a:xfrm>
+            <a:off x="450850" y="2559974"/>
+            <a:ext cx="11290300" cy="1325563"/>
+          </a:xfrm>
+        </p:spPr>
+        <p:txBody>
+          <a:bodyPr>
+            <a:noAutofit/>
+          </a:bodyPr>
+          <a:lstStyle/>
+          <a:p>
+            <a:pPr algn="ctr"/>
+            <a:r>
+              <a:rPr lang="de-AT" sz="6600" dirty="0">
+                <a:latin typeface="Circular Std Bold" panose="020B0804020101010102" pitchFamily="34" charset="0"/>
+                <a:cs typeface="Circular Std Bold" panose="020B0804020101010102" pitchFamily="34" charset="0"/>
+              </a:rPr>
+              <a:t>Demo!</a:t>
+            </a:r>
+          </a:p>
+        </p:txBody>
+      </p:sp>
+      <p:sp>
+        <p:nvSpPr>
+          <p:cNvPr id="4" name="Footer Placeholder 3">
+            <a:extLst>
+              <a:ext uri="{FF2B5EF4-FFF2-40B4-BE49-F238E27FC236}">
+                <a16:creationId xmlns:a16="http://schemas.microsoft.com/office/drawing/2014/main" id="{FAB18215-E9DB-4601-B812-D26980C97B9D}"/>
+              </a:ext>
+            </a:extLst>
+          </p:cNvPr>
+          <p:cNvSpPr>
+            <a:spLocks noGrp="1"/>
+          </p:cNvSpPr>
+          <p:nvPr>
+            <p:ph type="ftr" sz="quarter" idx="11"/>
+          </p:nvPr>
+        </p:nvSpPr>
+        <p:spPr/>
+        <p:txBody>
+          <a:bodyPr/>
+          <a:lstStyle/>
+          <a:p>
+            <a:r>
+              <a:rPr lang="de-AT"/>
+              <a:t>Michael Hinterdorfer</a:t>
+            </a:r>
+          </a:p>
+        </p:txBody>
+      </p:sp>
+      <p:sp>
+        <p:nvSpPr>
+          <p:cNvPr id="5" name="TextBox 4">
+            <a:extLst>
+              <a:ext uri="{FF2B5EF4-FFF2-40B4-BE49-F238E27FC236}">
+                <a16:creationId xmlns:a16="http://schemas.microsoft.com/office/drawing/2014/main" id="{37C612FB-EA4B-4EE3-BD83-D6B2F175D701}"/>
+              </a:ext>
+            </a:extLst>
+          </p:cNvPr>
+          <p:cNvSpPr txBox="1"/>
+          <p:nvPr/>
+        </p:nvSpPr>
+        <p:spPr>
+          <a:xfrm>
+            <a:off x="3090722" y="6292820"/>
+            <a:ext cx="6010556" cy="400110"/>
+          </a:xfrm>
+          <a:prstGeom prst="rect">
+            <a:avLst/>
+          </a:prstGeom>
+          <a:noFill/>
+        </p:spPr>
+        <p:txBody>
+          <a:bodyPr wrap="none" rtlCol="0">
+            <a:spAutoFit/>
+          </a:bodyPr>
+          <a:lstStyle/>
+          <a:p>
+            <a:r>
+              <a:rPr lang="de-AT" sz="2000" b="1" dirty="0">
+                <a:solidFill>
+                  <a:schemeClr val="bg1">
+                    <a:lumMod val="50000"/>
+                  </a:schemeClr>
+                </a:solidFill>
+                <a:latin typeface="+mj-lt"/>
+              </a:rPr>
+              <a:t>Code: </a:t>
+            </a:r>
+            <a:r>
+              <a:rPr lang="de-AT" sz="2000" dirty="0">
+                <a:solidFill>
+                  <a:schemeClr val="bg1">
+                    <a:lumMod val="50000"/>
+                  </a:schemeClr>
+                </a:solidFill>
+                <a:latin typeface="+mj-lt"/>
+              </a:rPr>
+              <a:t>https://github.com/mhinterdorfer/FactoryMethod</a:t>
+            </a:r>
+          </a:p>
+        </p:txBody>
+      </p:sp>
+    </p:spTree>
+    <p:extLst>
+      <p:ext uri="{BB962C8B-B14F-4D97-AF65-F5344CB8AC3E}">
+        <p14:creationId xmlns:p14="http://schemas.microsoft.com/office/powerpoint/2010/main" val="826289158"/>
+      </p:ext>
+    </p:extLst>
+  </p:cSld>
+  <p:clrMapOvr>
+    <a:masterClrMapping/>
+  </p:clrMapOvr>
+  <mc:AlternateContent xmlns:mc="http://schemas.openxmlformats.org/markup-compatibility/2006" xmlns:p159="http://schemas.microsoft.com/office/powerpoint/2015/09/main">
+    <mc:Choice Requires="p159">
+      <p:transition spd="med">
+        <p159:morph option="byObject"/>
+      </p:transition>
+    </mc:Choice>
+    <mc:Fallback xmlns="">
+      <p:transition spd="med">
+        <p:fade/>
+      </p:transition>
+    </mc:Fallback>
+  </mc:AlternateContent>
+</p:sld>
+</file>
+
 <file path=ppt/slides/slide5.xml><?xml version="1.0" encoding="utf-8"?>
 <p:sld xmlns:a="http://schemas.openxmlformats.org/drawingml/2006/main" xmlns:r="http://schemas.openxmlformats.org/officeDocument/2006/relationships" xmlns:p="http://schemas.openxmlformats.org/presentationml/2006/main">
   <p:cSld>
@@ -20276,37 +21674,43 @@
         </p:nvSpPr>
         <p:spPr/>
         <p:txBody>
-          <a:bodyPr/>
+          <a:bodyPr>
+            <a:noAutofit/>
+          </a:bodyPr>
           <a:lstStyle/>
+          <a:p>
+            <a:endParaRPr lang="de-AT" sz="3200" dirty="0">
+              <a:latin typeface="+mj-lt"/>
+            </a:endParaRPr>
+          </a:p>
           <a:p>
             <a:r>
               <a:rPr lang="de-AT" sz="3200" dirty="0">
                 <a:latin typeface="+mj-lt"/>
-                <a:cs typeface="Circular Std Black" panose="020B0A04020101010102" pitchFamily="34" charset="0"/>
               </a:rPr>
-              <a:t>Eine Klasse kann die Klasse der Objekte, die sie erstellen muss, nicht vorhersehen.</a:t>
+              <a:t>Trennung Objektverarbeitung – Objekterstellung. Delegation der Objektinstanziierung an Unterklasse. </a:t>
             </a:r>
           </a:p>
           <a:p>
             <a:r>
               <a:rPr lang="de-AT" sz="3200" dirty="0">
                 <a:latin typeface="+mj-lt"/>
-                <a:cs typeface="Circular Std Black" panose="020B0A04020101010102" pitchFamily="34" charset="0"/>
               </a:rPr>
-              <a:t>Eine Klasse möchte, dass ihre Unterklassen die zu erstellenden Objekte definieren.</a:t>
+              <a:t>Wachsende Anzahl und Ausformung von Produkten (mit allgemeinem Herstellungsprozess).</a:t>
             </a:r>
           </a:p>
           <a:p>
             <a:r>
               <a:rPr lang="de-AT" sz="3200" dirty="0">
                 <a:latin typeface="+mj-lt"/>
-                <a:cs typeface="Circular Std Black" panose="020B0A04020101010102" pitchFamily="34" charset="0"/>
               </a:rPr>
-              <a:t>Klassen delegieren die Verantwortung an eine von mehreren Helfer-Unterklassen, und man möchte wissen, welche Helfer-Unterklasse der Delegierte ist.</a:t>
-            </a:r>
-          </a:p>
-          <a:p>
-            <a:endParaRPr lang="de-AT" dirty="0"/>
+              <a:t>Konkret zu erstellenden Produkte nicht bekannt sind oder nicht festgelegt werden sollen. </a:t>
+            </a:r>
+          </a:p>
+          <a:p>
+            <a:endParaRPr lang="de-AT" sz="3200" dirty="0">
+              <a:latin typeface="+mj-lt"/>
+            </a:endParaRPr>
           </a:p>
         </p:txBody>
       </p:sp>
@@ -20500,8 +21904,8 @@
         </p:nvSpPr>
         <p:spPr>
           <a:xfrm>
-            <a:off x="3523565" y="6581001"/>
-            <a:ext cx="5144870" cy="276999"/>
+            <a:off x="3199213" y="6581001"/>
+            <a:ext cx="5793574" cy="276999"/>
           </a:xfrm>
           <a:prstGeom prst="rect">
             <a:avLst/>
@@ -20523,7 +21927,7 @@
                 </a:solidFill>
                 <a:latin typeface="+mj-lt"/>
               </a:rPr>
-              <a:t>Idee: https://www.philipphauer.de/study/se/design-pattern/factory-method.php</a:t>
+              <a:t>Idee und Fotos: https://www.philipphauer.de/study/se/design-pattern/factory-method.php</a:t>
             </a:r>
           </a:p>
         </p:txBody>
@@ -20880,7 +22284,7 @@
           <p:nvPr/>
         </p:nvPicPr>
         <p:blipFill>
-          <a:blip r:embed="rId2"/>
+          <a:blip r:embed="rId3"/>
           <a:stretch>
             <a:fillRect/>
           </a:stretch>
@@ -20910,7 +22314,7 @@
           <p:nvPr/>
         </p:nvPicPr>
         <p:blipFill>
-          <a:blip r:embed="rId3"/>
+          <a:blip r:embed="rId4"/>
           <a:stretch>
             <a:fillRect/>
           </a:stretch>
